--- a/poster/debatingdenim_36x24.pptx
+++ b/poster/debatingdenim_36x24.pptx
@@ -5,9 +5,9 @@
     <p:sldMasterId id="2147483648" r:id="rId1"/>
   </p:sldMasterIdLst>
   <p:sldIdLst>
-    <p:sldId id="256" r:id="rId2"/>
+    <p:sldId id="257" r:id="rId2"/>
   </p:sldIdLst>
-  <p:sldSz cx="32918400" cy="21945600"/>
+  <p:sldSz cx="12801600" cy="9601200" type="A3"/>
   <p:notesSz cx="6858000" cy="9144000"/>
   <p:embeddedFontLst>
     <p:embeddedFont>
@@ -15,12 +15,16 @@
       <p:regular r:id="rId3"/>
     </p:embeddedFont>
     <p:embeddedFont>
+      <p:font typeface="Cambria Math" panose="02040503050406030204" pitchFamily="18" charset="0"/>
+      <p:regular r:id="rId4"/>
+    </p:embeddedFont>
+    <p:embeddedFont>
       <p:font typeface="Titillium Web" panose="02010600030101010101" charset="0"/>
-      <p:regular r:id="rId4"/>
+      <p:regular r:id="rId5"/>
     </p:embeddedFont>
   </p:embeddedFontLst>
   <p:custDataLst>
-    <p:tags r:id="rId5"/>
+    <p:tags r:id="rId6"/>
   </p:custDataLst>
   <p:defaultTextStyle>
     <a:defPPr>
@@ -33,7 +37,7 @@
       <a:spcAft>
         <a:spcPct val="0"/>
       </a:spcAft>
-      <a:defRPr sz="3214" kern="1200">
+      <a:defRPr sz="1312" kern="1200">
         <a:solidFill>
           <a:schemeClr val="tx1"/>
         </a:solidFill>
@@ -42,14 +46,14 @@
         <a:cs typeface="+mn-cs"/>
       </a:defRPr>
     </a:lvl1pPr>
-    <a:lvl2pPr marL="326532" algn="l" rtl="0" fontAlgn="base">
+    <a:lvl2pPr marL="133323" algn="l" rtl="0" fontAlgn="base">
       <a:spcBef>
         <a:spcPct val="0"/>
       </a:spcBef>
       <a:spcAft>
         <a:spcPct val="0"/>
       </a:spcAft>
-      <a:defRPr sz="3214" kern="1200">
+      <a:defRPr sz="1312" kern="1200">
         <a:solidFill>
           <a:schemeClr val="tx1"/>
         </a:solidFill>
@@ -58,14 +62,14 @@
         <a:cs typeface="+mn-cs"/>
       </a:defRPr>
     </a:lvl2pPr>
-    <a:lvl3pPr marL="653064" algn="l" rtl="0" fontAlgn="base">
+    <a:lvl3pPr marL="266646" algn="l" rtl="0" fontAlgn="base">
       <a:spcBef>
         <a:spcPct val="0"/>
       </a:spcBef>
       <a:spcAft>
         <a:spcPct val="0"/>
       </a:spcAft>
-      <a:defRPr sz="3214" kern="1200">
+      <a:defRPr sz="1312" kern="1200">
         <a:solidFill>
           <a:schemeClr val="tx1"/>
         </a:solidFill>
@@ -74,14 +78,14 @@
         <a:cs typeface="+mn-cs"/>
       </a:defRPr>
     </a:lvl3pPr>
-    <a:lvl4pPr marL="979597" algn="l" rtl="0" fontAlgn="base">
+    <a:lvl4pPr marL="399969" algn="l" rtl="0" fontAlgn="base">
       <a:spcBef>
         <a:spcPct val="0"/>
       </a:spcBef>
       <a:spcAft>
         <a:spcPct val="0"/>
       </a:spcAft>
-      <a:defRPr sz="3214" kern="1200">
+      <a:defRPr sz="1312" kern="1200">
         <a:solidFill>
           <a:schemeClr val="tx1"/>
         </a:solidFill>
@@ -90,14 +94,14 @@
         <a:cs typeface="+mn-cs"/>
       </a:defRPr>
     </a:lvl4pPr>
-    <a:lvl5pPr marL="1306129" algn="l" rtl="0" fontAlgn="base">
+    <a:lvl5pPr marL="533292" algn="l" rtl="0" fontAlgn="base">
       <a:spcBef>
         <a:spcPct val="0"/>
       </a:spcBef>
       <a:spcAft>
         <a:spcPct val="0"/>
       </a:spcAft>
-      <a:defRPr sz="3214" kern="1200">
+      <a:defRPr sz="1312" kern="1200">
         <a:solidFill>
           <a:schemeClr val="tx1"/>
         </a:solidFill>
@@ -106,8 +110,8 @@
         <a:cs typeface="+mn-cs"/>
       </a:defRPr>
     </a:lvl5pPr>
-    <a:lvl6pPr marL="1632661" algn="l" defTabSz="653064" rtl="0" eaLnBrk="1" latinLnBrk="0" hangingPunct="1">
-      <a:defRPr sz="3214" kern="1200">
+    <a:lvl6pPr marL="666615" algn="l" defTabSz="266646" rtl="0" eaLnBrk="1" latinLnBrk="0" hangingPunct="1">
+      <a:defRPr sz="1312" kern="1200">
         <a:solidFill>
           <a:schemeClr val="tx1"/>
         </a:solidFill>
@@ -116,8 +120,8 @@
         <a:cs typeface="+mn-cs"/>
       </a:defRPr>
     </a:lvl6pPr>
-    <a:lvl7pPr marL="1959193" algn="l" defTabSz="653064" rtl="0" eaLnBrk="1" latinLnBrk="0" hangingPunct="1">
-      <a:defRPr sz="3214" kern="1200">
+    <a:lvl7pPr marL="799939" algn="l" defTabSz="266646" rtl="0" eaLnBrk="1" latinLnBrk="0" hangingPunct="1">
+      <a:defRPr sz="1312" kern="1200">
         <a:solidFill>
           <a:schemeClr val="tx1"/>
         </a:solidFill>
@@ -126,8 +130,8 @@
         <a:cs typeface="+mn-cs"/>
       </a:defRPr>
     </a:lvl7pPr>
-    <a:lvl8pPr marL="2285726" algn="l" defTabSz="653064" rtl="0" eaLnBrk="1" latinLnBrk="0" hangingPunct="1">
-      <a:defRPr sz="3214" kern="1200">
+    <a:lvl8pPr marL="933262" algn="l" defTabSz="266646" rtl="0" eaLnBrk="1" latinLnBrk="0" hangingPunct="1">
+      <a:defRPr sz="1312" kern="1200">
         <a:solidFill>
           <a:schemeClr val="tx1"/>
         </a:solidFill>
@@ -136,8 +140,8 @@
         <a:cs typeface="+mn-cs"/>
       </a:defRPr>
     </a:lvl8pPr>
-    <a:lvl9pPr marL="2612258" algn="l" defTabSz="653064" rtl="0" eaLnBrk="1" latinLnBrk="0" hangingPunct="1">
-      <a:defRPr sz="3214" kern="1200">
+    <a:lvl9pPr marL="1066585" algn="l" defTabSz="266646" rtl="0" eaLnBrk="1" latinLnBrk="0" hangingPunct="1">
+      <a:defRPr sz="1312" kern="1200">
         <a:solidFill>
           <a:schemeClr val="tx1"/>
         </a:solidFill>
@@ -150,12 +154,12 @@
   <p:extLst>
     <p:ext uri="{EFAFB233-063F-42B5-8137-9DF3F51BA10A}">
       <p15:sldGuideLst xmlns:p15="http://schemas.microsoft.com/office/powerpoint/2012/main">
-        <p15:guide id="1" orient="horz" pos="6912" userDrawn="1">
+        <p15:guide id="1" orient="horz" pos="3024" userDrawn="1">
           <p15:clr>
             <a:srgbClr val="A4A3A4"/>
           </p15:clr>
         </p15:guide>
-        <p15:guide id="2" pos="10368" userDrawn="1">
+        <p15:guide id="2" pos="4032" userDrawn="1">
           <p15:clr>
             <a:srgbClr val="A4A3A4"/>
           </p15:clr>
@@ -198,8 +202,8 @@
         </p:nvSpPr>
         <p:spPr>
           <a:xfrm>
-            <a:off x="2469356" y="6817784"/>
-            <a:ext cx="27979688" cy="4703233"/>
+            <a:off x="960305" y="2982781"/>
+            <a:ext cx="10880990" cy="2057664"/>
           </a:xfrm>
         </p:spPr>
         <p:txBody>
@@ -229,8 +233,8 @@
         </p:nvSpPr>
         <p:spPr>
           <a:xfrm>
-            <a:off x="4937523" y="12435417"/>
-            <a:ext cx="23043356" cy="5609167"/>
+            <a:off x="1920148" y="5440495"/>
+            <a:ext cx="8961305" cy="2454011"/>
           </a:xfrm>
         </p:spPr>
         <p:txBody>
@@ -243,35 +247,35 @@
               <a:buNone/>
               <a:defRPr/>
             </a:lvl1pPr>
-            <a:lvl2pPr marL="304815" indent="0" algn="ctr">
+            <a:lvl2pPr marL="118543" indent="0" algn="ctr">
               <a:buNone/>
               <a:defRPr/>
             </a:lvl2pPr>
-            <a:lvl3pPr marL="609630" indent="0" algn="ctr">
+            <a:lvl3pPr marL="237085" indent="0" algn="ctr">
               <a:buNone/>
               <a:defRPr/>
             </a:lvl3pPr>
-            <a:lvl4pPr marL="914446" indent="0" algn="ctr">
+            <a:lvl4pPr marL="355628" indent="0" algn="ctr">
               <a:buNone/>
               <a:defRPr/>
             </a:lvl4pPr>
-            <a:lvl5pPr marL="1219261" indent="0" algn="ctr">
+            <a:lvl5pPr marL="474171" indent="0" algn="ctr">
               <a:buNone/>
               <a:defRPr/>
             </a:lvl5pPr>
-            <a:lvl6pPr marL="1524076" indent="0" algn="ctr">
+            <a:lvl6pPr marL="592713" indent="0" algn="ctr">
               <a:buNone/>
               <a:defRPr/>
             </a:lvl6pPr>
-            <a:lvl7pPr marL="1828891" indent="0" algn="ctr">
+            <a:lvl7pPr marL="711256" indent="0" algn="ctr">
               <a:buNone/>
               <a:defRPr/>
             </a:lvl7pPr>
-            <a:lvl8pPr marL="2133707" indent="0" algn="ctr">
+            <a:lvl8pPr marL="829799" indent="0" algn="ctr">
               <a:buNone/>
               <a:defRPr/>
             </a:lvl8pPr>
-            <a:lvl9pPr marL="2438522" indent="0" algn="ctr">
+            <a:lvl9pPr marL="948341" indent="0" algn="ctr">
               <a:buNone/>
               <a:defRPr/>
             </a:lvl9pPr>
@@ -627,8 +631,8 @@
         </p:nvSpPr>
         <p:spPr>
           <a:xfrm>
-            <a:off x="23866080" y="878417"/>
-            <a:ext cx="7406878" cy="18726150"/>
+            <a:off x="9281253" y="384307"/>
+            <a:ext cx="2880453" cy="8192691"/>
           </a:xfrm>
         </p:spPr>
         <p:txBody>
@@ -658,8 +662,8 @@
         </p:nvSpPr>
         <p:spPr>
           <a:xfrm>
-            <a:off x="1645444" y="878417"/>
-            <a:ext cx="22106334" cy="18726150"/>
+            <a:off x="639895" y="384307"/>
+            <a:ext cx="8596908" cy="8192691"/>
           </a:xfrm>
         </p:spPr>
         <p:txBody>
@@ -1049,8 +1053,8 @@
         </p:nvSpPr>
         <p:spPr>
           <a:xfrm>
-            <a:off x="2600325" y="14102293"/>
-            <a:ext cx="27980878" cy="4358217"/>
+            <a:off x="1011237" y="6169753"/>
+            <a:ext cx="10881453" cy="1906720"/>
           </a:xfrm>
         </p:spPr>
         <p:txBody>
@@ -1060,7 +1064,7 @@
               <a:defRPr kern="1200" smtId="4294967295"/>
             </a:defPPr>
             <a:lvl1pPr algn="l">
-              <a:defRPr sz="2667" b="1" cap="all"/>
+              <a:defRPr sz="1037" b="1" cap="all"/>
             </a:lvl1pPr>
           </a:lstStyle>
           <a:p>
@@ -1083,8 +1087,8 @@
         </p:nvSpPr>
         <p:spPr>
           <a:xfrm>
-            <a:off x="2600325" y="9301692"/>
-            <a:ext cx="27980878" cy="4800600"/>
+            <a:off x="1011237" y="4069490"/>
+            <a:ext cx="10881453" cy="2100263"/>
           </a:xfrm>
         </p:spPr>
         <p:txBody>
@@ -1095,39 +1099,39 @@
             </a:defPPr>
             <a:lvl1pPr marL="0" indent="0">
               <a:buNone/>
-              <a:defRPr sz="1333"/>
+              <a:defRPr sz="518"/>
             </a:lvl1pPr>
-            <a:lvl2pPr marL="304815" indent="0">
+            <a:lvl2pPr marL="118543" indent="0">
               <a:buNone/>
-              <a:defRPr sz="1200"/>
+              <a:defRPr sz="467"/>
             </a:lvl2pPr>
-            <a:lvl3pPr marL="609630" indent="0">
+            <a:lvl3pPr marL="237085" indent="0">
               <a:buNone/>
-              <a:defRPr sz="1067"/>
+              <a:defRPr sz="415"/>
             </a:lvl3pPr>
-            <a:lvl4pPr marL="914446" indent="0">
+            <a:lvl4pPr marL="355628" indent="0">
               <a:buNone/>
-              <a:defRPr sz="933"/>
+              <a:defRPr sz="363"/>
             </a:lvl4pPr>
-            <a:lvl5pPr marL="1219261" indent="0">
+            <a:lvl5pPr marL="474171" indent="0">
               <a:buNone/>
-              <a:defRPr sz="933"/>
+              <a:defRPr sz="363"/>
             </a:lvl5pPr>
-            <a:lvl6pPr marL="1524076" indent="0">
+            <a:lvl6pPr marL="592713" indent="0">
               <a:buNone/>
-              <a:defRPr sz="933"/>
+              <a:defRPr sz="363"/>
             </a:lvl6pPr>
-            <a:lvl7pPr marL="1828891" indent="0">
+            <a:lvl7pPr marL="711256" indent="0">
               <a:buNone/>
-              <a:defRPr sz="933"/>
+              <a:defRPr sz="363"/>
             </a:lvl7pPr>
-            <a:lvl8pPr marL="2133707" indent="0">
+            <a:lvl8pPr marL="829799" indent="0">
               <a:buNone/>
-              <a:defRPr sz="933"/>
+              <a:defRPr sz="363"/>
             </a:lvl8pPr>
-            <a:lvl9pPr marL="2438522" indent="0">
+            <a:lvl9pPr marL="948341" indent="0">
               <a:buNone/>
-              <a:defRPr sz="933"/>
+              <a:defRPr sz="363"/>
             </a:lvl9pPr>
           </a:lstStyle>
           <a:p>
@@ -1302,8 +1306,8 @@
         </p:nvSpPr>
         <p:spPr>
           <a:xfrm>
-            <a:off x="1645444" y="5120217"/>
-            <a:ext cx="14756606" cy="14484350"/>
+            <a:off x="639895" y="2240095"/>
+            <a:ext cx="5738680" cy="6336903"/>
           </a:xfrm>
         </p:spPr>
         <p:txBody>
@@ -1313,31 +1317,31 @@
               <a:defRPr kern="1200" smtId="4294967295"/>
             </a:defPPr>
             <a:lvl1pPr>
-              <a:defRPr sz="1867"/>
+              <a:defRPr sz="726"/>
             </a:lvl1pPr>
             <a:lvl2pPr>
-              <a:defRPr sz="1600"/>
+              <a:defRPr sz="622"/>
             </a:lvl2pPr>
             <a:lvl3pPr>
-              <a:defRPr sz="1333"/>
+              <a:defRPr sz="518"/>
             </a:lvl3pPr>
             <a:lvl4pPr>
-              <a:defRPr sz="1200"/>
+              <a:defRPr sz="467"/>
             </a:lvl4pPr>
             <a:lvl5pPr>
-              <a:defRPr sz="1200"/>
+              <a:defRPr sz="467"/>
             </a:lvl5pPr>
             <a:lvl6pPr>
-              <a:defRPr sz="1200"/>
+              <a:defRPr sz="467"/>
             </a:lvl6pPr>
             <a:lvl7pPr>
-              <a:defRPr sz="1200"/>
+              <a:defRPr sz="467"/>
             </a:lvl7pPr>
             <a:lvl8pPr>
-              <a:defRPr sz="1200"/>
+              <a:defRPr sz="467"/>
             </a:lvl8pPr>
             <a:lvl9pPr>
-              <a:defRPr sz="1200"/>
+              <a:defRPr sz="467"/>
             </a:lvl9pPr>
           </a:lstStyle>
           <a:p>
@@ -1389,8 +1393,8 @@
         </p:nvSpPr>
         <p:spPr>
           <a:xfrm>
-            <a:off x="16516352" y="5120217"/>
-            <a:ext cx="14756606" cy="14484350"/>
+            <a:off x="6423026" y="2240095"/>
+            <a:ext cx="5738680" cy="6336903"/>
           </a:xfrm>
         </p:spPr>
         <p:txBody>
@@ -1400,31 +1404,31 @@
               <a:defRPr kern="1200" smtId="4294967295"/>
             </a:defPPr>
             <a:lvl1pPr>
-              <a:defRPr sz="1867"/>
+              <a:defRPr sz="726"/>
             </a:lvl1pPr>
             <a:lvl2pPr>
-              <a:defRPr sz="1600"/>
+              <a:defRPr sz="622"/>
             </a:lvl2pPr>
             <a:lvl3pPr>
-              <a:defRPr sz="1333"/>
+              <a:defRPr sz="518"/>
             </a:lvl3pPr>
             <a:lvl4pPr>
-              <a:defRPr sz="1200"/>
+              <a:defRPr sz="467"/>
             </a:lvl4pPr>
             <a:lvl5pPr>
-              <a:defRPr sz="1200"/>
+              <a:defRPr sz="467"/>
             </a:lvl5pPr>
             <a:lvl6pPr>
-              <a:defRPr sz="1200"/>
+              <a:defRPr sz="467"/>
             </a:lvl6pPr>
             <a:lvl7pPr>
-              <a:defRPr sz="1200"/>
+              <a:defRPr sz="467"/>
             </a:lvl7pPr>
             <a:lvl8pPr>
-              <a:defRPr sz="1200"/>
+              <a:defRPr sz="467"/>
             </a:lvl8pPr>
             <a:lvl9pPr>
-              <a:defRPr sz="1200"/>
+              <a:defRPr sz="467"/>
             </a:lvl9pPr>
           </a:lstStyle>
           <a:p>
@@ -1630,8 +1634,8 @@
         </p:nvSpPr>
         <p:spPr>
           <a:xfrm>
-            <a:off x="1645444" y="4912784"/>
-            <a:ext cx="14544675" cy="2046817"/>
+            <a:off x="639895" y="2149343"/>
+            <a:ext cx="5656263" cy="895482"/>
           </a:xfrm>
         </p:spPr>
         <p:txBody>
@@ -1642,39 +1646,39 @@
             </a:defPPr>
             <a:lvl1pPr marL="0" indent="0">
               <a:buNone/>
-              <a:defRPr sz="1600" b="1"/>
+              <a:defRPr sz="622" b="1"/>
             </a:lvl1pPr>
-            <a:lvl2pPr marL="304815" indent="0">
+            <a:lvl2pPr marL="118543" indent="0">
               <a:buNone/>
-              <a:defRPr sz="1333" b="1"/>
+              <a:defRPr sz="518" b="1"/>
             </a:lvl2pPr>
-            <a:lvl3pPr marL="609630" indent="0">
+            <a:lvl3pPr marL="237085" indent="0">
               <a:buNone/>
-              <a:defRPr sz="1200" b="1"/>
+              <a:defRPr sz="467" b="1"/>
             </a:lvl3pPr>
-            <a:lvl4pPr marL="914446" indent="0">
+            <a:lvl4pPr marL="355628" indent="0">
               <a:buNone/>
-              <a:defRPr sz="1067" b="1"/>
+              <a:defRPr sz="415" b="1"/>
             </a:lvl4pPr>
-            <a:lvl5pPr marL="1219261" indent="0">
+            <a:lvl5pPr marL="474171" indent="0">
               <a:buNone/>
-              <a:defRPr sz="1067" b="1"/>
+              <a:defRPr sz="415" b="1"/>
             </a:lvl5pPr>
-            <a:lvl6pPr marL="1524076" indent="0">
+            <a:lvl6pPr marL="592713" indent="0">
               <a:buNone/>
-              <a:defRPr sz="1067" b="1"/>
+              <a:defRPr sz="415" b="1"/>
             </a:lvl6pPr>
-            <a:lvl7pPr marL="1828891" indent="0">
+            <a:lvl7pPr marL="711256" indent="0">
               <a:buNone/>
-              <a:defRPr sz="1067" b="1"/>
+              <a:defRPr sz="415" b="1"/>
             </a:lvl7pPr>
-            <a:lvl8pPr marL="2133707" indent="0">
+            <a:lvl8pPr marL="829799" indent="0">
               <a:buNone/>
-              <a:defRPr sz="1067" b="1"/>
+              <a:defRPr sz="415" b="1"/>
             </a:lvl8pPr>
-            <a:lvl9pPr marL="2438522" indent="0">
+            <a:lvl9pPr marL="948341" indent="0">
               <a:buNone/>
-              <a:defRPr sz="1067" b="1"/>
+              <a:defRPr sz="415" b="1"/>
             </a:lvl9pPr>
           </a:lstStyle>
           <a:p>
@@ -1698,8 +1702,8 @@
         </p:nvSpPr>
         <p:spPr>
           <a:xfrm>
-            <a:off x="1645444" y="6959600"/>
-            <a:ext cx="14544675" cy="12643908"/>
+            <a:off x="639895" y="3044825"/>
+            <a:ext cx="5656263" cy="5531710"/>
           </a:xfrm>
         </p:spPr>
         <p:txBody>
@@ -1709,31 +1713,31 @@
               <a:defRPr kern="1200" smtId="4294967295"/>
             </a:defPPr>
             <a:lvl1pPr>
-              <a:defRPr sz="1600"/>
+              <a:defRPr sz="622"/>
             </a:lvl1pPr>
             <a:lvl2pPr>
-              <a:defRPr sz="1333"/>
+              <a:defRPr sz="518"/>
             </a:lvl2pPr>
             <a:lvl3pPr>
-              <a:defRPr sz="1200"/>
+              <a:defRPr sz="467"/>
             </a:lvl3pPr>
             <a:lvl4pPr>
-              <a:defRPr sz="1067"/>
+              <a:defRPr sz="415"/>
             </a:lvl4pPr>
             <a:lvl5pPr>
-              <a:defRPr sz="1067"/>
+              <a:defRPr sz="415"/>
             </a:lvl5pPr>
             <a:lvl6pPr>
-              <a:defRPr sz="1067"/>
+              <a:defRPr sz="415"/>
             </a:lvl6pPr>
             <a:lvl7pPr>
-              <a:defRPr sz="1067"/>
+              <a:defRPr sz="415"/>
             </a:lvl7pPr>
             <a:lvl8pPr>
-              <a:defRPr sz="1067"/>
+              <a:defRPr sz="415"/>
             </a:lvl8pPr>
             <a:lvl9pPr>
-              <a:defRPr sz="1067"/>
+              <a:defRPr sz="415"/>
             </a:lvl9pPr>
           </a:lstStyle>
           <a:p>
@@ -1785,8 +1789,8 @@
         </p:nvSpPr>
         <p:spPr>
           <a:xfrm>
-            <a:off x="16722328" y="4912784"/>
-            <a:ext cx="14550630" cy="2046817"/>
+            <a:off x="6503128" y="2149343"/>
+            <a:ext cx="5658578" cy="895482"/>
           </a:xfrm>
         </p:spPr>
         <p:txBody>
@@ -1797,39 +1801,39 @@
             </a:defPPr>
             <a:lvl1pPr marL="0" indent="0">
               <a:buNone/>
-              <a:defRPr sz="1600" b="1"/>
+              <a:defRPr sz="622" b="1"/>
             </a:lvl1pPr>
-            <a:lvl2pPr marL="304815" indent="0">
+            <a:lvl2pPr marL="118543" indent="0">
               <a:buNone/>
-              <a:defRPr sz="1333" b="1"/>
+              <a:defRPr sz="518" b="1"/>
             </a:lvl2pPr>
-            <a:lvl3pPr marL="609630" indent="0">
+            <a:lvl3pPr marL="237085" indent="0">
               <a:buNone/>
-              <a:defRPr sz="1200" b="1"/>
+              <a:defRPr sz="467" b="1"/>
             </a:lvl3pPr>
-            <a:lvl4pPr marL="914446" indent="0">
+            <a:lvl4pPr marL="355628" indent="0">
               <a:buNone/>
-              <a:defRPr sz="1067" b="1"/>
+              <a:defRPr sz="415" b="1"/>
             </a:lvl4pPr>
-            <a:lvl5pPr marL="1219261" indent="0">
+            <a:lvl5pPr marL="474171" indent="0">
               <a:buNone/>
-              <a:defRPr sz="1067" b="1"/>
+              <a:defRPr sz="415" b="1"/>
             </a:lvl5pPr>
-            <a:lvl6pPr marL="1524076" indent="0">
+            <a:lvl6pPr marL="592713" indent="0">
               <a:buNone/>
-              <a:defRPr sz="1067" b="1"/>
+              <a:defRPr sz="415" b="1"/>
             </a:lvl6pPr>
-            <a:lvl7pPr marL="1828891" indent="0">
+            <a:lvl7pPr marL="711256" indent="0">
               <a:buNone/>
-              <a:defRPr sz="1067" b="1"/>
+              <a:defRPr sz="415" b="1"/>
             </a:lvl7pPr>
-            <a:lvl8pPr marL="2133707" indent="0">
+            <a:lvl8pPr marL="829799" indent="0">
               <a:buNone/>
-              <a:defRPr sz="1067" b="1"/>
+              <a:defRPr sz="415" b="1"/>
             </a:lvl8pPr>
-            <a:lvl9pPr marL="2438522" indent="0">
+            <a:lvl9pPr marL="948341" indent="0">
               <a:buNone/>
-              <a:defRPr sz="1067" b="1"/>
+              <a:defRPr sz="415" b="1"/>
             </a:lvl9pPr>
           </a:lstStyle>
           <a:p>
@@ -1853,8 +1857,8 @@
         </p:nvSpPr>
         <p:spPr>
           <a:xfrm>
-            <a:off x="16722328" y="6959600"/>
-            <a:ext cx="14550630" cy="12643908"/>
+            <a:off x="6503128" y="3044825"/>
+            <a:ext cx="5658578" cy="5531710"/>
           </a:xfrm>
         </p:spPr>
         <p:txBody>
@@ -1864,31 +1868,31 @@
               <a:defRPr kern="1200" smtId="4294967295"/>
             </a:defPPr>
             <a:lvl1pPr>
-              <a:defRPr sz="1600"/>
+              <a:defRPr sz="622"/>
             </a:lvl1pPr>
             <a:lvl2pPr>
-              <a:defRPr sz="1333"/>
+              <a:defRPr sz="518"/>
             </a:lvl2pPr>
             <a:lvl3pPr>
-              <a:defRPr sz="1200"/>
+              <a:defRPr sz="467"/>
             </a:lvl3pPr>
             <a:lvl4pPr>
-              <a:defRPr sz="1067"/>
+              <a:defRPr sz="415"/>
             </a:lvl4pPr>
             <a:lvl5pPr>
-              <a:defRPr sz="1067"/>
+              <a:defRPr sz="415"/>
             </a:lvl5pPr>
             <a:lvl6pPr>
-              <a:defRPr sz="1067"/>
+              <a:defRPr sz="415"/>
             </a:lvl6pPr>
             <a:lvl7pPr>
-              <a:defRPr sz="1067"/>
+              <a:defRPr sz="415"/>
             </a:lvl7pPr>
             <a:lvl8pPr>
-              <a:defRPr sz="1067"/>
+              <a:defRPr sz="415"/>
             </a:lvl8pPr>
             <a:lvl9pPr>
-              <a:defRPr sz="1067"/>
+              <a:defRPr sz="415"/>
             </a:lvl9pPr>
           </a:lstStyle>
           <a:p>
@@ -2341,8 +2345,8 @@
         </p:nvSpPr>
         <p:spPr>
           <a:xfrm>
-            <a:off x="1645444" y="874184"/>
-            <a:ext cx="10829925" cy="3717925"/>
+            <a:off x="639895" y="382456"/>
+            <a:ext cx="4211638" cy="1626592"/>
           </a:xfrm>
         </p:spPr>
         <p:txBody>
@@ -2352,7 +2356,7 @@
               <a:defRPr kern="1200" smtId="4294967295"/>
             </a:defPPr>
             <a:lvl1pPr algn="l">
-              <a:defRPr sz="1333" b="1"/>
+              <a:defRPr sz="518" b="1"/>
             </a:lvl1pPr>
           </a:lstStyle>
           <a:p>
@@ -2375,8 +2379,8 @@
         </p:nvSpPr>
         <p:spPr>
           <a:xfrm>
-            <a:off x="12870656" y="874184"/>
-            <a:ext cx="18402300" cy="18729325"/>
+            <a:off x="5005255" y="382456"/>
+            <a:ext cx="7156450" cy="8194080"/>
           </a:xfrm>
         </p:spPr>
         <p:txBody>
@@ -2386,31 +2390,31 @@
               <a:defRPr kern="1200" smtId="4294967295"/>
             </a:defPPr>
             <a:lvl1pPr>
-              <a:defRPr sz="2133"/>
+              <a:defRPr sz="830"/>
             </a:lvl1pPr>
             <a:lvl2pPr>
-              <a:defRPr sz="1867"/>
+              <a:defRPr sz="726"/>
             </a:lvl2pPr>
             <a:lvl3pPr>
-              <a:defRPr sz="1600"/>
+              <a:defRPr sz="622"/>
             </a:lvl3pPr>
             <a:lvl4pPr>
-              <a:defRPr sz="1333"/>
+              <a:defRPr sz="518"/>
             </a:lvl4pPr>
             <a:lvl5pPr>
-              <a:defRPr sz="1333"/>
+              <a:defRPr sz="518"/>
             </a:lvl5pPr>
             <a:lvl6pPr>
-              <a:defRPr sz="1333"/>
+              <a:defRPr sz="518"/>
             </a:lvl6pPr>
             <a:lvl7pPr>
-              <a:defRPr sz="1333"/>
+              <a:defRPr sz="518"/>
             </a:lvl7pPr>
             <a:lvl8pPr>
-              <a:defRPr sz="1333"/>
+              <a:defRPr sz="518"/>
             </a:lvl8pPr>
             <a:lvl9pPr>
-              <a:defRPr sz="1333"/>
+              <a:defRPr sz="518"/>
             </a:lvl9pPr>
           </a:lstStyle>
           <a:p>
@@ -2462,8 +2466,8 @@
         </p:nvSpPr>
         <p:spPr>
           <a:xfrm>
-            <a:off x="1645444" y="4592109"/>
-            <a:ext cx="10829925" cy="15011400"/>
+            <a:off x="639895" y="2009047"/>
+            <a:ext cx="4211638" cy="6567488"/>
           </a:xfrm>
         </p:spPr>
         <p:txBody>
@@ -2474,39 +2478,39 @@
             </a:defPPr>
             <a:lvl1pPr marL="0" indent="0">
               <a:buNone/>
-              <a:defRPr sz="933"/>
+              <a:defRPr sz="363"/>
             </a:lvl1pPr>
-            <a:lvl2pPr marL="304815" indent="0">
+            <a:lvl2pPr marL="118543" indent="0">
               <a:buNone/>
-              <a:defRPr sz="800"/>
+              <a:defRPr sz="311"/>
             </a:lvl2pPr>
-            <a:lvl3pPr marL="609630" indent="0">
+            <a:lvl3pPr marL="237085" indent="0">
               <a:buNone/>
-              <a:defRPr sz="667"/>
+              <a:defRPr sz="259"/>
             </a:lvl3pPr>
-            <a:lvl4pPr marL="914446" indent="0">
+            <a:lvl4pPr marL="355628" indent="0">
               <a:buNone/>
-              <a:defRPr sz="600"/>
+              <a:defRPr sz="233"/>
             </a:lvl4pPr>
-            <a:lvl5pPr marL="1219261" indent="0">
+            <a:lvl5pPr marL="474171" indent="0">
               <a:buNone/>
-              <a:defRPr sz="600"/>
+              <a:defRPr sz="233"/>
             </a:lvl5pPr>
-            <a:lvl6pPr marL="1524076" indent="0">
+            <a:lvl6pPr marL="592713" indent="0">
               <a:buNone/>
-              <a:defRPr sz="600"/>
+              <a:defRPr sz="233"/>
             </a:lvl6pPr>
-            <a:lvl7pPr marL="1828891" indent="0">
+            <a:lvl7pPr marL="711256" indent="0">
               <a:buNone/>
-              <a:defRPr sz="600"/>
+              <a:defRPr sz="233"/>
             </a:lvl7pPr>
-            <a:lvl8pPr marL="2133707" indent="0">
+            <a:lvl8pPr marL="829799" indent="0">
               <a:buNone/>
-              <a:defRPr sz="600"/>
+              <a:defRPr sz="233"/>
             </a:lvl8pPr>
-            <a:lvl9pPr marL="2438522" indent="0">
+            <a:lvl9pPr marL="948341" indent="0">
               <a:buNone/>
-              <a:defRPr sz="600"/>
+              <a:defRPr sz="233"/>
             </a:lvl9pPr>
           </a:lstStyle>
           <a:p>
@@ -2655,8 +2659,8 @@
         </p:nvSpPr>
         <p:spPr>
           <a:xfrm>
-            <a:off x="6451997" y="15361709"/>
-            <a:ext cx="19751280" cy="1813983"/>
+            <a:off x="2509110" y="6720748"/>
+            <a:ext cx="7681053" cy="793618"/>
           </a:xfrm>
         </p:spPr>
         <p:txBody>
@@ -2666,7 +2670,7 @@
               <a:defRPr kern="1200" smtId="4294967295"/>
             </a:defPPr>
             <a:lvl1pPr algn="l">
-              <a:defRPr sz="1333" b="1"/>
+              <a:defRPr sz="518" b="1"/>
             </a:lvl1pPr>
           </a:lstStyle>
           <a:p>
@@ -2689,8 +2693,8 @@
         </p:nvSpPr>
         <p:spPr>
           <a:xfrm>
-            <a:off x="6451997" y="1961092"/>
-            <a:ext cx="19751280" cy="13166725"/>
+            <a:off x="2509110" y="857978"/>
+            <a:ext cx="7681053" cy="5760442"/>
           </a:xfrm>
         </p:spPr>
         <p:txBody>
@@ -2701,39 +2705,39 @@
             </a:defPPr>
             <a:lvl1pPr marL="0" indent="0">
               <a:buNone/>
-              <a:defRPr sz="2133"/>
+              <a:defRPr sz="830"/>
             </a:lvl1pPr>
-            <a:lvl2pPr marL="304815" indent="0">
+            <a:lvl2pPr marL="118543" indent="0">
               <a:buNone/>
-              <a:defRPr sz="1867"/>
+              <a:defRPr sz="726"/>
             </a:lvl2pPr>
-            <a:lvl3pPr marL="609630" indent="0">
+            <a:lvl3pPr marL="237085" indent="0">
               <a:buNone/>
-              <a:defRPr sz="1600"/>
+              <a:defRPr sz="622"/>
             </a:lvl3pPr>
-            <a:lvl4pPr marL="914446" indent="0">
+            <a:lvl4pPr marL="355628" indent="0">
               <a:buNone/>
-              <a:defRPr sz="1333"/>
+              <a:defRPr sz="518"/>
             </a:lvl4pPr>
-            <a:lvl5pPr marL="1219261" indent="0">
+            <a:lvl5pPr marL="474171" indent="0">
               <a:buNone/>
-              <a:defRPr sz="1333"/>
+              <a:defRPr sz="518"/>
             </a:lvl5pPr>
-            <a:lvl6pPr marL="1524076" indent="0">
+            <a:lvl6pPr marL="592713" indent="0">
               <a:buNone/>
-              <a:defRPr sz="1333"/>
+              <a:defRPr sz="518"/>
             </a:lvl6pPr>
-            <a:lvl7pPr marL="1828891" indent="0">
+            <a:lvl7pPr marL="711256" indent="0">
               <a:buNone/>
-              <a:defRPr sz="1333"/>
+              <a:defRPr sz="518"/>
             </a:lvl7pPr>
-            <a:lvl8pPr marL="2133707" indent="0">
+            <a:lvl8pPr marL="829799" indent="0">
               <a:buNone/>
-              <a:defRPr sz="1333"/>
+              <a:defRPr sz="518"/>
             </a:lvl8pPr>
-            <a:lvl9pPr marL="2438522" indent="0">
+            <a:lvl9pPr marL="948341" indent="0">
               <a:buNone/>
-              <a:defRPr sz="1333"/>
+              <a:defRPr sz="518"/>
             </a:lvl9pPr>
           </a:lstStyle>
           <a:p>
@@ -2754,8 +2758,8 @@
         </p:nvSpPr>
         <p:spPr>
           <a:xfrm>
-            <a:off x="6451997" y="17175693"/>
-            <a:ext cx="19751280" cy="2574925"/>
+            <a:off x="2509110" y="7514366"/>
+            <a:ext cx="7681053" cy="1126530"/>
           </a:xfrm>
         </p:spPr>
         <p:txBody>
@@ -2766,39 +2770,39 @@
             </a:defPPr>
             <a:lvl1pPr marL="0" indent="0">
               <a:buNone/>
-              <a:defRPr sz="933"/>
+              <a:defRPr sz="363"/>
             </a:lvl1pPr>
-            <a:lvl2pPr marL="304815" indent="0">
+            <a:lvl2pPr marL="118543" indent="0">
               <a:buNone/>
-              <a:defRPr sz="800"/>
+              <a:defRPr sz="311"/>
             </a:lvl2pPr>
-            <a:lvl3pPr marL="609630" indent="0">
+            <a:lvl3pPr marL="237085" indent="0">
               <a:buNone/>
-              <a:defRPr sz="667"/>
+              <a:defRPr sz="259"/>
             </a:lvl3pPr>
-            <a:lvl4pPr marL="914446" indent="0">
+            <a:lvl4pPr marL="355628" indent="0">
               <a:buNone/>
-              <a:defRPr sz="600"/>
+              <a:defRPr sz="233"/>
             </a:lvl4pPr>
-            <a:lvl5pPr marL="1219261" indent="0">
+            <a:lvl5pPr marL="474171" indent="0">
               <a:buNone/>
-              <a:defRPr sz="600"/>
+              <a:defRPr sz="233"/>
             </a:lvl5pPr>
-            <a:lvl6pPr marL="1524076" indent="0">
+            <a:lvl6pPr marL="592713" indent="0">
               <a:buNone/>
-              <a:defRPr sz="600"/>
+              <a:defRPr sz="233"/>
             </a:lvl6pPr>
-            <a:lvl7pPr marL="1828891" indent="0">
+            <a:lvl7pPr marL="711256" indent="0">
               <a:buNone/>
-              <a:defRPr sz="600"/>
+              <a:defRPr sz="233"/>
             </a:lvl7pPr>
-            <a:lvl8pPr marL="2133707" indent="0">
+            <a:lvl8pPr marL="829799" indent="0">
               <a:buNone/>
-              <a:defRPr sz="600"/>
+              <a:defRPr sz="233"/>
             </a:lvl8pPr>
-            <a:lvl9pPr marL="2438522" indent="0">
+            <a:lvl9pPr marL="948341" indent="0">
               <a:buNone/>
-              <a:defRPr sz="600"/>
+              <a:defRPr sz="233"/>
             </a:lvl9pPr>
           </a:lstStyle>
           <a:p>
@@ -2955,8 +2959,8 @@
         </p:nvSpPr>
         <p:spPr bwMode="auto">
           <a:xfrm>
-            <a:off x="1645444" y="878417"/>
-            <a:ext cx="29627512" cy="3657600"/>
+            <a:off x="639895" y="384307"/>
+            <a:ext cx="11521810" cy="1600200"/>
           </a:xfrm>
           <a:prstGeom prst="rect">
             <a:avLst/>
@@ -3026,8 +3030,8 @@
         </p:nvSpPr>
         <p:spPr bwMode="auto">
           <a:xfrm>
-            <a:off x="1645444" y="5120217"/>
-            <a:ext cx="29627512" cy="14484350"/>
+            <a:off x="639895" y="2240095"/>
+            <a:ext cx="11521810" cy="6336903"/>
           </a:xfrm>
           <a:prstGeom prst="rect">
             <a:avLst/>
@@ -3125,8 +3129,8 @@
         </p:nvSpPr>
         <p:spPr bwMode="auto">
           <a:xfrm>
-            <a:off x="1645444" y="19985568"/>
-            <a:ext cx="7681913" cy="1524000"/>
+            <a:off x="639895" y="8743686"/>
+            <a:ext cx="2987411" cy="666750"/>
           </a:xfrm>
           <a:prstGeom prst="rect">
             <a:avLst/>
@@ -3174,8 +3178,8 @@
             <a:defPPr>
               <a:defRPr kern="1200" smtId="4294967295"/>
             </a:defPPr>
-            <a:lvl1pPr defTabSz="3135999">
-              <a:defRPr sz="4867" smtClean="0">
+            <a:lvl1pPr defTabSz="1219590">
+              <a:defRPr sz="1893" smtClean="0">
                 <a:latin typeface="Arial" pitchFamily="34" charset="0"/>
               </a:defRPr>
             </a:lvl1pPr>
@@ -3200,8 +3204,8 @@
         </p:nvSpPr>
         <p:spPr bwMode="auto">
           <a:xfrm>
-            <a:off x="11246644" y="19985568"/>
-            <a:ext cx="10425113" cy="1524000"/>
+            <a:off x="4373695" y="8743686"/>
+            <a:ext cx="4054211" cy="666750"/>
           </a:xfrm>
           <a:prstGeom prst="rect">
             <a:avLst/>
@@ -3249,8 +3253,8 @@
             <a:defPPr>
               <a:defRPr kern="1200" smtId="4294967295"/>
             </a:defPPr>
-            <a:lvl1pPr algn="ctr" defTabSz="3135999">
-              <a:defRPr sz="4867" smtClean="0">
+            <a:lvl1pPr algn="ctr" defTabSz="1219590">
+              <a:defRPr sz="1893" smtClean="0">
                 <a:latin typeface="Arial" pitchFamily="34" charset="0"/>
               </a:defRPr>
             </a:lvl1pPr>
@@ -3275,8 +3279,8 @@
         </p:nvSpPr>
         <p:spPr bwMode="auto">
           <a:xfrm>
-            <a:off x="23591044" y="19985568"/>
-            <a:ext cx="7681913" cy="1524000"/>
+            <a:off x="9174295" y="8743686"/>
+            <a:ext cx="2987411" cy="666750"/>
           </a:xfrm>
           <a:prstGeom prst="rect">
             <a:avLst/>
@@ -3324,8 +3328,8 @@
             <a:defPPr>
               <a:defRPr kern="1200" smtId="4294967295"/>
             </a:defPPr>
-            <a:lvl1pPr algn="r" defTabSz="3135999">
-              <a:defRPr sz="4867" smtClean="0">
+            <a:lvl1pPr algn="r" defTabSz="1219590">
+              <a:defRPr sz="1893" smtClean="0">
                 <a:latin typeface="Arial" pitchFamily="34" charset="0"/>
               </a:defRPr>
             </a:lvl1pPr>
@@ -3359,8 +3363,8 @@
         </p:blipFill>
         <p:spPr>
           <a:xfrm rot="16200000">
-            <a:off x="-11506200" y="10972800"/>
-            <a:ext cx="14274800" cy="4368800"/>
+            <a:off x="-4821590" y="4906786"/>
+            <a:ext cx="6245225" cy="1698978"/>
           </a:xfrm>
           <a:prstGeom prst="rect">
             <a:avLst/>
@@ -3381,8 +3385,8 @@
         </p:blipFill>
         <p:spPr>
           <a:xfrm rot="5400000">
-            <a:off x="30149800" y="10972800"/>
-            <a:ext cx="14274800" cy="4368800"/>
+            <a:off x="11377965" y="4906786"/>
+            <a:ext cx="6245225" cy="1698978"/>
           </a:xfrm>
           <a:prstGeom prst="rect">
             <a:avLst/>
@@ -3403,8 +3407,8 @@
         </p:blipFill>
         <p:spPr>
           <a:xfrm>
-            <a:off x="1473200" y="22453600"/>
-            <a:ext cx="29972000" cy="1549400"/>
+            <a:off x="572911" y="9823450"/>
+            <a:ext cx="11655778" cy="677863"/>
           </a:xfrm>
           <a:prstGeom prst="rect">
             <a:avLst/>
@@ -3419,8 +3423,8 @@
         </p:nvSpPr>
         <p:spPr>
           <a:xfrm>
-            <a:off x="1473200" y="23025100"/>
-            <a:ext cx="16459200" cy="1270000"/>
+            <a:off x="572911" y="10073481"/>
+            <a:ext cx="6400800" cy="555625"/>
           </a:xfrm>
           <a:prstGeom prst="rect">
             <a:avLst/>
@@ -3452,7 +3456,7 @@
           <a:p>
             <a:pPr algn="l"/>
             <a:r>
-              <a:rPr sz="4880">
+              <a:rPr sz="1898">
                 <a:solidFill>
                   <a:srgbClr val="808080"/>
                 </a:solidFill>
@@ -3484,14 +3488,14 @@
       <a:defPPr>
         <a:defRPr kern="1200" smtId="4294967295"/>
       </a:defPPr>
-      <a:lvl1pPr algn="ctr" defTabSz="3135999" rtl="0" eaLnBrk="0" fontAlgn="base" hangingPunct="0">
+      <a:lvl1pPr algn="ctr" defTabSz="1219590" rtl="0" eaLnBrk="0" fontAlgn="base" hangingPunct="0">
         <a:spcBef>
           <a:spcPct val="0"/>
         </a:spcBef>
         <a:spcAft>
           <a:spcPct val="0"/>
         </a:spcAft>
-        <a:defRPr sz="15201">
+        <a:defRPr sz="5912">
           <a:solidFill>
             <a:schemeClr val="tx2"/>
           </a:solidFill>
@@ -3500,112 +3504,112 @@
           <a:cs typeface="+mj-cs"/>
         </a:defRPr>
       </a:lvl1pPr>
-      <a:lvl2pPr algn="ctr" defTabSz="3135999" rtl="0" eaLnBrk="0" fontAlgn="base" hangingPunct="0">
+      <a:lvl2pPr algn="ctr" defTabSz="1219590" rtl="0" eaLnBrk="0" fontAlgn="base" hangingPunct="0">
         <a:spcBef>
           <a:spcPct val="0"/>
         </a:spcBef>
         <a:spcAft>
           <a:spcPct val="0"/>
         </a:spcAft>
-        <a:defRPr sz="15201">
+        <a:defRPr sz="5912">
           <a:solidFill>
             <a:schemeClr val="tx2"/>
           </a:solidFill>
           <a:latin typeface="Arial" pitchFamily="34" charset="0"/>
         </a:defRPr>
       </a:lvl2pPr>
-      <a:lvl3pPr algn="ctr" defTabSz="3135999" rtl="0" eaLnBrk="0" fontAlgn="base" hangingPunct="0">
+      <a:lvl3pPr algn="ctr" defTabSz="1219590" rtl="0" eaLnBrk="0" fontAlgn="base" hangingPunct="0">
         <a:spcBef>
           <a:spcPct val="0"/>
         </a:spcBef>
         <a:spcAft>
           <a:spcPct val="0"/>
         </a:spcAft>
-        <a:defRPr sz="15201">
+        <a:defRPr sz="5912">
           <a:solidFill>
             <a:schemeClr val="tx2"/>
           </a:solidFill>
           <a:latin typeface="Arial" pitchFamily="34" charset="0"/>
         </a:defRPr>
       </a:lvl3pPr>
-      <a:lvl4pPr algn="ctr" defTabSz="3135999" rtl="0" eaLnBrk="0" fontAlgn="base" hangingPunct="0">
+      <a:lvl4pPr algn="ctr" defTabSz="1219590" rtl="0" eaLnBrk="0" fontAlgn="base" hangingPunct="0">
         <a:spcBef>
           <a:spcPct val="0"/>
         </a:spcBef>
         <a:spcAft>
           <a:spcPct val="0"/>
         </a:spcAft>
-        <a:defRPr sz="15201">
+        <a:defRPr sz="5912">
           <a:solidFill>
             <a:schemeClr val="tx2"/>
           </a:solidFill>
           <a:latin typeface="Arial" pitchFamily="34" charset="0"/>
         </a:defRPr>
       </a:lvl4pPr>
-      <a:lvl5pPr algn="ctr" defTabSz="3135999" rtl="0" eaLnBrk="0" fontAlgn="base" hangingPunct="0">
+      <a:lvl5pPr algn="ctr" defTabSz="1219590" rtl="0" eaLnBrk="0" fontAlgn="base" hangingPunct="0">
         <a:spcBef>
           <a:spcPct val="0"/>
         </a:spcBef>
         <a:spcAft>
           <a:spcPct val="0"/>
         </a:spcAft>
-        <a:defRPr sz="15201">
+        <a:defRPr sz="5912">
           <a:solidFill>
             <a:schemeClr val="tx2"/>
           </a:solidFill>
           <a:latin typeface="Arial" pitchFamily="34" charset="0"/>
         </a:defRPr>
       </a:lvl5pPr>
-      <a:lvl6pPr marL="304815" algn="ctr" defTabSz="3135999" rtl="0" fontAlgn="base">
+      <a:lvl6pPr marL="118543" algn="ctr" defTabSz="1219590" rtl="0" fontAlgn="base">
         <a:spcBef>
           <a:spcPct val="0"/>
         </a:spcBef>
         <a:spcAft>
           <a:spcPct val="0"/>
         </a:spcAft>
-        <a:defRPr sz="15201">
+        <a:defRPr sz="5912">
           <a:solidFill>
             <a:schemeClr val="tx2"/>
           </a:solidFill>
           <a:latin typeface="Arial" pitchFamily="34" charset="0"/>
         </a:defRPr>
       </a:lvl6pPr>
-      <a:lvl7pPr marL="609630" algn="ctr" defTabSz="3135999" rtl="0" fontAlgn="base">
+      <a:lvl7pPr marL="237085" algn="ctr" defTabSz="1219590" rtl="0" fontAlgn="base">
         <a:spcBef>
           <a:spcPct val="0"/>
         </a:spcBef>
         <a:spcAft>
           <a:spcPct val="0"/>
         </a:spcAft>
-        <a:defRPr sz="15201">
+        <a:defRPr sz="5912">
           <a:solidFill>
             <a:schemeClr val="tx2"/>
           </a:solidFill>
           <a:latin typeface="Arial" pitchFamily="34" charset="0"/>
         </a:defRPr>
       </a:lvl7pPr>
-      <a:lvl8pPr marL="914446" algn="ctr" defTabSz="3135999" rtl="0" fontAlgn="base">
+      <a:lvl8pPr marL="355628" algn="ctr" defTabSz="1219590" rtl="0" fontAlgn="base">
         <a:spcBef>
           <a:spcPct val="0"/>
         </a:spcBef>
         <a:spcAft>
           <a:spcPct val="0"/>
         </a:spcAft>
-        <a:defRPr sz="15201">
+        <a:defRPr sz="5912">
           <a:solidFill>
             <a:schemeClr val="tx2"/>
           </a:solidFill>
           <a:latin typeface="Arial" pitchFamily="34" charset="0"/>
         </a:defRPr>
       </a:lvl8pPr>
-      <a:lvl9pPr marL="1219261" algn="ctr" defTabSz="3135999" rtl="0" fontAlgn="base">
+      <a:lvl9pPr marL="474171" algn="ctr" defTabSz="1219590" rtl="0" fontAlgn="base">
         <a:spcBef>
           <a:spcPct val="0"/>
         </a:spcBef>
         <a:spcAft>
           <a:spcPct val="0"/>
         </a:spcAft>
-        <a:defRPr sz="15201">
+        <a:defRPr sz="5912">
           <a:solidFill>
             <a:schemeClr val="tx2"/>
           </a:solidFill>
@@ -3617,7 +3621,7 @@
       <a:defPPr>
         <a:defRPr kern="1200" smtId="4294967295"/>
       </a:defPPr>
-      <a:lvl1pPr marL="1177984" indent="-1177984" algn="l" defTabSz="3135999" rtl="0" eaLnBrk="0" fontAlgn="base" hangingPunct="0">
+      <a:lvl1pPr marL="458118" indent="-458118" algn="l" defTabSz="1219590" rtl="0" eaLnBrk="0" fontAlgn="base" hangingPunct="0">
         <a:spcBef>
           <a:spcPct val="20000"/>
         </a:spcBef>
@@ -3625,7 +3629,7 @@
           <a:spcPct val="0"/>
         </a:spcAft>
         <a:buChar char="•"/>
-        <a:defRPr sz="10934">
+        <a:defRPr sz="4252">
           <a:solidFill>
             <a:schemeClr val="tx1"/>
           </a:solidFill>
@@ -3634,7 +3638,7 @@
           <a:cs typeface="+mn-cs"/>
         </a:defRPr>
       </a:lvl1pPr>
-      <a:lvl2pPr marL="2548594" indent="-981124" algn="l" defTabSz="3135999" rtl="0" eaLnBrk="0" fontAlgn="base" hangingPunct="0">
+      <a:lvl2pPr marL="991148" indent="-381559" algn="l" defTabSz="1219590" rtl="0" eaLnBrk="0" fontAlgn="base" hangingPunct="0">
         <a:spcBef>
           <a:spcPct val="20000"/>
         </a:spcBef>
@@ -3642,14 +3646,14 @@
           <a:spcPct val="0"/>
         </a:spcAft>
         <a:buChar char="–"/>
-        <a:defRPr sz="9600">
+        <a:defRPr sz="3733">
           <a:solidFill>
             <a:schemeClr val="tx1"/>
           </a:solidFill>
           <a:latin typeface="+mn-lt"/>
         </a:defRPr>
       </a:lvl2pPr>
-      <a:lvl3pPr marL="3920263" indent="-784265" algn="l" defTabSz="3135999" rtl="0" eaLnBrk="0" fontAlgn="base" hangingPunct="0">
+      <a:lvl3pPr marL="1524590" indent="-305001" algn="l" defTabSz="1219590" rtl="0" eaLnBrk="0" fontAlgn="base" hangingPunct="0">
         <a:spcBef>
           <a:spcPct val="20000"/>
         </a:spcBef>
@@ -3657,14 +3661,14 @@
           <a:spcPct val="0"/>
         </a:spcAft>
         <a:buChar char="•"/>
-        <a:defRPr sz="8267">
+        <a:defRPr sz="3215">
           <a:solidFill>
             <a:schemeClr val="tx1"/>
           </a:solidFill>
           <a:latin typeface="+mn-lt"/>
         </a:defRPr>
       </a:lvl3pPr>
-      <a:lvl4pPr marL="5486674" indent="-783206" algn="l" defTabSz="3135999" rtl="0" eaLnBrk="0" fontAlgn="base" hangingPunct="0">
+      <a:lvl4pPr marL="2133768" indent="-304589" algn="l" defTabSz="1219590" rtl="0" eaLnBrk="0" fontAlgn="base" hangingPunct="0">
         <a:spcBef>
           <a:spcPct val="20000"/>
         </a:spcBef>
@@ -3672,14 +3676,14 @@
           <a:spcPct val="0"/>
         </a:spcAft>
         <a:buChar char="–"/>
-        <a:defRPr sz="6934">
+        <a:defRPr sz="2697">
           <a:solidFill>
             <a:schemeClr val="tx1"/>
           </a:solidFill>
           <a:latin typeface="+mn-lt"/>
         </a:defRPr>
       </a:lvl4pPr>
-      <a:lvl5pPr marL="7054145" indent="-784265" algn="l" defTabSz="3135999" rtl="0" eaLnBrk="0" fontAlgn="base" hangingPunct="0">
+      <a:lvl5pPr marL="2743357" indent="-305001" algn="l" defTabSz="1219590" rtl="0" eaLnBrk="0" fontAlgn="base" hangingPunct="0">
         <a:spcBef>
           <a:spcPct val="20000"/>
         </a:spcBef>
@@ -3687,14 +3691,14 @@
           <a:spcPct val="0"/>
         </a:spcAft>
         <a:buChar char="»"/>
-        <a:defRPr sz="6934">
+        <a:defRPr sz="2697">
           <a:solidFill>
             <a:schemeClr val="tx1"/>
           </a:solidFill>
           <a:latin typeface="+mn-lt"/>
         </a:defRPr>
       </a:lvl5pPr>
-      <a:lvl6pPr marL="7358960" indent="-784265" algn="l" defTabSz="3135999" rtl="0" fontAlgn="base">
+      <a:lvl6pPr marL="2861900" indent="-305001" algn="l" defTabSz="1219590" rtl="0" fontAlgn="base">
         <a:spcBef>
           <a:spcPct val="20000"/>
         </a:spcBef>
@@ -3702,14 +3706,14 @@
           <a:spcPct val="0"/>
         </a:spcAft>
         <a:buChar char="»"/>
-        <a:defRPr sz="6934">
+        <a:defRPr sz="2697">
           <a:solidFill>
             <a:schemeClr val="tx1"/>
           </a:solidFill>
           <a:latin typeface="+mn-lt"/>
         </a:defRPr>
       </a:lvl6pPr>
-      <a:lvl7pPr marL="7663775" indent="-784265" algn="l" defTabSz="3135999" rtl="0" fontAlgn="base">
+      <a:lvl7pPr marL="2980442" indent="-305001" algn="l" defTabSz="1219590" rtl="0" fontAlgn="base">
         <a:spcBef>
           <a:spcPct val="20000"/>
         </a:spcBef>
@@ -3717,14 +3721,14 @@
           <a:spcPct val="0"/>
         </a:spcAft>
         <a:buChar char="»"/>
-        <a:defRPr sz="6934">
+        <a:defRPr sz="2697">
           <a:solidFill>
             <a:schemeClr val="tx1"/>
           </a:solidFill>
           <a:latin typeface="+mn-lt"/>
         </a:defRPr>
       </a:lvl7pPr>
-      <a:lvl8pPr marL="7968590" indent="-784265" algn="l" defTabSz="3135999" rtl="0" fontAlgn="base">
+      <a:lvl8pPr marL="3098985" indent="-305001" algn="l" defTabSz="1219590" rtl="0" fontAlgn="base">
         <a:spcBef>
           <a:spcPct val="20000"/>
         </a:spcBef>
@@ -3732,14 +3736,14 @@
           <a:spcPct val="0"/>
         </a:spcAft>
         <a:buChar char="»"/>
-        <a:defRPr sz="6934">
+        <a:defRPr sz="2697">
           <a:solidFill>
             <a:schemeClr val="tx1"/>
           </a:solidFill>
           <a:latin typeface="+mn-lt"/>
         </a:defRPr>
       </a:lvl8pPr>
-      <a:lvl9pPr marL="8273406" indent="-784265" algn="l" defTabSz="3135999" rtl="0" fontAlgn="base">
+      <a:lvl9pPr marL="3217528" indent="-305001" algn="l" defTabSz="1219590" rtl="0" fontAlgn="base">
         <a:spcBef>
           <a:spcPct val="20000"/>
         </a:spcBef>
@@ -3747,7 +3751,7 @@
           <a:spcPct val="0"/>
         </a:spcAft>
         <a:buChar char="»"/>
-        <a:defRPr sz="6934">
+        <a:defRPr sz="2697">
           <a:solidFill>
             <a:schemeClr val="tx1"/>
           </a:solidFill>
@@ -3759,8 +3763,8 @@
       <a:defPPr>
         <a:defRPr lang="en-US"/>
       </a:defPPr>
-      <a:lvl1pPr marL="0" algn="l" defTabSz="609630" rtl="0" eaLnBrk="1" latinLnBrk="0" hangingPunct="1">
-        <a:defRPr sz="1200" kern="1200">
+      <a:lvl1pPr marL="0" algn="l" defTabSz="237085" rtl="0" eaLnBrk="1" latinLnBrk="0" hangingPunct="1">
+        <a:defRPr sz="467" kern="1200">
           <a:solidFill>
             <a:schemeClr val="tx1"/>
           </a:solidFill>
@@ -3769,8 +3773,8 @@
           <a:cs typeface="+mn-cs"/>
         </a:defRPr>
       </a:lvl1pPr>
-      <a:lvl2pPr marL="304815" algn="l" defTabSz="609630" rtl="0" eaLnBrk="1" latinLnBrk="0" hangingPunct="1">
-        <a:defRPr sz="1200" kern="1200">
+      <a:lvl2pPr marL="118543" algn="l" defTabSz="237085" rtl="0" eaLnBrk="1" latinLnBrk="0" hangingPunct="1">
+        <a:defRPr sz="467" kern="1200">
           <a:solidFill>
             <a:schemeClr val="tx1"/>
           </a:solidFill>
@@ -3779,8 +3783,8 @@
           <a:cs typeface="+mn-cs"/>
         </a:defRPr>
       </a:lvl2pPr>
-      <a:lvl3pPr marL="609630" algn="l" defTabSz="609630" rtl="0" eaLnBrk="1" latinLnBrk="0" hangingPunct="1">
-        <a:defRPr sz="1200" kern="1200">
+      <a:lvl3pPr marL="237085" algn="l" defTabSz="237085" rtl="0" eaLnBrk="1" latinLnBrk="0" hangingPunct="1">
+        <a:defRPr sz="467" kern="1200">
           <a:solidFill>
             <a:schemeClr val="tx1"/>
           </a:solidFill>
@@ -3789,8 +3793,8 @@
           <a:cs typeface="+mn-cs"/>
         </a:defRPr>
       </a:lvl3pPr>
-      <a:lvl4pPr marL="914446" algn="l" defTabSz="609630" rtl="0" eaLnBrk="1" latinLnBrk="0" hangingPunct="1">
-        <a:defRPr sz="1200" kern="1200">
+      <a:lvl4pPr marL="355628" algn="l" defTabSz="237085" rtl="0" eaLnBrk="1" latinLnBrk="0" hangingPunct="1">
+        <a:defRPr sz="467" kern="1200">
           <a:solidFill>
             <a:schemeClr val="tx1"/>
           </a:solidFill>
@@ -3799,8 +3803,8 @@
           <a:cs typeface="+mn-cs"/>
         </a:defRPr>
       </a:lvl4pPr>
-      <a:lvl5pPr marL="1219261" algn="l" defTabSz="609630" rtl="0" eaLnBrk="1" latinLnBrk="0" hangingPunct="1">
-        <a:defRPr sz="1200" kern="1200">
+      <a:lvl5pPr marL="474171" algn="l" defTabSz="237085" rtl="0" eaLnBrk="1" latinLnBrk="0" hangingPunct="1">
+        <a:defRPr sz="467" kern="1200">
           <a:solidFill>
             <a:schemeClr val="tx1"/>
           </a:solidFill>
@@ -3809,8 +3813,8 @@
           <a:cs typeface="+mn-cs"/>
         </a:defRPr>
       </a:lvl5pPr>
-      <a:lvl6pPr marL="1524076" algn="l" defTabSz="609630" rtl="0" eaLnBrk="1" latinLnBrk="0" hangingPunct="1">
-        <a:defRPr sz="1200" kern="1200">
+      <a:lvl6pPr marL="592713" algn="l" defTabSz="237085" rtl="0" eaLnBrk="1" latinLnBrk="0" hangingPunct="1">
+        <a:defRPr sz="467" kern="1200">
           <a:solidFill>
             <a:schemeClr val="tx1"/>
           </a:solidFill>
@@ -3819,8 +3823,8 @@
           <a:cs typeface="+mn-cs"/>
         </a:defRPr>
       </a:lvl6pPr>
-      <a:lvl7pPr marL="1828891" algn="l" defTabSz="609630" rtl="0" eaLnBrk="1" latinLnBrk="0" hangingPunct="1">
-        <a:defRPr sz="1200" kern="1200">
+      <a:lvl7pPr marL="711256" algn="l" defTabSz="237085" rtl="0" eaLnBrk="1" latinLnBrk="0" hangingPunct="1">
+        <a:defRPr sz="467" kern="1200">
           <a:solidFill>
             <a:schemeClr val="tx1"/>
           </a:solidFill>
@@ -3829,8 +3833,8 @@
           <a:cs typeface="+mn-cs"/>
         </a:defRPr>
       </a:lvl7pPr>
-      <a:lvl8pPr marL="2133707" algn="l" defTabSz="609630" rtl="0" eaLnBrk="1" latinLnBrk="0" hangingPunct="1">
-        <a:defRPr sz="1200" kern="1200">
+      <a:lvl8pPr marL="829799" algn="l" defTabSz="237085" rtl="0" eaLnBrk="1" latinLnBrk="0" hangingPunct="1">
+        <a:defRPr sz="467" kern="1200">
           <a:solidFill>
             <a:schemeClr val="tx1"/>
           </a:solidFill>
@@ -3839,8 +3843,8 @@
           <a:cs typeface="+mn-cs"/>
         </a:defRPr>
       </a:lvl8pPr>
-      <a:lvl9pPr marL="2438522" algn="l" defTabSz="609630" rtl="0" eaLnBrk="1" latinLnBrk="0" hangingPunct="1">
-        <a:defRPr sz="1200" kern="1200">
+      <a:lvl9pPr marL="948341" algn="l" defTabSz="237085" rtl="0" eaLnBrk="1" latinLnBrk="0" hangingPunct="1">
+        <a:defRPr sz="467" kern="1200">
           <a:solidFill>
             <a:schemeClr val="tx1"/>
           </a:solidFill>
@@ -3857,14 +3861,6 @@
 <file path=ppt/slides/slide1.xml><?xml version="1.0" encoding="utf-8"?>
 <p:sld xmlns:a="http://schemas.openxmlformats.org/drawingml/2006/main" xmlns:r="http://schemas.openxmlformats.org/officeDocument/2006/relationships" xmlns:p="http://schemas.openxmlformats.org/presentationml/2006/main">
   <p:cSld>
-    <p:bg>
-      <p:bgPr>
-        <a:solidFill>
-          <a:schemeClr val="bg1"/>
-        </a:solidFill>
-        <a:effectLst/>
-      </p:bgPr>
-    </p:bg>
     <p:spTree>
       <p:nvGrpSpPr>
         <p:cNvPr id="1" name=""/>
@@ -3889,8 +3885,8 @@
         </p:nvSpPr>
         <p:spPr bwMode="auto">
           <a:xfrm>
-            <a:off x="381000" y="358470"/>
-            <a:ext cx="32156400" cy="4016331"/>
+            <a:off x="148167" y="672805"/>
+            <a:ext cx="12505267" cy="1561907"/>
           </a:xfrm>
           <a:prstGeom prst="roundRect">
             <a:avLst/>
@@ -3903,19 +3899,19 @@
           </a:ln>
         </p:spPr>
         <p:txBody>
-          <a:bodyPr lIns="137160" tIns="68580" rIns="137160" bIns="68580" anchor="ctr"/>
+          <a:bodyPr lIns="53340" tIns="26670" rIns="53340" bIns="26670" anchor="ctr"/>
           <a:lstStyle>
             <a:defPPr>
               <a:defRPr kern="1200" smtId="4294967295"/>
             </a:defPPr>
           </a:lstStyle>
           <a:p>
-            <a:pPr algn="ctr" defTabSz="3135999">
+            <a:pPr algn="ctr" defTabSz="1219590">
               <a:lnSpc>
                 <a:spcPct val="90000"/>
               </a:lnSpc>
             </a:pPr>
-            <a:endParaRPr lang="en-US" sz="3267" i="1"/>
+            <a:endParaRPr lang="en-US" sz="1271" i="1"/>
           </a:p>
         </p:txBody>
       </p:sp>
@@ -3933,8 +3929,8 @@
         </p:nvSpPr>
         <p:spPr>
           <a:xfrm>
-            <a:off x="4267200" y="688670"/>
-            <a:ext cx="24384000" cy="1958293"/>
+            <a:off x="1659467" y="801217"/>
+            <a:ext cx="9482667" cy="761558"/>
           </a:xfrm>
           <a:prstGeom prst="rect">
             <a:avLst/>
@@ -4093,52 +4089,20 @@
             </a:lvl9pPr>
           </a:lstStyle>
           <a:p>
-            <a:pPr algn="ctr" defTabSz="2507516">
+            <a:pPr algn="ctr" defTabSz="975173">
               <a:spcBef>
                 <a:spcPct val="20000"/>
               </a:spcBef>
               <a:defRPr/>
             </a:pPr>
             <a:r>
-              <a:rPr lang="en-US" sz="5700" dirty="0">
+              <a:rPr lang="en-US" sz="2217" dirty="0">
                 <a:solidFill>
                   <a:schemeClr val="bg1"/>
                 </a:solidFill>
                 <a:latin typeface="Amaranth" panose="02000503050000020004" pitchFamily="2" charset="0"/>
               </a:rPr>
-              <a:t>This Scientific Poster Template Is Provided By </a:t>
-            </a:r>
-            <a:r>
-              <a:rPr lang="en-US" sz="5700" dirty="0" err="1">
-                <a:solidFill>
-                  <a:schemeClr val="bg1"/>
-                </a:solidFill>
-                <a:latin typeface="Amaranth" panose="02000503050000020004" pitchFamily="2" charset="0"/>
-              </a:rPr>
-              <a:t>MakeSigns</a:t>
-            </a:r>
-            <a:endParaRPr lang="en-US" sz="5700" dirty="0">
-              <a:solidFill>
-                <a:schemeClr val="bg1"/>
-              </a:solidFill>
-              <a:latin typeface="Amaranth" panose="02000503050000020004" pitchFamily="2" charset="0"/>
-            </a:endParaRPr>
-          </a:p>
-          <a:p>
-            <a:pPr algn="ctr" defTabSz="2507516">
-              <a:spcBef>
-                <a:spcPct val="20000"/>
-              </a:spcBef>
-              <a:defRPr/>
-            </a:pPr>
-            <a:r>
-              <a:rPr lang="en-US" sz="5700" dirty="0">
-                <a:solidFill>
-                  <a:schemeClr val="bg1"/>
-                </a:solidFill>
-                <a:latin typeface="Amaranth" panose="02000503050000020004" pitchFamily="2" charset="0"/>
-              </a:rPr>
-              <a:t>Enter A Title And Add Logos To Your Poster</a:t>
+              <a:t>A quantitative approach to Consistency Theorem in clustering</a:t>
             </a:r>
           </a:p>
         </p:txBody>
@@ -4157,8 +4121,8 @@
         </p:nvSpPr>
         <p:spPr>
           <a:xfrm>
-            <a:off x="4267200" y="2823024"/>
-            <a:ext cx="24384000" cy="1264192"/>
+            <a:off x="1659467" y="1631243"/>
+            <a:ext cx="9482667" cy="487249"/>
           </a:xfrm>
           <a:prstGeom prst="rect">
             <a:avLst/>
@@ -4321,29 +4285,46 @@
               <a:defRPr/>
             </a:pPr>
             <a:r>
-              <a:rPr lang="en-US" sz="3700">
+              <a:rPr lang="en-US" sz="1439" dirty="0">
                 <a:solidFill>
                   <a:schemeClr val="bg1"/>
                 </a:solidFill>
                 <a:latin typeface="Titillium Web" panose="00000500000000000000" pitchFamily="2" charset="0"/>
                 <a:cs typeface="Arial" pitchFamily="34" charset="0"/>
               </a:rPr>
-              <a:t>Add Author Names and Information</a:t>
+              <a:t>Zehui Li   (Data Science)                                                                                Supervisor: Dr. Yves van </a:t>
             </a:r>
-          </a:p>
-          <a:p>
-            <a:pPr algn="ctr">
-              <a:defRPr/>
-            </a:pPr>
             <a:r>
-              <a:rPr lang="en-US" sz="3700">
+              <a:rPr lang="en-US" sz="1439" dirty="0" err="1">
                 <a:solidFill>
                   <a:schemeClr val="bg1"/>
                 </a:solidFill>
                 <a:latin typeface="Titillium Web" panose="00000500000000000000" pitchFamily="2" charset="0"/>
                 <a:cs typeface="Arial" pitchFamily="34" charset="0"/>
               </a:rPr>
-              <a:t>Include University or Department Names if Needed</a:t>
+              <a:t>Gennip</a:t>
+            </a:r>
+            <a:endParaRPr lang="en-US" sz="1439" dirty="0">
+              <a:solidFill>
+                <a:schemeClr val="bg1"/>
+              </a:solidFill>
+              <a:latin typeface="Titillium Web" panose="00000500000000000000" pitchFamily="2" charset="0"/>
+              <a:cs typeface="Arial" pitchFamily="34" charset="0"/>
+            </a:endParaRPr>
+          </a:p>
+          <a:p>
+            <a:pPr algn="ctr">
+              <a:defRPr/>
+            </a:pPr>
+            <a:r>
+              <a:rPr lang="en-US" sz="1439" dirty="0">
+                <a:solidFill>
+                  <a:schemeClr val="bg1"/>
+                </a:solidFill>
+                <a:latin typeface="Titillium Web" panose="00000500000000000000" pitchFamily="2" charset="0"/>
+                <a:cs typeface="Arial" pitchFamily="34" charset="0"/>
+              </a:rPr>
+              <a:t>School of Mathematical Science &amp; Computer Science,                                   University of Nottingham</a:t>
             </a:r>
           </a:p>
         </p:txBody>
@@ -4364,38 +4345,24 @@
         </p:nvSpPr>
         <p:spPr bwMode="auto">
           <a:xfrm>
-            <a:off x="660133" y="5959743"/>
-            <a:ext cx="7404434" cy="326229"/>
+            <a:off x="256718" y="2590800"/>
+            <a:ext cx="2914844" cy="2761365"/>
           </a:xfrm>
           <a:prstGeom prst="rect">
             <a:avLst/>
           </a:prstGeom>
-          <a:noFill/>
+          <a:solidFill>
+            <a:schemeClr val="accent4">
+              <a:lumMod val="75000"/>
+            </a:schemeClr>
+          </a:solidFill>
           <a:ln>
             <a:noFill/>
           </a:ln>
-          <a:extLst>
-            <a:ext uri="{909E8E84-426E-40DD-AFC4-6F175D3DCCD1}">
-              <a14:hiddenFill xmlns:a14="http://schemas.microsoft.com/office/drawing/2010/main">
-                <a:solidFill>
-                  <a:srgbClr val="FFFFFF"/>
-                </a:solidFill>
-              </a14:hiddenFill>
-            </a:ext>
-            <a:ext uri="{91240B29-F687-4F45-9708-019B960494DF}">
-              <a14:hiddenLine xmlns:a14="http://schemas.microsoft.com/office/drawing/2010/main" w="9525">
-                <a:solidFill>
-                  <a:srgbClr val="000000"/>
-                </a:solidFill>
-                <a:miter lim="800000"/>
-                <a:headEnd/>
-                <a:tailEnd/>
-              </a14:hiddenLine>
-            </a:ext>
-          </a:extLst>
+          <a:extLst/>
         </p:spPr>
         <p:txBody>
-          <a:bodyPr wrap="square" lIns="60945" tIns="30473" rIns="60945" bIns="30473">
+          <a:bodyPr wrap="square" lIns="180000" tIns="72000" rIns="180000" bIns="11851">
             <a:spAutoFit/>
           </a:bodyPr>
           <a:lstStyle>
@@ -4515,21 +4482,1182 @@
               </a:lnSpc>
             </a:pPr>
             <a:r>
-              <a:rPr lang="en-US" sz="1600">
-                <a:latin typeface="Titillium Web" panose="00000500000000000000" pitchFamily="2" charset="0"/>
-                <a:cs typeface="Arial" pitchFamily="34" charset="0"/>
+              <a:rPr lang="en-US" sz="933" dirty="0">
+                <a:latin typeface="+mn-lt"/>
+                <a:ea typeface="+mn-ea"/>
               </a:rPr>
-              <a:t>Add your information, graphs and images to this section.</a:t>
+              <a:t>	</a:t>
             </a:r>
+            <a:r>
+              <a:rPr lang="en-US" sz="933" dirty="0">
+                <a:solidFill>
+                  <a:schemeClr val="bg1"/>
+                </a:solidFill>
+                <a:latin typeface="+mn-lt"/>
+                <a:ea typeface="+mn-ea"/>
+              </a:rPr>
+              <a:t>Introduction</a:t>
+            </a:r>
+          </a:p>
+          <a:p>
+            <a:pPr algn="just">
+              <a:lnSpc>
+                <a:spcPct val="110000"/>
+              </a:lnSpc>
+            </a:pPr>
+            <a:endParaRPr lang="en-US" sz="622" dirty="0">
+              <a:latin typeface="+mn-lt"/>
+              <a:cs typeface="Arial" pitchFamily="34" charset="0"/>
+            </a:endParaRPr>
+          </a:p>
+          <a:p>
+            <a:pPr algn="just">
+              <a:lnSpc>
+                <a:spcPct val="110000"/>
+              </a:lnSpc>
+            </a:pPr>
+            <a:endParaRPr lang="en-US" sz="622" dirty="0">
+              <a:latin typeface="+mn-lt"/>
+              <a:cs typeface="Arial" pitchFamily="34" charset="0"/>
+            </a:endParaRPr>
+          </a:p>
+          <a:p>
+            <a:pPr algn="just">
+              <a:lnSpc>
+                <a:spcPct val="110000"/>
+              </a:lnSpc>
+            </a:pPr>
+            <a:endParaRPr lang="en-US" sz="622" dirty="0">
+              <a:latin typeface="+mn-lt"/>
+              <a:cs typeface="Arial" pitchFamily="34" charset="0"/>
+            </a:endParaRPr>
+          </a:p>
+          <a:p>
+            <a:pPr algn="just">
+              <a:lnSpc>
+                <a:spcPct val="110000"/>
+              </a:lnSpc>
+            </a:pPr>
+            <a:endParaRPr lang="en-US" sz="622" dirty="0">
+              <a:latin typeface="+mn-lt"/>
+              <a:cs typeface="Arial" pitchFamily="34" charset="0"/>
+            </a:endParaRPr>
+          </a:p>
+          <a:p>
+            <a:pPr algn="just">
+              <a:lnSpc>
+                <a:spcPct val="110000"/>
+              </a:lnSpc>
+            </a:pPr>
+            <a:endParaRPr lang="en-US" sz="622" dirty="0">
+              <a:latin typeface="+mn-lt"/>
+              <a:cs typeface="Arial" pitchFamily="34" charset="0"/>
+            </a:endParaRPr>
+          </a:p>
+          <a:p>
+            <a:pPr algn="just">
+              <a:lnSpc>
+                <a:spcPct val="110000"/>
+              </a:lnSpc>
+            </a:pPr>
+            <a:endParaRPr lang="en-US" sz="622" dirty="0">
+              <a:latin typeface="+mn-lt"/>
+              <a:cs typeface="Arial" pitchFamily="34" charset="0"/>
+            </a:endParaRPr>
+          </a:p>
+          <a:p>
+            <a:pPr algn="just">
+              <a:lnSpc>
+                <a:spcPct val="110000"/>
+              </a:lnSpc>
+            </a:pPr>
+            <a:endParaRPr lang="en-US" sz="622" dirty="0">
+              <a:latin typeface="+mn-lt"/>
+              <a:cs typeface="Arial" pitchFamily="34" charset="0"/>
+            </a:endParaRPr>
+          </a:p>
+          <a:p>
+            <a:pPr algn="just">
+              <a:lnSpc>
+                <a:spcPct val="110000"/>
+              </a:lnSpc>
+            </a:pPr>
+            <a:endParaRPr lang="en-US" sz="622" dirty="0">
+              <a:latin typeface="+mn-lt"/>
+              <a:cs typeface="Arial" pitchFamily="34" charset="0"/>
+            </a:endParaRPr>
+          </a:p>
+          <a:p>
+            <a:pPr algn="just">
+              <a:lnSpc>
+                <a:spcPct val="110000"/>
+              </a:lnSpc>
+            </a:pPr>
+            <a:endParaRPr lang="en-US" sz="622" dirty="0">
+              <a:latin typeface="+mn-lt"/>
+              <a:cs typeface="Arial" pitchFamily="34" charset="0"/>
+            </a:endParaRPr>
+          </a:p>
+          <a:p>
+            <a:pPr algn="just">
+              <a:lnSpc>
+                <a:spcPct val="110000"/>
+              </a:lnSpc>
+            </a:pPr>
+            <a:endParaRPr lang="en-US" sz="622" dirty="0">
+              <a:latin typeface="+mn-lt"/>
+              <a:cs typeface="Arial" pitchFamily="34" charset="0"/>
+            </a:endParaRPr>
+          </a:p>
+          <a:p>
+            <a:pPr algn="just">
+              <a:lnSpc>
+                <a:spcPct val="110000"/>
+              </a:lnSpc>
+            </a:pPr>
+            <a:endParaRPr lang="en-US" sz="622" dirty="0">
+              <a:latin typeface="+mn-lt"/>
+              <a:cs typeface="Arial" pitchFamily="34" charset="0"/>
+            </a:endParaRPr>
+          </a:p>
+          <a:p>
+            <a:pPr algn="just">
+              <a:lnSpc>
+                <a:spcPct val="110000"/>
+              </a:lnSpc>
+            </a:pPr>
+            <a:endParaRPr lang="en-US" sz="622" dirty="0">
+              <a:latin typeface="+mn-lt"/>
+              <a:cs typeface="Arial" pitchFamily="34" charset="0"/>
+            </a:endParaRPr>
+          </a:p>
+          <a:p>
+            <a:pPr algn="just">
+              <a:lnSpc>
+                <a:spcPct val="110000"/>
+              </a:lnSpc>
+            </a:pPr>
+            <a:endParaRPr lang="en-US" sz="622" dirty="0">
+              <a:latin typeface="+mn-lt"/>
+              <a:cs typeface="Arial" pitchFamily="34" charset="0"/>
+            </a:endParaRPr>
+          </a:p>
+          <a:p>
+            <a:pPr algn="just">
+              <a:lnSpc>
+                <a:spcPct val="110000"/>
+              </a:lnSpc>
+            </a:pPr>
+            <a:endParaRPr lang="en-US" sz="622" dirty="0">
+              <a:latin typeface="+mn-lt"/>
+              <a:cs typeface="Arial" pitchFamily="34" charset="0"/>
+            </a:endParaRPr>
+          </a:p>
+          <a:p>
+            <a:pPr algn="just">
+              <a:lnSpc>
+                <a:spcPct val="110000"/>
+              </a:lnSpc>
+            </a:pPr>
+            <a:endParaRPr lang="en-US" sz="622" dirty="0">
+              <a:latin typeface="+mn-lt"/>
+              <a:cs typeface="Arial" pitchFamily="34" charset="0"/>
+            </a:endParaRPr>
+          </a:p>
+          <a:p>
+            <a:pPr algn="just">
+              <a:lnSpc>
+                <a:spcPct val="110000"/>
+              </a:lnSpc>
+            </a:pPr>
+            <a:endParaRPr lang="en-US" sz="622" dirty="0">
+              <a:latin typeface="+mn-lt"/>
+              <a:cs typeface="Arial" pitchFamily="34" charset="0"/>
+            </a:endParaRPr>
+          </a:p>
+          <a:p>
+            <a:pPr algn="just">
+              <a:lnSpc>
+                <a:spcPct val="110000"/>
+              </a:lnSpc>
+            </a:pPr>
+            <a:endParaRPr lang="en-US" sz="622" dirty="0">
+              <a:latin typeface="+mn-lt"/>
+              <a:cs typeface="Arial" pitchFamily="34" charset="0"/>
+            </a:endParaRPr>
+          </a:p>
+          <a:p>
+            <a:pPr algn="just">
+              <a:lnSpc>
+                <a:spcPct val="110000"/>
+              </a:lnSpc>
+            </a:pPr>
+            <a:endParaRPr lang="en-US" sz="622" dirty="0">
+              <a:latin typeface="+mn-lt"/>
+              <a:cs typeface="Arial" pitchFamily="34" charset="0"/>
+            </a:endParaRPr>
+          </a:p>
+          <a:p>
+            <a:pPr algn="just">
+              <a:lnSpc>
+                <a:spcPct val="110000"/>
+              </a:lnSpc>
+            </a:pPr>
+            <a:endParaRPr lang="en-US" sz="622" dirty="0">
+              <a:latin typeface="+mn-lt"/>
+              <a:cs typeface="Arial" pitchFamily="34" charset="0"/>
+            </a:endParaRPr>
+          </a:p>
+          <a:p>
+            <a:pPr algn="just">
+              <a:lnSpc>
+                <a:spcPct val="110000"/>
+              </a:lnSpc>
+            </a:pPr>
+            <a:endParaRPr lang="en-US" sz="622" dirty="0">
+              <a:latin typeface="+mn-lt"/>
+              <a:cs typeface="Arial" pitchFamily="34" charset="0"/>
+            </a:endParaRPr>
+          </a:p>
+          <a:p>
+            <a:pPr algn="just">
+              <a:lnSpc>
+                <a:spcPct val="110000"/>
+              </a:lnSpc>
+            </a:pPr>
+            <a:endParaRPr lang="en-US" sz="622" dirty="0">
+              <a:latin typeface="+mn-lt"/>
+              <a:cs typeface="Arial" pitchFamily="34" charset="0"/>
+            </a:endParaRPr>
+          </a:p>
+          <a:p>
+            <a:pPr algn="just">
+              <a:lnSpc>
+                <a:spcPct val="110000"/>
+              </a:lnSpc>
+            </a:pPr>
+            <a:endParaRPr lang="en-US" sz="622" dirty="0">
+              <a:latin typeface="+mn-lt"/>
+              <a:cs typeface="Arial" pitchFamily="34" charset="0"/>
+            </a:endParaRPr>
+          </a:p>
+          <a:p>
+            <a:pPr algn="just">
+              <a:lnSpc>
+                <a:spcPct val="110000"/>
+              </a:lnSpc>
+            </a:pPr>
+            <a:endParaRPr lang="en-US" sz="622" dirty="0">
+              <a:latin typeface="+mn-lt"/>
+              <a:cs typeface="Arial" pitchFamily="34" charset="0"/>
+            </a:endParaRPr>
+          </a:p>
+          <a:p>
+            <a:pPr algn="just">
+              <a:lnSpc>
+                <a:spcPct val="110000"/>
+              </a:lnSpc>
+            </a:pPr>
+            <a:endParaRPr lang="en-US" sz="622" dirty="0">
+              <a:latin typeface="+mn-lt"/>
+              <a:cs typeface="Arial" pitchFamily="34" charset="0"/>
+            </a:endParaRPr>
           </a:p>
         </p:txBody>
       </p:sp>
+      <mc:AlternateContent xmlns:mc="http://schemas.openxmlformats.org/markup-compatibility/2006">
+        <mc:Choice xmlns:a14="http://schemas.microsoft.com/office/drawing/2010/main" Requires="a14">
+          <p:sp>
+            <p:nvSpPr>
+              <p:cNvPr id="21" name="TextBox 19">
+                <a:extLst>
+                  <a:ext uri="{FF2B5EF4-FFF2-40B4-BE49-F238E27FC236}">
+                    <a16:creationId xmlns:a16="http://schemas.microsoft.com/office/drawing/2014/main" id="{DCB5B9DC-AFC8-48DD-8E5A-79F4EB3B3EE2}"/>
+                  </a:ext>
+                </a:extLst>
+              </p:cNvPr>
+              <p:cNvSpPr txBox="1">
+                <a:spLocks noChangeArrowheads="1"/>
+              </p:cNvSpPr>
+              <p:nvPr/>
+            </p:nvSpPr>
+            <p:spPr bwMode="auto">
+              <a:xfrm>
+                <a:off x="3392936" y="2862186"/>
+                <a:ext cx="2879502" cy="1284471"/>
+              </a:xfrm>
+              <a:prstGeom prst="rect">
+                <a:avLst/>
+              </a:prstGeom>
+              <a:noFill/>
+              <a:ln>
+                <a:noFill/>
+              </a:ln>
+              <a:extLst>
+                <a:ext uri="{909E8E84-426E-40DD-AFC4-6F175D3DCCD1}">
+                  <a14:hiddenFill>
+                    <a:solidFill>
+                      <a:srgbClr val="FFFFFF"/>
+                    </a:solidFill>
+                  </a14:hiddenFill>
+                </a:ext>
+                <a:ext uri="{91240B29-F687-4F45-9708-019B960494DF}">
+                  <a14:hiddenLine w="9525">
+                    <a:solidFill>
+                      <a:srgbClr val="000000"/>
+                    </a:solidFill>
+                    <a:miter lim="800000"/>
+                    <a:headEnd/>
+                    <a:tailEnd/>
+                  </a14:hiddenLine>
+                </a:ext>
+              </a:extLst>
+            </p:spPr>
+            <p:txBody>
+              <a:bodyPr wrap="square" lIns="23701" tIns="11851" rIns="23701" bIns="11851">
+                <a:spAutoFit/>
+              </a:bodyPr>
+              <a:lstStyle>
+                <a:defPPr>
+                  <a:defRPr kern="1200" smtId="4294967295"/>
+                </a:defPPr>
+                <a:lvl1pPr eaLnBrk="0" hangingPunct="0">
+                  <a:defRPr sz="2000">
+                    <a:solidFill>
+                      <a:schemeClr val="tx1"/>
+                    </a:solidFill>
+                    <a:latin typeface="Arial"/>
+                    <a:ea typeface="ＭＳ Ｐゴシック" pitchFamily="-106" charset="-128"/>
+                  </a:defRPr>
+                </a:lvl1pPr>
+                <a:lvl2pPr eaLnBrk="0" hangingPunct="0">
+                  <a:defRPr sz="2000">
+                    <a:solidFill>
+                      <a:schemeClr val="tx1"/>
+                    </a:solidFill>
+                    <a:latin typeface="Arial"/>
+                    <a:ea typeface="ＭＳ Ｐゴシック" pitchFamily="-106" charset="-128"/>
+                  </a:defRPr>
+                </a:lvl2pPr>
+                <a:lvl3pPr marL="1143000" indent="-228600" eaLnBrk="0" hangingPunct="0">
+                  <a:defRPr sz="2000">
+                    <a:solidFill>
+                      <a:schemeClr val="tx1"/>
+                    </a:solidFill>
+                    <a:latin typeface="Arial"/>
+                    <a:ea typeface="ＭＳ Ｐゴシック" pitchFamily="-106" charset="-128"/>
+                  </a:defRPr>
+                </a:lvl3pPr>
+                <a:lvl4pPr marL="1600200" indent="-228600" eaLnBrk="0" hangingPunct="0">
+                  <a:defRPr sz="2000">
+                    <a:solidFill>
+                      <a:schemeClr val="tx1"/>
+                    </a:solidFill>
+                    <a:latin typeface="Arial"/>
+                    <a:ea typeface="ＭＳ Ｐゴシック" pitchFamily="-106" charset="-128"/>
+                  </a:defRPr>
+                </a:lvl4pPr>
+                <a:lvl5pPr marL="2057400" indent="-228600" eaLnBrk="0" hangingPunct="0">
+                  <a:defRPr sz="2000">
+                    <a:solidFill>
+                      <a:schemeClr val="tx1"/>
+                    </a:solidFill>
+                    <a:latin typeface="Arial"/>
+                    <a:ea typeface="ＭＳ Ｐゴシック" pitchFamily="-106" charset="-128"/>
+                  </a:defRPr>
+                </a:lvl5pPr>
+                <a:lvl6pPr marL="2514600" indent="-228600" eaLnBrk="0" fontAlgn="base" hangingPunct="0">
+                  <a:spcBef>
+                    <a:spcPct val="0"/>
+                  </a:spcBef>
+                  <a:spcAft>
+                    <a:spcPct val="0"/>
+                  </a:spcAft>
+                  <a:defRPr sz="2000">
+                    <a:solidFill>
+                      <a:schemeClr val="tx1"/>
+                    </a:solidFill>
+                    <a:latin typeface="Arial"/>
+                    <a:ea typeface="ＭＳ Ｐゴシック" pitchFamily="-106" charset="-128"/>
+                  </a:defRPr>
+                </a:lvl6pPr>
+                <a:lvl7pPr marL="2971800" indent="-228600" eaLnBrk="0" fontAlgn="base" hangingPunct="0">
+                  <a:spcBef>
+                    <a:spcPct val="0"/>
+                  </a:spcBef>
+                  <a:spcAft>
+                    <a:spcPct val="0"/>
+                  </a:spcAft>
+                  <a:defRPr sz="2000">
+                    <a:solidFill>
+                      <a:schemeClr val="tx1"/>
+                    </a:solidFill>
+                    <a:latin typeface="Arial"/>
+                    <a:ea typeface="ＭＳ Ｐゴシック" pitchFamily="-106" charset="-128"/>
+                  </a:defRPr>
+                </a:lvl7pPr>
+                <a:lvl8pPr marL="3429000" indent="-228600" eaLnBrk="0" fontAlgn="base" hangingPunct="0">
+                  <a:spcBef>
+                    <a:spcPct val="0"/>
+                  </a:spcBef>
+                  <a:spcAft>
+                    <a:spcPct val="0"/>
+                  </a:spcAft>
+                  <a:defRPr sz="2000">
+                    <a:solidFill>
+                      <a:schemeClr val="tx1"/>
+                    </a:solidFill>
+                    <a:latin typeface="Arial"/>
+                    <a:ea typeface="ＭＳ Ｐゴシック" pitchFamily="-106" charset="-128"/>
+                  </a:defRPr>
+                </a:lvl8pPr>
+                <a:lvl9pPr marL="3886200" indent="-228600" eaLnBrk="0" fontAlgn="base" hangingPunct="0">
+                  <a:spcBef>
+                    <a:spcPct val="0"/>
+                  </a:spcBef>
+                  <a:spcAft>
+                    <a:spcPct val="0"/>
+                  </a:spcAft>
+                  <a:defRPr sz="2000">
+                    <a:solidFill>
+                      <a:schemeClr val="tx1"/>
+                    </a:solidFill>
+                    <a:latin typeface="Arial"/>
+                    <a:ea typeface="ＭＳ Ｐゴシック" pitchFamily="-106" charset="-128"/>
+                  </a:defRPr>
+                </a:lvl9pPr>
+              </a:lstStyle>
+              <a:p>
+                <a:pPr algn="just">
+                  <a:lnSpc>
+                    <a:spcPct val="110000"/>
+                  </a:lnSpc>
+                </a:pPr>
+                <a:r>
+                  <a:rPr lang="en-US" sz="622" dirty="0">
+                    <a:latin typeface="Titillium Web" panose="00000500000000000000" pitchFamily="2" charset="0"/>
+                    <a:cs typeface="Arial" pitchFamily="34" charset="0"/>
+                  </a:rPr>
+                  <a:t>In Kleinberg’s framework, every clustering algorithm can be represented by a function </a:t>
+                </a:r>
+                <a14:m>
+                  <m:oMath xmlns:m="http://schemas.openxmlformats.org/officeDocument/2006/math">
+                    <m:r>
+                      <a:rPr lang="en-US" sz="622" b="0" i="1" smtClean="0">
+                        <a:latin typeface="Cambria Math" panose="02040503050406030204" pitchFamily="18" charset="0"/>
+                        <a:cs typeface="Arial" pitchFamily="34" charset="0"/>
+                      </a:rPr>
+                      <m:t>𝑓</m:t>
+                    </m:r>
+                  </m:oMath>
+                </a14:m>
+                <a:r>
+                  <a:rPr lang="en-US" sz="622" dirty="0">
+                    <a:latin typeface="Titillium Web" panose="00000500000000000000" pitchFamily="2" charset="0"/>
+                    <a:cs typeface="Arial" pitchFamily="34" charset="0"/>
+                  </a:rPr>
+                  <a:t>, the input of this function are the a set </a:t>
+                </a:r>
+                <a14:m>
+                  <m:oMath xmlns:m="http://schemas.openxmlformats.org/officeDocument/2006/math">
+                    <m:r>
+                      <a:rPr lang="en-US" sz="622" b="0" i="1" smtClean="0">
+                        <a:latin typeface="Cambria Math" panose="02040503050406030204" pitchFamily="18" charset="0"/>
+                        <a:cs typeface="Arial" pitchFamily="34" charset="0"/>
+                      </a:rPr>
+                      <m:t>𝑆</m:t>
+                    </m:r>
+                  </m:oMath>
+                </a14:m>
+                <a:r>
+                  <a:rPr lang="en-US" sz="622" dirty="0">
+                    <a:latin typeface="Titillium Web" panose="00000500000000000000" pitchFamily="2" charset="0"/>
+                    <a:cs typeface="Arial" pitchFamily="34" charset="0"/>
+                  </a:rPr>
+                  <a:t> consisting of </a:t>
+                </a:r>
+                <a14:m>
+                  <m:oMath xmlns:m="http://schemas.openxmlformats.org/officeDocument/2006/math">
+                    <m:r>
+                      <a:rPr lang="en-US" sz="622" b="0" i="1" smtClean="0">
+                        <a:latin typeface="Cambria Math" panose="02040503050406030204" pitchFamily="18" charset="0"/>
+                        <a:cs typeface="Arial" pitchFamily="34" charset="0"/>
+                      </a:rPr>
+                      <m:t>𝑛</m:t>
+                    </m:r>
+                  </m:oMath>
+                </a14:m>
+                <a:r>
+                  <a:rPr lang="en-US" sz="622" dirty="0">
+                    <a:latin typeface="Titillium Web" panose="00000500000000000000" pitchFamily="2" charset="0"/>
+                    <a:cs typeface="Arial" pitchFamily="34" charset="0"/>
+                  </a:rPr>
+                  <a:t> data points, and the pairwise distance among them.  Pairwise distance is represented by a distance function </a:t>
+                </a:r>
+                <a14:m>
+                  <m:oMath xmlns:m="http://schemas.openxmlformats.org/officeDocument/2006/math">
+                    <m:r>
+                      <a:rPr lang="en-US" sz="622" b="0" i="1" smtClean="0">
+                        <a:latin typeface="Cambria Math" panose="02040503050406030204" pitchFamily="18" charset="0"/>
+                        <a:cs typeface="Arial" pitchFamily="34" charset="0"/>
+                      </a:rPr>
+                      <m:t>𝑑</m:t>
+                    </m:r>
+                  </m:oMath>
+                </a14:m>
+                <a:r>
+                  <a:rPr lang="en-US" sz="622" dirty="0">
+                    <a:latin typeface="Titillium Web" panose="00000500000000000000" pitchFamily="2" charset="0"/>
+                    <a:cs typeface="Arial" pitchFamily="34" charset="0"/>
+                  </a:rPr>
+                  <a:t>, </a:t>
+                </a:r>
+                <a14:m>
+                  <m:oMath xmlns:m="http://schemas.openxmlformats.org/officeDocument/2006/math">
+                    <m:r>
+                      <a:rPr lang="en-US" sz="622" b="0" i="1" smtClean="0">
+                        <a:latin typeface="Cambria Math" panose="02040503050406030204" pitchFamily="18" charset="0"/>
+                        <a:cs typeface="Arial" pitchFamily="34" charset="0"/>
+                      </a:rPr>
+                      <m:t>𝑑</m:t>
+                    </m:r>
+                    <m:d>
+                      <m:dPr>
+                        <m:ctrlPr>
+                          <a:rPr lang="en-US" sz="622" b="0" i="1" smtClean="0">
+                            <a:latin typeface="Cambria Math" panose="02040503050406030204" pitchFamily="18" charset="0"/>
+                            <a:cs typeface="Arial" pitchFamily="34" charset="0"/>
+                          </a:rPr>
+                        </m:ctrlPr>
+                      </m:dPr>
+                      <m:e>
+                        <m:r>
+                          <a:rPr lang="en-US" sz="622" b="0" i="1" smtClean="0">
+                            <a:latin typeface="Cambria Math" panose="02040503050406030204" pitchFamily="18" charset="0"/>
+                            <a:cs typeface="Arial" pitchFamily="34" charset="0"/>
+                          </a:rPr>
+                          <m:t>𝑖</m:t>
+                        </m:r>
+                        <m:r>
+                          <a:rPr lang="en-US" sz="622" b="0" i="1" smtClean="0">
+                            <a:latin typeface="Cambria Math" panose="02040503050406030204" pitchFamily="18" charset="0"/>
+                            <a:cs typeface="Arial" pitchFamily="34" charset="0"/>
+                          </a:rPr>
+                          <m:t>,</m:t>
+                        </m:r>
+                        <m:r>
+                          <a:rPr lang="en-US" sz="622" b="0" i="1" smtClean="0">
+                            <a:latin typeface="Cambria Math" panose="02040503050406030204" pitchFamily="18" charset="0"/>
+                            <a:cs typeface="Arial" pitchFamily="34" charset="0"/>
+                          </a:rPr>
+                          <m:t>𝑗</m:t>
+                        </m:r>
+                      </m:e>
+                    </m:d>
+                  </m:oMath>
+                </a14:m>
+                <a:r>
+                  <a:rPr lang="en-US" sz="622" dirty="0">
+                    <a:latin typeface="Titillium Web" panose="00000500000000000000" pitchFamily="2" charset="0"/>
+                    <a:cs typeface="Arial" pitchFamily="34" charset="0"/>
+                  </a:rPr>
+                  <a:t> denote the distance between </a:t>
+                </a:r>
+                <a14:m>
+                  <m:oMath xmlns:m="http://schemas.openxmlformats.org/officeDocument/2006/math">
+                    <m:r>
+                      <a:rPr lang="en-US" altLang="zh-CN" sz="622" b="0" i="1" smtClean="0">
+                        <a:latin typeface="Cambria Math" panose="02040503050406030204" pitchFamily="18" charset="0"/>
+                        <a:cs typeface="Arial" pitchFamily="34" charset="0"/>
+                      </a:rPr>
+                      <m:t>𝑖</m:t>
+                    </m:r>
+                  </m:oMath>
+                </a14:m>
+                <a:r>
+                  <a:rPr lang="en-US" sz="622" dirty="0">
+                    <a:latin typeface="Titillium Web" panose="00000500000000000000" pitchFamily="2" charset="0"/>
+                    <a:cs typeface="Arial" pitchFamily="34" charset="0"/>
+                  </a:rPr>
+                  <a:t> and </a:t>
+                </a:r>
+                <a14:m>
+                  <m:oMath xmlns:m="http://schemas.openxmlformats.org/officeDocument/2006/math">
+                    <m:r>
+                      <a:rPr lang="en-US" altLang="zh-CN" sz="622" b="0" i="1" smtClean="0">
+                        <a:latin typeface="Cambria Math" panose="02040503050406030204" pitchFamily="18" charset="0"/>
+                        <a:cs typeface="Arial" pitchFamily="34" charset="0"/>
+                      </a:rPr>
+                      <m:t>𝑗</m:t>
+                    </m:r>
+                  </m:oMath>
+                </a14:m>
+                <a:r>
+                  <a:rPr lang="en-US" sz="622" dirty="0">
+                    <a:latin typeface="Titillium Web" panose="00000500000000000000" pitchFamily="2" charset="0"/>
+                    <a:cs typeface="Arial" pitchFamily="34" charset="0"/>
+                  </a:rPr>
+                  <a:t>. </a:t>
+                </a:r>
+                <a14:m>
+                  <m:oMath xmlns:m="http://schemas.openxmlformats.org/officeDocument/2006/math">
+                    <m:r>
+                      <a:rPr lang="en-US" altLang="zh-CN" sz="622" i="1">
+                        <a:latin typeface="Cambria Math" panose="02040503050406030204" pitchFamily="18" charset="0"/>
+                        <a:cs typeface="Arial" pitchFamily="34" charset="0"/>
+                      </a:rPr>
+                      <m:t>𝑓</m:t>
+                    </m:r>
+                  </m:oMath>
+                </a14:m>
+                <a:r>
+                  <a:rPr lang="en-US" sz="622" dirty="0">
+                    <a:latin typeface="Titillium Web" panose="00000500000000000000" pitchFamily="2" charset="0"/>
+                    <a:cs typeface="Arial" pitchFamily="34" charset="0"/>
+                  </a:rPr>
+                  <a:t> take </a:t>
+                </a:r>
+                <a14:m>
+                  <m:oMath xmlns:m="http://schemas.openxmlformats.org/officeDocument/2006/math">
+                    <m:r>
+                      <a:rPr lang="en-US" altLang="zh-CN" sz="622" b="0" i="1" smtClean="0">
+                        <a:latin typeface="Cambria Math" panose="02040503050406030204" pitchFamily="18" charset="0"/>
+                        <a:cs typeface="Arial" pitchFamily="34" charset="0"/>
+                      </a:rPr>
+                      <m:t>𝑆</m:t>
+                    </m:r>
+                  </m:oMath>
+                </a14:m>
+                <a:r>
+                  <a:rPr lang="en-US" sz="622" dirty="0">
+                    <a:latin typeface="Titillium Web" panose="00000500000000000000" pitchFamily="2" charset="0"/>
+                    <a:cs typeface="Arial" pitchFamily="34" charset="0"/>
+                  </a:rPr>
+                  <a:t> and </a:t>
+                </a:r>
+                <a14:m>
+                  <m:oMath xmlns:m="http://schemas.openxmlformats.org/officeDocument/2006/math">
+                    <m:r>
+                      <a:rPr lang="en-US" sz="622" b="0" i="1" smtClean="0">
+                        <a:latin typeface="Cambria Math" panose="02040503050406030204" pitchFamily="18" charset="0"/>
+                        <a:cs typeface="Arial" pitchFamily="34" charset="0"/>
+                      </a:rPr>
+                      <m:t>𝑑</m:t>
+                    </m:r>
+                  </m:oMath>
+                </a14:m>
+                <a:r>
+                  <a:rPr lang="en-US" sz="622" dirty="0">
+                    <a:latin typeface="Titillium Web" panose="00000500000000000000" pitchFamily="2" charset="0"/>
+                    <a:cs typeface="Arial" pitchFamily="34" charset="0"/>
+                  </a:rPr>
+                  <a:t> as input then output a partition </a:t>
+                </a:r>
+                <a14:m>
+                  <m:oMath xmlns:m="http://schemas.openxmlformats.org/officeDocument/2006/math">
+                    <m:r>
+                      <a:rPr lang="zh-CN" altLang="en-US" sz="622" i="1" dirty="0" smtClean="0">
+                        <a:latin typeface="Cambria Math" panose="02040503050406030204" pitchFamily="18" charset="0"/>
+                      </a:rPr>
+                      <m:t>𝛤</m:t>
+                    </m:r>
+                  </m:oMath>
+                </a14:m>
+                <a:r>
+                  <a:rPr lang="en-US" sz="622" dirty="0">
+                    <a:latin typeface="Titillium Web" panose="00000500000000000000" pitchFamily="2" charset="0"/>
+                    <a:cs typeface="Arial" pitchFamily="34" charset="0"/>
+                  </a:rPr>
+                  <a:t>, omitting the Set </a:t>
+                </a:r>
+                <a14:m>
+                  <m:oMath xmlns:m="http://schemas.openxmlformats.org/officeDocument/2006/math">
+                    <m:r>
+                      <a:rPr lang="en-US" sz="622" b="0" i="1" smtClean="0">
+                        <a:latin typeface="Cambria Math" panose="02040503050406030204" pitchFamily="18" charset="0"/>
+                        <a:cs typeface="Arial" pitchFamily="34" charset="0"/>
+                      </a:rPr>
+                      <m:t>𝑆</m:t>
+                    </m:r>
+                  </m:oMath>
+                </a14:m>
+                <a:r>
+                  <a:rPr lang="en-US" sz="622" dirty="0">
+                    <a:latin typeface="Titillium Web" panose="00000500000000000000" pitchFamily="2" charset="0"/>
+                    <a:cs typeface="Arial" pitchFamily="34" charset="0"/>
+                  </a:rPr>
+                  <a:t>, we have </a:t>
+                </a:r>
+                <a14:m>
+                  <m:oMath xmlns:m="http://schemas.openxmlformats.org/officeDocument/2006/math">
+                    <m:r>
+                      <a:rPr lang="zh-CN" altLang="en-US" sz="622" i="1" dirty="0">
+                        <a:latin typeface="Cambria Math" panose="02040503050406030204" pitchFamily="18" charset="0"/>
+                      </a:rPr>
+                      <m:t>𝛤</m:t>
+                    </m:r>
+                    <m:r>
+                      <a:rPr lang="en-US" altLang="zh-CN" sz="622" b="0" i="1" dirty="0" smtClean="0">
+                        <a:latin typeface="Cambria Math" panose="02040503050406030204" pitchFamily="18" charset="0"/>
+                      </a:rPr>
+                      <m:t>=</m:t>
+                    </m:r>
+                    <m:r>
+                      <a:rPr lang="en-US" altLang="zh-CN" sz="622" b="0" i="1" dirty="0" smtClean="0">
+                        <a:latin typeface="Cambria Math" panose="02040503050406030204" pitchFamily="18" charset="0"/>
+                      </a:rPr>
+                      <m:t>𝑓</m:t>
+                    </m:r>
+                    <m:r>
+                      <a:rPr lang="en-US" altLang="zh-CN" sz="622" b="0" i="1" dirty="0" smtClean="0">
+                        <a:latin typeface="Cambria Math" panose="02040503050406030204" pitchFamily="18" charset="0"/>
+                      </a:rPr>
+                      <m:t>(</m:t>
+                    </m:r>
+                    <m:r>
+                      <a:rPr lang="en-US" altLang="zh-CN" sz="622" b="0" i="1" dirty="0" smtClean="0">
+                        <a:latin typeface="Cambria Math" panose="02040503050406030204" pitchFamily="18" charset="0"/>
+                      </a:rPr>
+                      <m:t>𝑑</m:t>
+                    </m:r>
+                    <m:r>
+                      <a:rPr lang="en-US" altLang="zh-CN" sz="622" b="0" i="1" dirty="0" smtClean="0">
+                        <a:latin typeface="Cambria Math" panose="02040503050406030204" pitchFamily="18" charset="0"/>
+                      </a:rPr>
+                      <m:t>)</m:t>
+                    </m:r>
+                  </m:oMath>
+                </a14:m>
+                <a:r>
+                  <a:rPr lang="en-US" sz="622" dirty="0">
+                    <a:latin typeface="Titillium Web" panose="00000500000000000000" pitchFamily="2" charset="0"/>
+                    <a:cs typeface="Arial" pitchFamily="34" charset="0"/>
+                  </a:rPr>
+                  <a:t>. Scale-Invariance and Richness is defined in the following way.</a:t>
+                </a:r>
+              </a:p>
+              <a:p>
+                <a:pPr algn="just">
+                  <a:lnSpc>
+                    <a:spcPct val="110000"/>
+                  </a:lnSpc>
+                </a:pPr>
+                <a:endParaRPr lang="en-US" sz="622" dirty="0">
+                  <a:latin typeface="Titillium Web" panose="00000500000000000000" pitchFamily="2" charset="0"/>
+                  <a:cs typeface="Arial" pitchFamily="34" charset="0"/>
+                </a:endParaRPr>
+              </a:p>
+              <a:p>
+                <a:pPr algn="just">
+                  <a:lnSpc>
+                    <a:spcPct val="110000"/>
+                  </a:lnSpc>
+                </a:pPr>
+                <a:r>
+                  <a:rPr lang="en-US" sz="622" i="1" dirty="0">
+                    <a:latin typeface="Titillium Web" panose="00000500000000000000" pitchFamily="2" charset="0"/>
+                    <a:cs typeface="Arial" pitchFamily="34" charset="0"/>
+                  </a:rPr>
+                  <a:t>Scale-Invariance: </a:t>
+                </a:r>
+                <a14:m>
+                  <m:oMath xmlns:m="http://schemas.openxmlformats.org/officeDocument/2006/math">
+                    <m:r>
+                      <a:rPr lang="en-US" sz="622" b="0" i="1" smtClean="0">
+                        <a:latin typeface="Cambria Math" panose="02040503050406030204" pitchFamily="18" charset="0"/>
+                        <a:cs typeface="Arial" pitchFamily="34" charset="0"/>
+                      </a:rPr>
+                      <m:t>𝑓</m:t>
+                    </m:r>
+                  </m:oMath>
+                </a14:m>
+                <a:r>
+                  <a:rPr lang="en-US" sz="622" i="1" dirty="0">
+                    <a:latin typeface="Titillium Web" panose="00000500000000000000" pitchFamily="2" charset="0"/>
+                    <a:cs typeface="Arial" pitchFamily="34" charset="0"/>
+                  </a:rPr>
+                  <a:t>satisfy Scale-Invariance </a:t>
+                </a:r>
+                <a14:m>
+                  <m:oMath xmlns:m="http://schemas.openxmlformats.org/officeDocument/2006/math">
+                    <m:r>
+                      <a:rPr lang="en-US" altLang="zh-CN" sz="622" i="1" smtClean="0">
+                        <a:latin typeface="Cambria Math" panose="02040503050406030204" pitchFamily="18" charset="0"/>
+                      </a:rPr>
+                      <m:t>⇔</m:t>
+                    </m:r>
+                  </m:oMath>
+                </a14:m>
+                <a:r>
+                  <a:rPr lang="en-US" sz="622" i="1" dirty="0">
+                    <a:latin typeface="Titillium Web" panose="00000500000000000000" pitchFamily="2" charset="0"/>
+                    <a:cs typeface="Arial" pitchFamily="34" charset="0"/>
+                  </a:rPr>
+                  <a:t> For any given distance function </a:t>
+                </a:r>
+                <a14:m>
+                  <m:oMath xmlns:m="http://schemas.openxmlformats.org/officeDocument/2006/math">
+                    <m:r>
+                      <a:rPr lang="en-US" altLang="zh-CN" sz="622" b="0" i="1" dirty="0" smtClean="0">
+                        <a:latin typeface="Cambria Math" panose="02040503050406030204" pitchFamily="18" charset="0"/>
+                      </a:rPr>
+                      <m:t>𝑑</m:t>
+                    </m:r>
+                  </m:oMath>
+                </a14:m>
+                <a:r>
+                  <a:rPr lang="en-US" sz="622" i="1" dirty="0">
+                    <a:latin typeface="Titillium Web" panose="00000500000000000000" pitchFamily="2" charset="0"/>
+                    <a:cs typeface="Arial" pitchFamily="34" charset="0"/>
+                  </a:rPr>
+                  <a:t> and any </a:t>
+                </a:r>
+                <a14:m>
+                  <m:oMath xmlns:m="http://schemas.openxmlformats.org/officeDocument/2006/math">
+                    <m:r>
+                      <a:rPr lang="zh-CN" altLang="en-US" sz="622" i="1" dirty="0" smtClean="0">
+                        <a:latin typeface="Cambria Math" panose="02040503050406030204" pitchFamily="18" charset="0"/>
+                      </a:rPr>
+                      <m:t>𝛼</m:t>
+                    </m:r>
+                    <m:r>
+                      <a:rPr lang="en-US" altLang="zh-CN" sz="622" i="1" dirty="0" smtClean="0">
+                        <a:latin typeface="Cambria Math" panose="02040503050406030204" pitchFamily="18" charset="0"/>
+                      </a:rPr>
+                      <m:t>&gt;0</m:t>
+                    </m:r>
+                  </m:oMath>
+                </a14:m>
+                <a:r>
+                  <a:rPr lang="en-US" sz="622" i="1" dirty="0">
+                    <a:latin typeface="Titillium Web" panose="00000500000000000000" pitchFamily="2" charset="0"/>
+                    <a:cs typeface="Arial" pitchFamily="34" charset="0"/>
+                  </a:rPr>
+                  <a:t>, </a:t>
+                </a:r>
+                <a14:m>
+                  <m:oMath xmlns:m="http://schemas.openxmlformats.org/officeDocument/2006/math">
+                    <m:r>
+                      <a:rPr lang="zh-CN" altLang="en-US" sz="622" i="1" dirty="0" smtClean="0">
+                        <a:latin typeface="Cambria Math" panose="02040503050406030204" pitchFamily="18" charset="0"/>
+                      </a:rPr>
+                      <m:t>𝑓</m:t>
+                    </m:r>
+                    <m:d>
+                      <m:dPr>
+                        <m:ctrlPr>
+                          <a:rPr lang="en-US" altLang="zh-CN" sz="622" i="1" dirty="0" smtClean="0">
+                            <a:latin typeface="Cambria Math" panose="02040503050406030204" pitchFamily="18" charset="0"/>
+                          </a:rPr>
+                        </m:ctrlPr>
+                      </m:dPr>
+                      <m:e>
+                        <m:r>
+                          <a:rPr lang="zh-CN" altLang="en-US" sz="622" i="1" dirty="0" smtClean="0">
+                            <a:latin typeface="Cambria Math" panose="02040503050406030204" pitchFamily="18" charset="0"/>
+                          </a:rPr>
+                          <m:t>𝑑</m:t>
+                        </m:r>
+                      </m:e>
+                    </m:d>
+                    <m:r>
+                      <a:rPr lang="en-US" altLang="zh-CN" sz="622" i="1" dirty="0" smtClean="0">
+                        <a:latin typeface="Cambria Math" panose="02040503050406030204" pitchFamily="18" charset="0"/>
+                      </a:rPr>
+                      <m:t>=</m:t>
+                    </m:r>
+                    <m:r>
+                      <a:rPr lang="zh-CN" altLang="en-US" sz="622" i="1" dirty="0" smtClean="0">
+                        <a:latin typeface="Cambria Math" panose="02040503050406030204" pitchFamily="18" charset="0"/>
+                      </a:rPr>
+                      <m:t>𝑓</m:t>
+                    </m:r>
+                    <m:r>
+                      <a:rPr lang="en-US" altLang="zh-CN" sz="622" b="0" i="1" dirty="0" smtClean="0">
+                        <a:latin typeface="Cambria Math" panose="02040503050406030204" pitchFamily="18" charset="0"/>
+                      </a:rPr>
+                      <m:t>(</m:t>
+                    </m:r>
+                    <m:r>
+                      <a:rPr lang="en-US" altLang="zh-CN" sz="622" i="1" dirty="0" smtClean="0">
+                        <a:latin typeface="Cambria Math" panose="02040503050406030204" pitchFamily="18" charset="0"/>
+                      </a:rPr>
+                      <m:t>𝛼</m:t>
+                    </m:r>
+                    <m:r>
+                      <a:rPr lang="en-US" altLang="zh-CN" sz="622" i="1" dirty="0" smtClean="0">
+                        <a:latin typeface="Cambria Math" panose="02040503050406030204" pitchFamily="18" charset="0"/>
+                      </a:rPr>
+                      <m:t>⋅</m:t>
+                    </m:r>
+                    <m:r>
+                      <a:rPr lang="en-US" altLang="zh-CN" sz="622" i="1" dirty="0" smtClean="0">
+                        <a:latin typeface="Cambria Math" panose="02040503050406030204" pitchFamily="18" charset="0"/>
+                      </a:rPr>
+                      <m:t>𝑑</m:t>
+                    </m:r>
+                    <m:r>
+                      <a:rPr lang="en-US" altLang="zh-CN" sz="622" b="0" i="1" dirty="0" smtClean="0">
+                        <a:latin typeface="Cambria Math" panose="02040503050406030204" pitchFamily="18" charset="0"/>
+                      </a:rPr>
+                      <m:t>)</m:t>
+                    </m:r>
+                  </m:oMath>
+                </a14:m>
+                <a:endParaRPr lang="en-US" sz="622" i="1" dirty="0">
+                  <a:latin typeface="Titillium Web" panose="00000500000000000000" pitchFamily="2" charset="0"/>
+                  <a:cs typeface="Arial" pitchFamily="34" charset="0"/>
+                </a:endParaRPr>
+              </a:p>
+              <a:p>
+                <a:pPr algn="just">
+                  <a:lnSpc>
+                    <a:spcPct val="110000"/>
+                  </a:lnSpc>
+                </a:pPr>
+                <a:endParaRPr lang="en-US" sz="622" i="1" dirty="0">
+                  <a:latin typeface="Titillium Web" panose="00000500000000000000" pitchFamily="2" charset="0"/>
+                  <a:cs typeface="Arial" pitchFamily="34" charset="0"/>
+                </a:endParaRPr>
+              </a:p>
+              <a:p>
+                <a:pPr algn="just">
+                  <a:lnSpc>
+                    <a:spcPct val="110000"/>
+                  </a:lnSpc>
+                </a:pPr>
+                <a:r>
+                  <a:rPr lang="en-US" sz="622" i="1" dirty="0">
+                    <a:latin typeface="Titillium Web" panose="00000500000000000000" pitchFamily="2" charset="0"/>
+                    <a:cs typeface="Arial" pitchFamily="34" charset="0"/>
+                  </a:rPr>
+                  <a:t>Richness: </a:t>
+                </a:r>
+                <a14:m>
+                  <m:oMath xmlns:m="http://schemas.openxmlformats.org/officeDocument/2006/math">
+                    <m:r>
+                      <a:rPr lang="en-US" altLang="zh-CN" sz="622" i="1">
+                        <a:latin typeface="Cambria Math" panose="02040503050406030204" pitchFamily="18" charset="0"/>
+                        <a:cs typeface="Arial" pitchFamily="34" charset="0"/>
+                      </a:rPr>
+                      <m:t>𝑓</m:t>
+                    </m:r>
+                  </m:oMath>
+                </a14:m>
+                <a:r>
+                  <a:rPr lang="en-US" altLang="zh-CN" sz="622" i="1" dirty="0">
+                    <a:latin typeface="Titillium Web" panose="00000500000000000000" pitchFamily="2" charset="0"/>
+                    <a:cs typeface="Arial" pitchFamily="34" charset="0"/>
+                  </a:rPr>
+                  <a:t>satisfy  Richness </a:t>
+                </a:r>
+                <a14:m>
+                  <m:oMath xmlns:m="http://schemas.openxmlformats.org/officeDocument/2006/math">
+                    <m:r>
+                      <a:rPr lang="en-US" altLang="zh-CN" sz="622" i="1">
+                        <a:latin typeface="Cambria Math" panose="02040503050406030204" pitchFamily="18" charset="0"/>
+                      </a:rPr>
+                      <m:t>⇔</m:t>
+                    </m:r>
+                  </m:oMath>
+                </a14:m>
+                <a:r>
+                  <a:rPr lang="en-US" sz="622" i="1" dirty="0">
+                    <a:latin typeface="Titillium Web" panose="00000500000000000000" pitchFamily="2" charset="0"/>
+                    <a:cs typeface="Arial" pitchFamily="34" charset="0"/>
+                  </a:rPr>
+                  <a:t> For any given partition  </a:t>
+                </a:r>
+                <a14:m>
+                  <m:oMath xmlns:m="http://schemas.openxmlformats.org/officeDocument/2006/math">
+                    <m:r>
+                      <a:rPr lang="zh-CN" altLang="en-US" sz="622" i="1" dirty="0">
+                        <a:latin typeface="Cambria Math" panose="02040503050406030204" pitchFamily="18" charset="0"/>
+                      </a:rPr>
+                      <m:t>𝛤</m:t>
+                    </m:r>
+                  </m:oMath>
+                </a14:m>
+                <a:r>
+                  <a:rPr lang="en-US" sz="622" i="1" dirty="0">
+                    <a:latin typeface="Titillium Web" panose="00000500000000000000" pitchFamily="2" charset="0"/>
+                    <a:cs typeface="Arial" pitchFamily="34" charset="0"/>
+                  </a:rPr>
+                  <a:t> of  </a:t>
+                </a:r>
+                <a14:m>
+                  <m:oMath xmlns:m="http://schemas.openxmlformats.org/officeDocument/2006/math">
+                    <m:r>
+                      <a:rPr lang="en-US" sz="622" b="0" i="1" smtClean="0">
+                        <a:latin typeface="Cambria Math" panose="02040503050406030204" pitchFamily="18" charset="0"/>
+                        <a:cs typeface="Arial" pitchFamily="34" charset="0"/>
+                      </a:rPr>
+                      <m:t>𝑆</m:t>
+                    </m:r>
+                  </m:oMath>
+                </a14:m>
+                <a:r>
+                  <a:rPr lang="en-US" sz="622" i="1" dirty="0">
+                    <a:latin typeface="Titillium Web" panose="00000500000000000000" pitchFamily="2" charset="0"/>
+                    <a:cs typeface="Arial" pitchFamily="34" charset="0"/>
+                  </a:rPr>
+                  <a:t>, </a:t>
+                </a:r>
+                <a14:m>
+                  <m:oMath xmlns:m="http://schemas.openxmlformats.org/officeDocument/2006/math">
+                    <m:r>
+                      <a:rPr lang="en-US" altLang="zh-CN" sz="622" i="1" dirty="0" smtClean="0">
+                        <a:latin typeface="Cambria Math" panose="02040503050406030204" pitchFamily="18" charset="0"/>
+                      </a:rPr>
+                      <m:t>∃</m:t>
+                    </m:r>
+                    <m:r>
+                      <a:rPr lang="zh-CN" altLang="en-US" sz="622" i="1" dirty="0">
+                        <a:latin typeface="Cambria Math" panose="02040503050406030204" pitchFamily="18" charset="0"/>
+                      </a:rPr>
+                      <m:t>𝑑</m:t>
+                    </m:r>
+                  </m:oMath>
+                </a14:m>
+                <a:r>
+                  <a:rPr lang="en-US" sz="622" i="1" dirty="0">
+                    <a:latin typeface="Titillium Web" panose="00000500000000000000" pitchFamily="2" charset="0"/>
+                    <a:cs typeface="Arial" pitchFamily="34" charset="0"/>
+                  </a:rPr>
+                  <a:t> such that  </a:t>
+                </a:r>
+              </a:p>
+              <a:p>
+                <a:pPr algn="just">
+                  <a:lnSpc>
+                    <a:spcPct val="110000"/>
+                  </a:lnSpc>
+                </a:pPr>
+                <a14:m>
+                  <m:oMathPara xmlns:m="http://schemas.openxmlformats.org/officeDocument/2006/math">
+                    <m:oMathParaPr>
+                      <m:jc m:val="left"/>
+                    </m:oMathParaPr>
+                    <m:oMath xmlns:m="http://schemas.openxmlformats.org/officeDocument/2006/math">
+                      <m:r>
+                        <a:rPr lang="zh-CN" altLang="en-US" sz="622" i="1" dirty="0" smtClean="0">
+                          <a:latin typeface="Cambria Math" panose="02040503050406030204" pitchFamily="18" charset="0"/>
+                        </a:rPr>
+                        <m:t>𝑓</m:t>
+                      </m:r>
+                      <m:d>
+                        <m:dPr>
+                          <m:ctrlPr>
+                            <a:rPr lang="en-US" altLang="zh-CN" sz="622" i="1" dirty="0">
+                              <a:latin typeface="Cambria Math" panose="02040503050406030204" pitchFamily="18" charset="0"/>
+                            </a:rPr>
+                          </m:ctrlPr>
+                        </m:dPr>
+                        <m:e>
+                          <m:r>
+                            <a:rPr lang="zh-CN" altLang="en-US" sz="622" i="1" dirty="0">
+                              <a:latin typeface="Cambria Math" panose="02040503050406030204" pitchFamily="18" charset="0"/>
+                            </a:rPr>
+                            <m:t>𝑑</m:t>
+                          </m:r>
+                        </m:e>
+                      </m:d>
+                      <m:r>
+                        <a:rPr lang="en-US" altLang="zh-CN" sz="622" i="1" dirty="0">
+                          <a:latin typeface="Cambria Math" panose="02040503050406030204" pitchFamily="18" charset="0"/>
+                        </a:rPr>
+                        <m:t>=</m:t>
+                      </m:r>
+                      <m:r>
+                        <a:rPr lang="zh-CN" altLang="en-US" sz="622" i="1" dirty="0">
+                          <a:latin typeface="Cambria Math" panose="02040503050406030204" pitchFamily="18" charset="0"/>
+                        </a:rPr>
+                        <m:t>𝛤</m:t>
+                      </m:r>
+                    </m:oMath>
+                  </m:oMathPara>
+                </a14:m>
+                <a:endParaRPr lang="en-US" sz="622" i="1" dirty="0">
+                  <a:latin typeface="Titillium Web" panose="00000500000000000000" pitchFamily="2" charset="0"/>
+                  <a:cs typeface="Arial" pitchFamily="34" charset="0"/>
+                </a:endParaRPr>
+              </a:p>
+            </p:txBody>
+          </p:sp>
+        </mc:Choice>
+        <mc:Fallback>
+          <p:sp>
+            <p:nvSpPr>
+              <p:cNvPr id="21" name="TextBox 19">
+                <a:extLst>
+                  <a:ext uri="{FF2B5EF4-FFF2-40B4-BE49-F238E27FC236}">
+                    <a16:creationId xmlns:a16="http://schemas.microsoft.com/office/drawing/2014/main" id="{DCB5B9DC-AFC8-48DD-8E5A-79F4EB3B3EE2}"/>
+                  </a:ext>
+                </a:extLst>
+              </p:cNvPr>
+              <p:cNvSpPr txBox="1">
+                <a:spLocks noRot="1" noChangeAspect="1" noMove="1" noResize="1" noEditPoints="1" noAdjustHandles="1" noChangeArrowheads="1" noChangeShapeType="1" noTextEdit="1"/>
+              </p:cNvSpPr>
+              <p:nvPr/>
+            </p:nvSpPr>
+            <p:spPr bwMode="auto">
+              <a:xfrm>
+                <a:off x="3392936" y="2862186"/>
+                <a:ext cx="2879502" cy="1284471"/>
+              </a:xfrm>
+              <a:prstGeom prst="rect">
+                <a:avLst/>
+              </a:prstGeom>
+              <a:blipFill>
+                <a:blip r:embed="rId2"/>
+                <a:stretch>
+                  <a:fillRect l="-1059" t="-952" r="-1059" b="-952"/>
+                </a:stretch>
+              </a:blipFill>
+              <a:ln>
+                <a:noFill/>
+              </a:ln>
+              <a:extLst>
+                <a:ext uri="{909E8E84-426E-40DD-AFC4-6F175D3DCCD1}">
+                  <a14:hiddenFill xmlns:a14="http://schemas.microsoft.com/office/drawing/2010/main">
+                    <a:solidFill>
+                      <a:srgbClr val="FFFFFF"/>
+                    </a:solidFill>
+                  </a14:hiddenFill>
+                </a:ext>
+                <a:ext uri="{91240B29-F687-4F45-9708-019B960494DF}">
+                  <a14:hiddenLine xmlns:a14="http://schemas.microsoft.com/office/drawing/2010/main" w="9525">
+                    <a:solidFill>
+                      <a:srgbClr val="000000"/>
+                    </a:solidFill>
+                    <a:miter lim="800000"/>
+                    <a:headEnd/>
+                    <a:tailEnd/>
+                  </a14:hiddenLine>
+                </a:ext>
+              </a:extLst>
+            </p:spPr>
+            <p:txBody>
+              <a:bodyPr/>
+              <a:lstStyle/>
+              <a:p>
+                <a:r>
+                  <a:rPr lang="zh-CN" altLang="en-US">
+                    <a:noFill/>
+                  </a:rPr>
+                  <a:t> </a:t>
+                </a:r>
+              </a:p>
+            </p:txBody>
+          </p:sp>
+        </mc:Fallback>
+      </mc:AlternateContent>
       <p:sp>
         <p:nvSpPr>
-          <p:cNvPr id="21" name="TextBox 19">
+          <p:cNvPr id="23" name="TextBox 19">
             <a:extLst>
               <a:ext uri="{FF2B5EF4-FFF2-40B4-BE49-F238E27FC236}">
-                <a16:creationId xmlns:a16="http://schemas.microsoft.com/office/drawing/2014/main" id="{DCB5B9DC-AFC8-48DD-8E5A-79F4EB3B3EE2}"/>
+                <a16:creationId xmlns:a16="http://schemas.microsoft.com/office/drawing/2014/main" id="{9247D261-80E6-4008-A48F-EE2502170D44}"/>
               </a:ext>
             </a:extLst>
           </p:cNvPr>
@@ -4540,8 +5668,8 @@
         </p:nvSpPr>
         <p:spPr bwMode="auto">
           <a:xfrm>
-            <a:off x="8724700" y="5959743"/>
-            <a:ext cx="7404434" cy="326229"/>
+            <a:off x="6529159" y="5441733"/>
+            <a:ext cx="2879502" cy="126847"/>
           </a:xfrm>
           <a:prstGeom prst="rect">
             <a:avLst/>
@@ -4571,7 +5699,7 @@
           </a:extLst>
         </p:spPr>
         <p:txBody>
-          <a:bodyPr wrap="square" lIns="60945" tIns="30473" rIns="60945" bIns="30473">
+          <a:bodyPr wrap="square" lIns="23701" tIns="11851" rIns="23701" bIns="11851">
             <a:spAutoFit/>
           </a:bodyPr>
           <a:lstStyle>
@@ -4691,21 +5819,1333 @@
               </a:lnSpc>
             </a:pPr>
             <a:r>
-              <a:rPr lang="en-US" sz="1600">
+              <a:rPr lang="en-US" sz="622" dirty="0">
                 <a:latin typeface="Titillium Web" panose="00000500000000000000" pitchFamily="2" charset="0"/>
                 <a:cs typeface="Arial" pitchFamily="34" charset="0"/>
               </a:rPr>
-              <a:t>Add your information, graphs and images to this section.</a:t>
+              <a:t>Add your </a:t>
+            </a:r>
+            <a:r>
+              <a:rPr lang="en-US" sz="622" dirty="0" err="1">
+                <a:latin typeface="Titillium Web" panose="00000500000000000000" pitchFamily="2" charset="0"/>
+                <a:cs typeface="Arial" pitchFamily="34" charset="0"/>
+              </a:rPr>
+              <a:t>informatio</a:t>
+            </a:r>
+            <a:r>
+              <a:rPr lang="en-US" altLang="zh-CN" sz="622" dirty="0" err="1">
+                <a:latin typeface="Titillium Web" panose="00000500000000000000" pitchFamily="2" charset="0"/>
+                <a:cs typeface="Arial" pitchFamily="34" charset="0"/>
+              </a:rPr>
+              <a:t>graphs</a:t>
+            </a:r>
+            <a:r>
+              <a:rPr lang="en-US" sz="622" dirty="0" err="1">
+                <a:latin typeface="Titillium Web" panose="00000500000000000000" pitchFamily="2" charset="0"/>
+                <a:cs typeface="Arial" pitchFamily="34" charset="0"/>
+              </a:rPr>
+              <a:t>n</a:t>
+            </a:r>
+            <a:r>
+              <a:rPr lang="en-US" sz="622" dirty="0">
+                <a:latin typeface="Titillium Web" panose="00000500000000000000" pitchFamily="2" charset="0"/>
+                <a:cs typeface="Arial" pitchFamily="34" charset="0"/>
+              </a:rPr>
+              <a:t>, and images to this section.</a:t>
             </a:r>
           </a:p>
         </p:txBody>
       </p:sp>
+      <mc:AlternateContent xmlns:mc="http://schemas.openxmlformats.org/markup-compatibility/2006">
+        <mc:Choice xmlns:a14="http://schemas.microsoft.com/office/drawing/2010/main" Requires="a14">
+          <p:sp>
+            <p:nvSpPr>
+              <p:cNvPr id="27" name="TextBox 19">
+                <a:extLst>
+                  <a:ext uri="{FF2B5EF4-FFF2-40B4-BE49-F238E27FC236}">
+                    <a16:creationId xmlns:a16="http://schemas.microsoft.com/office/drawing/2014/main" id="{D1DF76C2-CA55-4287-8208-00375EA04995}"/>
+                  </a:ext>
+                </a:extLst>
+              </p:cNvPr>
+              <p:cNvSpPr txBox="1">
+                <a:spLocks noChangeArrowheads="1"/>
+              </p:cNvSpPr>
+              <p:nvPr/>
+            </p:nvSpPr>
+            <p:spPr bwMode="auto">
+              <a:xfrm>
+                <a:off x="256718" y="5884314"/>
+                <a:ext cx="2879502" cy="3386714"/>
+              </a:xfrm>
+              <a:prstGeom prst="rect">
+                <a:avLst/>
+              </a:prstGeom>
+              <a:noFill/>
+              <a:ln>
+                <a:noFill/>
+              </a:ln>
+              <a:extLst>
+                <a:ext uri="{909E8E84-426E-40DD-AFC4-6F175D3DCCD1}">
+                  <a14:hiddenFill>
+                    <a:solidFill>
+                      <a:srgbClr val="FFFFFF"/>
+                    </a:solidFill>
+                  </a14:hiddenFill>
+                </a:ext>
+                <a:ext uri="{91240B29-F687-4F45-9708-019B960494DF}">
+                  <a14:hiddenLine w="9525">
+                    <a:solidFill>
+                      <a:srgbClr val="000000"/>
+                    </a:solidFill>
+                    <a:miter lim="800000"/>
+                    <a:headEnd/>
+                    <a:tailEnd/>
+                  </a14:hiddenLine>
+                </a:ext>
+              </a:extLst>
+            </p:spPr>
+            <p:txBody>
+              <a:bodyPr wrap="square" lIns="23701" tIns="11851" rIns="23701" bIns="11851">
+                <a:spAutoFit/>
+              </a:bodyPr>
+              <a:lstStyle>
+                <a:defPPr>
+                  <a:defRPr kern="1200" smtId="4294967295"/>
+                </a:defPPr>
+                <a:lvl1pPr eaLnBrk="0" hangingPunct="0">
+                  <a:defRPr sz="2000">
+                    <a:solidFill>
+                      <a:schemeClr val="tx1"/>
+                    </a:solidFill>
+                    <a:latin typeface="Arial"/>
+                    <a:ea typeface="ＭＳ Ｐゴシック" pitchFamily="-106" charset="-128"/>
+                  </a:defRPr>
+                </a:lvl1pPr>
+                <a:lvl2pPr eaLnBrk="0" hangingPunct="0">
+                  <a:defRPr sz="2000">
+                    <a:solidFill>
+                      <a:schemeClr val="tx1"/>
+                    </a:solidFill>
+                    <a:latin typeface="Arial"/>
+                    <a:ea typeface="ＭＳ Ｐゴシック" pitchFamily="-106" charset="-128"/>
+                  </a:defRPr>
+                </a:lvl2pPr>
+                <a:lvl3pPr marL="1143000" indent="-228600" eaLnBrk="0" hangingPunct="0">
+                  <a:defRPr sz="2000">
+                    <a:solidFill>
+                      <a:schemeClr val="tx1"/>
+                    </a:solidFill>
+                    <a:latin typeface="Arial"/>
+                    <a:ea typeface="ＭＳ Ｐゴシック" pitchFamily="-106" charset="-128"/>
+                  </a:defRPr>
+                </a:lvl3pPr>
+                <a:lvl4pPr marL="1600200" indent="-228600" eaLnBrk="0" hangingPunct="0">
+                  <a:defRPr sz="2000">
+                    <a:solidFill>
+                      <a:schemeClr val="tx1"/>
+                    </a:solidFill>
+                    <a:latin typeface="Arial"/>
+                    <a:ea typeface="ＭＳ Ｐゴシック" pitchFamily="-106" charset="-128"/>
+                  </a:defRPr>
+                </a:lvl4pPr>
+                <a:lvl5pPr marL="2057400" indent="-228600" eaLnBrk="0" hangingPunct="0">
+                  <a:defRPr sz="2000">
+                    <a:solidFill>
+                      <a:schemeClr val="tx1"/>
+                    </a:solidFill>
+                    <a:latin typeface="Arial"/>
+                    <a:ea typeface="ＭＳ Ｐゴシック" pitchFamily="-106" charset="-128"/>
+                  </a:defRPr>
+                </a:lvl5pPr>
+                <a:lvl6pPr marL="2514600" indent="-228600" eaLnBrk="0" fontAlgn="base" hangingPunct="0">
+                  <a:spcBef>
+                    <a:spcPct val="0"/>
+                  </a:spcBef>
+                  <a:spcAft>
+                    <a:spcPct val="0"/>
+                  </a:spcAft>
+                  <a:defRPr sz="2000">
+                    <a:solidFill>
+                      <a:schemeClr val="tx1"/>
+                    </a:solidFill>
+                    <a:latin typeface="Arial"/>
+                    <a:ea typeface="ＭＳ Ｐゴシック" pitchFamily="-106" charset="-128"/>
+                  </a:defRPr>
+                </a:lvl6pPr>
+                <a:lvl7pPr marL="2971800" indent="-228600" eaLnBrk="0" fontAlgn="base" hangingPunct="0">
+                  <a:spcBef>
+                    <a:spcPct val="0"/>
+                  </a:spcBef>
+                  <a:spcAft>
+                    <a:spcPct val="0"/>
+                  </a:spcAft>
+                  <a:defRPr sz="2000">
+                    <a:solidFill>
+                      <a:schemeClr val="tx1"/>
+                    </a:solidFill>
+                    <a:latin typeface="Arial"/>
+                    <a:ea typeface="ＭＳ Ｐゴシック" pitchFamily="-106" charset="-128"/>
+                  </a:defRPr>
+                </a:lvl7pPr>
+                <a:lvl8pPr marL="3429000" indent="-228600" eaLnBrk="0" fontAlgn="base" hangingPunct="0">
+                  <a:spcBef>
+                    <a:spcPct val="0"/>
+                  </a:spcBef>
+                  <a:spcAft>
+                    <a:spcPct val="0"/>
+                  </a:spcAft>
+                  <a:defRPr sz="2000">
+                    <a:solidFill>
+                      <a:schemeClr val="tx1"/>
+                    </a:solidFill>
+                    <a:latin typeface="Arial"/>
+                    <a:ea typeface="ＭＳ Ｐゴシック" pitchFamily="-106" charset="-128"/>
+                  </a:defRPr>
+                </a:lvl8pPr>
+                <a:lvl9pPr marL="3886200" indent="-228600" eaLnBrk="0" fontAlgn="base" hangingPunct="0">
+                  <a:spcBef>
+                    <a:spcPct val="0"/>
+                  </a:spcBef>
+                  <a:spcAft>
+                    <a:spcPct val="0"/>
+                  </a:spcAft>
+                  <a:defRPr sz="2000">
+                    <a:solidFill>
+                      <a:schemeClr val="tx1"/>
+                    </a:solidFill>
+                    <a:latin typeface="Arial"/>
+                    <a:ea typeface="ＭＳ Ｐゴシック" pitchFamily="-106" charset="-128"/>
+                  </a:defRPr>
+                </a:lvl9pPr>
+              </a:lstStyle>
+              <a:p>
+                <a:pPr algn="just">
+                  <a:lnSpc>
+                    <a:spcPct val="110000"/>
+                  </a:lnSpc>
+                </a:pPr>
+                <a:r>
+                  <a:rPr lang="en-US" sz="622" dirty="0">
+                    <a:latin typeface="Titillium Web" panose="00000500000000000000" pitchFamily="2" charset="0"/>
+                    <a:cs typeface="Arial" pitchFamily="34" charset="0"/>
+                  </a:rPr>
+                  <a:t>Clustering analysis can be defined as a process of segmenting the data points into several subsets, the goal of clustering is to make the data within a cluster to be similar (with small dissimilarity) to each other, while the data  points in distinct clusters to be different</a:t>
+                </a:r>
+                <a:r>
+                  <a:rPr lang="en-US" altLang="zh-CN" sz="622" dirty="0">
+                    <a:latin typeface="Titillium Web" panose="00000500000000000000" pitchFamily="2" charset="0"/>
+                    <a:cs typeface="Arial" pitchFamily="34" charset="0"/>
+                  </a:rPr>
+                  <a:t> (with large dissimilarity)</a:t>
+                </a:r>
+                <a:r>
+                  <a:rPr lang="en-US" sz="622" dirty="0">
+                    <a:latin typeface="Titillium Web" panose="00000500000000000000" pitchFamily="2" charset="0"/>
+                    <a:cs typeface="Arial" pitchFamily="34" charset="0"/>
+                  </a:rPr>
+                  <a:t>. </a:t>
+                </a:r>
+                <a:r>
+                  <a:rPr lang="en-US" altLang="zh-CN" sz="622" dirty="0">
+                    <a:latin typeface="Titillium Web" panose="00000500000000000000" pitchFamily="2" charset="0"/>
+                    <a:cs typeface="Arial" pitchFamily="34" charset="0"/>
+                  </a:rPr>
+                  <a:t>Figure 1 shows an example of applying the </a:t>
+                </a:r>
+                <a:r>
+                  <a:rPr lang="en-US" altLang="zh-CN" sz="622" b="1" dirty="0">
+                    <a:latin typeface="Titillium Web" panose="00000500000000000000" pitchFamily="2" charset="0"/>
+                    <a:cs typeface="Arial" pitchFamily="34" charset="0"/>
+                  </a:rPr>
+                  <a:t>K-medoid</a:t>
+                </a:r>
+                <a:r>
+                  <a:rPr lang="en-US" altLang="zh-CN" sz="622" dirty="0">
+                    <a:latin typeface="Titillium Web" panose="00000500000000000000" pitchFamily="2" charset="0"/>
+                    <a:cs typeface="Arial" pitchFamily="34" charset="0"/>
+                  </a:rPr>
+                  <a:t> clustering algorithm to a dataset </a:t>
+                </a:r>
+                <a14:m>
+                  <m:oMath xmlns:m="http://schemas.openxmlformats.org/officeDocument/2006/math">
+                    <m:r>
+                      <a:rPr lang="en-US" altLang="zh-CN" sz="622" i="1" dirty="0">
+                        <a:latin typeface="Cambria Math" panose="02040503050406030204" pitchFamily="18" charset="0"/>
+                        <a:cs typeface="Arial" pitchFamily="34" charset="0"/>
+                      </a:rPr>
+                      <m:t>{</m:t>
+                    </m:r>
+                    <m:d>
+                      <m:dPr>
+                        <m:ctrlPr>
+                          <a:rPr lang="en-US" altLang="zh-CN" sz="622" b="0" i="1" dirty="0" smtClean="0">
+                            <a:latin typeface="Cambria Math" panose="02040503050406030204" pitchFamily="18" charset="0"/>
+                            <a:cs typeface="Arial" pitchFamily="34" charset="0"/>
+                          </a:rPr>
+                        </m:ctrlPr>
+                      </m:dPr>
+                      <m:e>
+                        <m:sSub>
+                          <m:sSubPr>
+                            <m:ctrlPr>
+                              <a:rPr lang="en-US" altLang="zh-CN" sz="622" b="0" i="1" dirty="0" smtClean="0">
+                                <a:latin typeface="Cambria Math" panose="02040503050406030204" pitchFamily="18" charset="0"/>
+                              </a:rPr>
+                            </m:ctrlPr>
+                          </m:sSubPr>
+                          <m:e>
+                            <m:r>
+                              <a:rPr lang="en-US" altLang="zh-CN" sz="622" b="0" i="1" dirty="0" smtClean="0">
+                                <a:latin typeface="Cambria Math" panose="02040503050406030204" pitchFamily="18" charset="0"/>
+                              </a:rPr>
+                              <m:t>𝑥</m:t>
+                            </m:r>
+                          </m:e>
+                          <m:sub>
+                            <m:r>
+                              <a:rPr lang="en-US" altLang="zh-CN" sz="622" b="0" i="1" dirty="0" smtClean="0">
+                                <a:latin typeface="Cambria Math" panose="02040503050406030204" pitchFamily="18" charset="0"/>
+                              </a:rPr>
+                              <m:t>1</m:t>
+                            </m:r>
+                          </m:sub>
+                        </m:sSub>
+                        <m:r>
+                          <a:rPr lang="en-US" altLang="zh-CN" sz="622" b="0" i="1" dirty="0" smtClean="0">
+                            <a:latin typeface="Cambria Math" panose="02040503050406030204" pitchFamily="18" charset="0"/>
+                          </a:rPr>
+                          <m:t>,</m:t>
+                        </m:r>
+                        <m:sSub>
+                          <m:sSubPr>
+                            <m:ctrlPr>
+                              <a:rPr lang="en-US" altLang="zh-CN" sz="622" b="0" i="1" dirty="0" smtClean="0">
+                                <a:latin typeface="Cambria Math" panose="02040503050406030204" pitchFamily="18" charset="0"/>
+                              </a:rPr>
+                            </m:ctrlPr>
+                          </m:sSubPr>
+                          <m:e>
+                            <m:r>
+                              <a:rPr lang="en-US" altLang="zh-CN" sz="622" b="0" i="1" dirty="0" smtClean="0">
+                                <a:latin typeface="Cambria Math" panose="02040503050406030204" pitchFamily="18" charset="0"/>
+                              </a:rPr>
+                              <m:t>𝑦</m:t>
+                            </m:r>
+                          </m:e>
+                          <m:sub>
+                            <m:r>
+                              <a:rPr lang="en-US" altLang="zh-CN" sz="622" b="0" i="1" dirty="0" smtClean="0">
+                                <a:latin typeface="Cambria Math" panose="02040503050406030204" pitchFamily="18" charset="0"/>
+                              </a:rPr>
+                              <m:t>1</m:t>
+                            </m:r>
+                          </m:sub>
+                        </m:sSub>
+                      </m:e>
+                    </m:d>
+                    <m:r>
+                      <a:rPr lang="en-US" altLang="zh-CN" sz="622" b="0" i="1" dirty="0" smtClean="0">
+                        <a:latin typeface="Cambria Math" panose="02040503050406030204" pitchFamily="18" charset="0"/>
+                        <a:cs typeface="Arial" pitchFamily="34" charset="0"/>
+                      </a:rPr>
+                      <m:t>,</m:t>
+                    </m:r>
+                    <m:d>
+                      <m:dPr>
+                        <m:ctrlPr>
+                          <a:rPr lang="en-US" altLang="zh-CN" sz="622" b="0" i="1" dirty="0" smtClean="0">
+                            <a:latin typeface="Cambria Math" panose="02040503050406030204" pitchFamily="18" charset="0"/>
+                          </a:rPr>
+                        </m:ctrlPr>
+                      </m:dPr>
+                      <m:e>
+                        <m:sSub>
+                          <m:sSubPr>
+                            <m:ctrlPr>
+                              <a:rPr lang="en-US" altLang="zh-CN" sz="622" b="0" i="1" dirty="0" smtClean="0">
+                                <a:latin typeface="Cambria Math" panose="02040503050406030204" pitchFamily="18" charset="0"/>
+                              </a:rPr>
+                            </m:ctrlPr>
+                          </m:sSubPr>
+                          <m:e>
+                            <m:r>
+                              <a:rPr lang="en-US" altLang="zh-CN" sz="622" b="0" i="1" dirty="0" smtClean="0">
+                                <a:latin typeface="Cambria Math" panose="02040503050406030204" pitchFamily="18" charset="0"/>
+                              </a:rPr>
+                              <m:t>𝑥</m:t>
+                            </m:r>
+                          </m:e>
+                          <m:sub>
+                            <m:r>
+                              <a:rPr lang="en-US" altLang="zh-CN" sz="622" b="0" i="1" dirty="0" smtClean="0">
+                                <a:latin typeface="Cambria Math" panose="02040503050406030204" pitchFamily="18" charset="0"/>
+                              </a:rPr>
+                              <m:t>2</m:t>
+                            </m:r>
+                          </m:sub>
+                        </m:sSub>
+                        <m:sSub>
+                          <m:sSubPr>
+                            <m:ctrlPr>
+                              <a:rPr lang="en-US" altLang="zh-CN" sz="622" b="0" i="1" dirty="0" smtClean="0">
+                                <a:latin typeface="Cambria Math" panose="02040503050406030204" pitchFamily="18" charset="0"/>
+                              </a:rPr>
+                            </m:ctrlPr>
+                          </m:sSubPr>
+                          <m:e>
+                            <m:r>
+                              <a:rPr lang="en-US" altLang="zh-CN" sz="622" b="0" i="1" dirty="0" smtClean="0">
+                                <a:latin typeface="Cambria Math" panose="02040503050406030204" pitchFamily="18" charset="0"/>
+                              </a:rPr>
+                              <m:t>,</m:t>
+                            </m:r>
+                            <m:r>
+                              <a:rPr lang="en-US" altLang="zh-CN" sz="622" b="0" i="1" dirty="0" smtClean="0">
+                                <a:latin typeface="Cambria Math" panose="02040503050406030204" pitchFamily="18" charset="0"/>
+                              </a:rPr>
+                              <m:t>𝑦</m:t>
+                            </m:r>
+                          </m:e>
+                          <m:sub>
+                            <m:r>
+                              <a:rPr lang="en-US" altLang="zh-CN" sz="622" b="0" i="1" dirty="0" smtClean="0">
+                                <a:latin typeface="Cambria Math" panose="02040503050406030204" pitchFamily="18" charset="0"/>
+                              </a:rPr>
+                              <m:t>2</m:t>
+                            </m:r>
+                          </m:sub>
+                        </m:sSub>
+                      </m:e>
+                    </m:d>
+                    <m:r>
+                      <a:rPr lang="en-US" altLang="zh-CN" sz="622" b="0" i="1" dirty="0" smtClean="0">
+                        <a:latin typeface="Cambria Math" panose="02040503050406030204" pitchFamily="18" charset="0"/>
+                        <a:cs typeface="Arial" pitchFamily="34" charset="0"/>
+                      </a:rPr>
+                      <m:t>…(</m:t>
+                    </m:r>
+                    <m:sSub>
+                      <m:sSubPr>
+                        <m:ctrlPr>
+                          <a:rPr lang="en-US" altLang="zh-CN" sz="622" b="0" i="1" dirty="0" smtClean="0">
+                            <a:latin typeface="Cambria Math" panose="02040503050406030204" pitchFamily="18" charset="0"/>
+                          </a:rPr>
+                        </m:ctrlPr>
+                      </m:sSubPr>
+                      <m:e>
+                        <m:r>
+                          <a:rPr lang="en-US" altLang="zh-CN" sz="622" b="0" i="1" dirty="0" smtClean="0">
+                            <a:latin typeface="Cambria Math" panose="02040503050406030204" pitchFamily="18" charset="0"/>
+                          </a:rPr>
+                          <m:t>𝑥</m:t>
+                        </m:r>
+                      </m:e>
+                      <m:sub>
+                        <m:r>
+                          <a:rPr lang="en-US" altLang="zh-CN" sz="622" b="0" i="1" dirty="0" smtClean="0">
+                            <a:latin typeface="Cambria Math" panose="02040503050406030204" pitchFamily="18" charset="0"/>
+                          </a:rPr>
+                          <m:t>𝑖</m:t>
+                        </m:r>
+                      </m:sub>
+                    </m:sSub>
+                    <m:r>
+                      <a:rPr lang="en-US" altLang="zh-CN" sz="622" b="0" i="1" dirty="0" smtClean="0">
+                        <a:latin typeface="Cambria Math" panose="02040503050406030204" pitchFamily="18" charset="0"/>
+                      </a:rPr>
+                      <m:t>,</m:t>
+                    </m:r>
+                    <m:sSub>
+                      <m:sSubPr>
+                        <m:ctrlPr>
+                          <a:rPr lang="en-US" altLang="zh-CN" sz="622" b="0" i="1" dirty="0" smtClean="0">
+                            <a:latin typeface="Cambria Math" panose="02040503050406030204" pitchFamily="18" charset="0"/>
+                          </a:rPr>
+                        </m:ctrlPr>
+                      </m:sSubPr>
+                      <m:e>
+                        <m:r>
+                          <a:rPr lang="en-US" altLang="zh-CN" sz="622" b="0" i="1" dirty="0" smtClean="0">
+                            <a:latin typeface="Cambria Math" panose="02040503050406030204" pitchFamily="18" charset="0"/>
+                          </a:rPr>
+                          <m:t>𝑦</m:t>
+                        </m:r>
+                      </m:e>
+                      <m:sub>
+                        <m:r>
+                          <a:rPr lang="en-US" altLang="zh-CN" sz="622" b="0" i="1" dirty="0" smtClean="0">
+                            <a:latin typeface="Cambria Math" panose="02040503050406030204" pitchFamily="18" charset="0"/>
+                          </a:rPr>
+                          <m:t>𝑖</m:t>
+                        </m:r>
+                      </m:sub>
+                    </m:sSub>
+                    <m:r>
+                      <a:rPr lang="en-US" altLang="zh-CN" sz="622" b="0" i="1" dirty="0" smtClean="0">
+                        <a:latin typeface="Cambria Math" panose="02040503050406030204" pitchFamily="18" charset="0"/>
+                        <a:cs typeface="Arial" pitchFamily="34" charset="0"/>
+                      </a:rPr>
+                      <m:t>)</m:t>
+                    </m:r>
+                    <m:r>
+                      <a:rPr lang="en-US" altLang="zh-CN" sz="622" i="1" dirty="0" smtClean="0">
+                        <a:latin typeface="Cambria Math" panose="02040503050406030204" pitchFamily="18" charset="0"/>
+                        <a:cs typeface="Arial" pitchFamily="34" charset="0"/>
+                      </a:rPr>
+                      <m:t>}</m:t>
+                    </m:r>
+                  </m:oMath>
+                </a14:m>
+                <a:r>
+                  <a:rPr lang="en-US" altLang="zh-CN" sz="622" dirty="0">
+                    <a:latin typeface="Titillium Web" panose="00000500000000000000" pitchFamily="2" charset="0"/>
+                    <a:cs typeface="Arial" pitchFamily="34" charset="0"/>
+                  </a:rPr>
+                  <a:t>.</a:t>
+                </a:r>
+              </a:p>
+              <a:p>
+                <a:pPr algn="just">
+                  <a:lnSpc>
+                    <a:spcPct val="110000"/>
+                  </a:lnSpc>
+                </a:pPr>
+                <a:endParaRPr lang="en-US" altLang="zh-CN" sz="622" dirty="0">
+                  <a:latin typeface="Titillium Web" panose="00000500000000000000" pitchFamily="2" charset="0"/>
+                  <a:cs typeface="Arial" pitchFamily="34" charset="0"/>
+                </a:endParaRPr>
+              </a:p>
+              <a:p>
+                <a:pPr algn="just">
+                  <a:lnSpc>
+                    <a:spcPct val="110000"/>
+                  </a:lnSpc>
+                </a:pPr>
+                <a:endParaRPr lang="en-US" altLang="zh-CN" sz="622" dirty="0">
+                  <a:latin typeface="Titillium Web" panose="00000500000000000000" pitchFamily="2" charset="0"/>
+                  <a:cs typeface="Arial" pitchFamily="34" charset="0"/>
+                </a:endParaRPr>
+              </a:p>
+              <a:p>
+                <a:pPr algn="just">
+                  <a:lnSpc>
+                    <a:spcPct val="110000"/>
+                  </a:lnSpc>
+                </a:pPr>
+                <a:endParaRPr lang="en-US" altLang="zh-CN" sz="622" dirty="0">
+                  <a:latin typeface="Titillium Web" panose="00000500000000000000" pitchFamily="2" charset="0"/>
+                  <a:cs typeface="Arial" pitchFamily="34" charset="0"/>
+                </a:endParaRPr>
+              </a:p>
+              <a:p>
+                <a:pPr algn="just">
+                  <a:lnSpc>
+                    <a:spcPct val="110000"/>
+                  </a:lnSpc>
+                </a:pPr>
+                <a:endParaRPr lang="en-US" altLang="zh-CN" sz="622" dirty="0">
+                  <a:latin typeface="Titillium Web" panose="00000500000000000000" pitchFamily="2" charset="0"/>
+                  <a:cs typeface="Arial" pitchFamily="34" charset="0"/>
+                </a:endParaRPr>
+              </a:p>
+              <a:p>
+                <a:pPr algn="just">
+                  <a:lnSpc>
+                    <a:spcPct val="110000"/>
+                  </a:lnSpc>
+                </a:pPr>
+                <a:endParaRPr lang="en-US" altLang="zh-CN" sz="622" dirty="0">
+                  <a:latin typeface="Titillium Web" panose="00000500000000000000" pitchFamily="2" charset="0"/>
+                  <a:cs typeface="Arial" pitchFamily="34" charset="0"/>
+                </a:endParaRPr>
+              </a:p>
+              <a:p>
+                <a:pPr algn="just">
+                  <a:lnSpc>
+                    <a:spcPct val="110000"/>
+                  </a:lnSpc>
+                </a:pPr>
+                <a:endParaRPr lang="en-US" altLang="zh-CN" sz="622" dirty="0">
+                  <a:latin typeface="Titillium Web" panose="00000500000000000000" pitchFamily="2" charset="0"/>
+                  <a:cs typeface="Arial" pitchFamily="34" charset="0"/>
+                </a:endParaRPr>
+              </a:p>
+              <a:p>
+                <a:pPr algn="just">
+                  <a:lnSpc>
+                    <a:spcPct val="110000"/>
+                  </a:lnSpc>
+                </a:pPr>
+                <a:endParaRPr lang="en-US" altLang="zh-CN" sz="622" dirty="0">
+                  <a:latin typeface="Titillium Web" panose="00000500000000000000" pitchFamily="2" charset="0"/>
+                  <a:cs typeface="Arial" pitchFamily="34" charset="0"/>
+                </a:endParaRPr>
+              </a:p>
+              <a:p>
+                <a:pPr algn="just">
+                  <a:lnSpc>
+                    <a:spcPct val="110000"/>
+                  </a:lnSpc>
+                </a:pPr>
+                <a:endParaRPr lang="en-US" altLang="zh-CN" sz="622" dirty="0">
+                  <a:latin typeface="Titillium Web" panose="00000500000000000000" pitchFamily="2" charset="0"/>
+                  <a:cs typeface="Arial" pitchFamily="34" charset="0"/>
+                </a:endParaRPr>
+              </a:p>
+              <a:p>
+                <a:pPr algn="just">
+                  <a:lnSpc>
+                    <a:spcPct val="110000"/>
+                  </a:lnSpc>
+                </a:pPr>
+                <a:endParaRPr lang="en-US" altLang="zh-CN" sz="622" dirty="0">
+                  <a:latin typeface="Titillium Web" panose="00000500000000000000" pitchFamily="2" charset="0"/>
+                  <a:cs typeface="Arial" pitchFamily="34" charset="0"/>
+                </a:endParaRPr>
+              </a:p>
+              <a:p>
+                <a:pPr algn="just">
+                  <a:lnSpc>
+                    <a:spcPct val="110000"/>
+                  </a:lnSpc>
+                </a:pPr>
+                <a:endParaRPr lang="en-US" altLang="zh-CN" sz="622" dirty="0">
+                  <a:latin typeface="Titillium Web" panose="00000500000000000000" pitchFamily="2" charset="0"/>
+                  <a:cs typeface="Arial" pitchFamily="34" charset="0"/>
+                </a:endParaRPr>
+              </a:p>
+              <a:p>
+                <a:pPr algn="just">
+                  <a:lnSpc>
+                    <a:spcPct val="110000"/>
+                  </a:lnSpc>
+                </a:pPr>
+                <a:endParaRPr lang="en-US" altLang="zh-CN" sz="622" dirty="0">
+                  <a:latin typeface="Titillium Web" panose="00000500000000000000" pitchFamily="2" charset="0"/>
+                  <a:cs typeface="Arial" pitchFamily="34" charset="0"/>
+                </a:endParaRPr>
+              </a:p>
+              <a:p>
+                <a:pPr algn="just">
+                  <a:lnSpc>
+                    <a:spcPct val="110000"/>
+                  </a:lnSpc>
+                </a:pPr>
+                <a:endParaRPr lang="en-US" altLang="zh-CN" sz="622" dirty="0">
+                  <a:latin typeface="Titillium Web" panose="00000500000000000000" pitchFamily="2" charset="0"/>
+                  <a:cs typeface="Arial" pitchFamily="34" charset="0"/>
+                </a:endParaRPr>
+              </a:p>
+              <a:p>
+                <a:pPr algn="just">
+                  <a:lnSpc>
+                    <a:spcPct val="110000"/>
+                  </a:lnSpc>
+                </a:pPr>
+                <a:endParaRPr lang="en-US" altLang="zh-CN" sz="622" dirty="0">
+                  <a:latin typeface="Titillium Web" panose="00000500000000000000" pitchFamily="2" charset="0"/>
+                  <a:cs typeface="Arial" pitchFamily="34" charset="0"/>
+                </a:endParaRPr>
+              </a:p>
+              <a:p>
+                <a:pPr algn="ctr">
+                  <a:lnSpc>
+                    <a:spcPct val="110000"/>
+                  </a:lnSpc>
+                </a:pPr>
+                <a:r>
+                  <a:rPr lang="en-US" altLang="zh-CN" sz="622" b="1" i="1" dirty="0">
+                    <a:latin typeface="Titillium Web" panose="00000500000000000000" pitchFamily="2" charset="0"/>
+                    <a:cs typeface="Arial" pitchFamily="34" charset="0"/>
+                  </a:rPr>
+                  <a:t>Figure 1: K-medoid on real clustering algorithm</a:t>
+                </a:r>
+              </a:p>
+              <a:p>
+                <a:pPr algn="ctr">
+                  <a:lnSpc>
+                    <a:spcPct val="110000"/>
+                  </a:lnSpc>
+                </a:pPr>
+                <a:endParaRPr lang="en-US" altLang="zh-CN" sz="622" dirty="0">
+                  <a:latin typeface="Titillium Web" panose="00000500000000000000" pitchFamily="2" charset="0"/>
+                  <a:cs typeface="Arial" pitchFamily="34" charset="0"/>
+                </a:endParaRPr>
+              </a:p>
+              <a:p>
+                <a:pPr algn="just">
+                  <a:lnSpc>
+                    <a:spcPct val="110000"/>
+                  </a:lnSpc>
+                </a:pPr>
+                <a:r>
+                  <a:rPr lang="en-US" altLang="zh-CN" sz="622" dirty="0">
+                    <a:latin typeface="Titillium Web" panose="00000500000000000000" pitchFamily="2" charset="0"/>
+                    <a:cs typeface="Arial" pitchFamily="34" charset="0"/>
+                  </a:rPr>
+                  <a:t>  K-medoid will seek to minimize the “</a:t>
+                </a:r>
+                <a:r>
+                  <a:rPr lang="en-US" altLang="zh-CN" sz="622" b="1" dirty="0">
+                    <a:latin typeface="Titillium Web" panose="00000500000000000000" pitchFamily="2" charset="0"/>
+                    <a:cs typeface="Arial" pitchFamily="34" charset="0"/>
+                  </a:rPr>
+                  <a:t>within cluster distance</a:t>
+                </a:r>
+                <a:r>
+                  <a:rPr lang="en-US" altLang="zh-CN" sz="622" dirty="0">
+                    <a:latin typeface="Titillium Web" panose="00000500000000000000" pitchFamily="2" charset="0"/>
+                    <a:cs typeface="Arial" pitchFamily="34" charset="0"/>
+                  </a:rPr>
+                  <a:t>”. Suppose we have </a:t>
+                </a:r>
+                <a14:m>
+                  <m:oMath xmlns:m="http://schemas.openxmlformats.org/officeDocument/2006/math">
+                    <m:r>
+                      <a:rPr lang="en-US" altLang="zh-CN" sz="622" b="0" i="1" smtClean="0">
+                        <a:latin typeface="Cambria Math" panose="02040503050406030204" pitchFamily="18" charset="0"/>
+                        <a:cs typeface="Arial" pitchFamily="34" charset="0"/>
+                      </a:rPr>
+                      <m:t>𝑘</m:t>
+                    </m:r>
+                  </m:oMath>
+                </a14:m>
+                <a:r>
+                  <a:rPr lang="en-US" altLang="zh-CN" sz="622" dirty="0">
+                    <a:latin typeface="Titillium Web" panose="00000500000000000000" pitchFamily="2" charset="0"/>
+                    <a:cs typeface="Arial" pitchFamily="34" charset="0"/>
+                  </a:rPr>
+                  <a:t> clusters </a:t>
+                </a:r>
+                <a14:m>
+                  <m:oMath xmlns:m="http://schemas.openxmlformats.org/officeDocument/2006/math">
+                    <m:d>
+                      <m:dPr>
+                        <m:begChr m:val="{"/>
+                        <m:endChr m:val="}"/>
+                        <m:ctrlPr>
+                          <a:rPr lang="en-US" altLang="zh-CN" sz="622" smtClean="0">
+                            <a:latin typeface="Cambria Math" panose="02040503050406030204" pitchFamily="18" charset="0"/>
+                          </a:rPr>
+                        </m:ctrlPr>
+                      </m:dPr>
+                      <m:e>
+                        <m:sSub>
+                          <m:sSubPr>
+                            <m:ctrlPr>
+                              <a:rPr lang="en-US" altLang="zh-CN" sz="622" smtClean="0">
+                                <a:latin typeface="Cambria Math" panose="02040503050406030204" pitchFamily="18" charset="0"/>
+                              </a:rPr>
+                            </m:ctrlPr>
+                          </m:sSubPr>
+                          <m:e>
+                            <m:r>
+                              <a:rPr lang="en-US" altLang="zh-CN" sz="622" b="0" i="1" smtClean="0">
+                                <a:latin typeface="Cambria Math" panose="02040503050406030204" pitchFamily="18" charset="0"/>
+                              </a:rPr>
+                              <m:t>𝐶</m:t>
+                            </m:r>
+                          </m:e>
+                          <m:sub>
+                            <m:r>
+                              <a:rPr lang="en-US" altLang="zh-CN" sz="622" i="0" smtClean="0">
+                                <a:latin typeface="Cambria Math" panose="02040503050406030204" pitchFamily="18" charset="0"/>
+                              </a:rPr>
+                              <m:t>1</m:t>
+                            </m:r>
+                          </m:sub>
+                        </m:sSub>
+                        <m:r>
+                          <a:rPr lang="en-US" altLang="zh-CN" sz="622" b="0" i="1" smtClean="0">
+                            <a:latin typeface="Cambria Math" panose="02040503050406030204" pitchFamily="18" charset="0"/>
+                          </a:rPr>
+                          <m:t>,</m:t>
+                        </m:r>
+                        <m:sSub>
+                          <m:sSubPr>
+                            <m:ctrlPr>
+                              <a:rPr lang="en-US" altLang="zh-CN" sz="622" i="1" smtClean="0">
+                                <a:latin typeface="Cambria Math" panose="02040503050406030204" pitchFamily="18" charset="0"/>
+                              </a:rPr>
+                            </m:ctrlPr>
+                          </m:sSubPr>
+                          <m:e>
+                            <m:r>
+                              <a:rPr lang="en-US" altLang="zh-CN" sz="622" b="0" i="1" smtClean="0">
+                                <a:latin typeface="Cambria Math" panose="02040503050406030204" pitchFamily="18" charset="0"/>
+                              </a:rPr>
+                              <m:t>𝐶</m:t>
+                            </m:r>
+                          </m:e>
+                          <m:sub>
+                            <m:r>
+                              <a:rPr lang="en-US" altLang="zh-CN" sz="622" i="0" smtClean="0">
+                                <a:latin typeface="Cambria Math" panose="02040503050406030204" pitchFamily="18" charset="0"/>
+                              </a:rPr>
+                              <m:t>2</m:t>
+                            </m:r>
+                          </m:sub>
+                        </m:sSub>
+                        <m:r>
+                          <a:rPr lang="en-US" altLang="zh-CN" sz="622" i="0" smtClean="0">
+                            <a:latin typeface="Cambria Math" panose="02040503050406030204" pitchFamily="18" charset="0"/>
+                          </a:rPr>
+                          <m:t>…</m:t>
+                        </m:r>
+                        <m:sSub>
+                          <m:sSubPr>
+                            <m:ctrlPr>
+                              <a:rPr lang="en-US" altLang="zh-CN" sz="622" i="1" smtClean="0">
+                                <a:latin typeface="Cambria Math" panose="02040503050406030204" pitchFamily="18" charset="0"/>
+                              </a:rPr>
+                            </m:ctrlPr>
+                          </m:sSubPr>
+                          <m:e>
+                            <m:r>
+                              <a:rPr lang="en-US" altLang="zh-CN" sz="622" b="0" i="1" smtClean="0">
+                                <a:latin typeface="Cambria Math" panose="02040503050406030204" pitchFamily="18" charset="0"/>
+                              </a:rPr>
+                              <m:t>𝐶</m:t>
+                            </m:r>
+                          </m:e>
+                          <m:sub>
+                            <m:r>
+                              <a:rPr lang="en-US" altLang="zh-CN" sz="622" i="1" smtClean="0">
+                                <a:latin typeface="Cambria Math" panose="02040503050406030204" pitchFamily="18" charset="0"/>
+                              </a:rPr>
+                              <m:t>𝑘</m:t>
+                            </m:r>
+                          </m:sub>
+                        </m:sSub>
+                      </m:e>
+                    </m:d>
+                  </m:oMath>
+                </a14:m>
+                <a:r>
+                  <a:rPr lang="en-US" altLang="zh-CN" sz="622" dirty="0">
+                    <a:latin typeface="Titillium Web" panose="00000500000000000000" pitchFamily="2" charset="0"/>
+                    <a:cs typeface="Arial" pitchFamily="34" charset="0"/>
+                  </a:rPr>
+                  <a:t> in the final results, then </a:t>
+                </a:r>
+                <a:r>
+                  <a:rPr lang="en-US" altLang="zh-CN" sz="622" b="1" dirty="0">
+                    <a:latin typeface="Titillium Web" panose="00000500000000000000" pitchFamily="2" charset="0"/>
+                    <a:cs typeface="Arial" pitchFamily="34" charset="0"/>
+                  </a:rPr>
+                  <a:t>within cluster distance </a:t>
+                </a:r>
+                <a14:m>
+                  <m:oMath xmlns:m="http://schemas.openxmlformats.org/officeDocument/2006/math">
+                    <m:r>
+                      <a:rPr lang="en-US" altLang="zh-CN" sz="622" b="0" i="1" smtClean="0">
+                        <a:latin typeface="Cambria Math" panose="02040503050406030204" pitchFamily="18" charset="0"/>
+                        <a:cs typeface="Arial" pitchFamily="34" charset="0"/>
+                      </a:rPr>
+                      <m:t>𝑤</m:t>
+                    </m:r>
+                  </m:oMath>
+                </a14:m>
+                <a:r>
+                  <a:rPr lang="en-US" altLang="zh-CN" sz="622" dirty="0">
+                    <a:latin typeface="Titillium Web" panose="00000500000000000000" pitchFamily="2" charset="0"/>
+                    <a:cs typeface="Arial" pitchFamily="34" charset="0"/>
+                  </a:rPr>
+                  <a:t> is defined as the following</a:t>
+                </a:r>
+              </a:p>
+              <a:p>
+                <a:pPr algn="just">
+                  <a:lnSpc>
+                    <a:spcPct val="110000"/>
+                  </a:lnSpc>
+                </a:pPr>
+                <a14:m>
+                  <m:oMathPara xmlns:m="http://schemas.openxmlformats.org/officeDocument/2006/math">
+                    <m:oMathParaPr>
+                      <m:jc m:val="centerGroup"/>
+                    </m:oMathParaPr>
+                    <m:oMath xmlns:m="http://schemas.openxmlformats.org/officeDocument/2006/math">
+                      <m:r>
+                        <a:rPr lang="en-US" altLang="zh-CN" sz="622" b="0" i="1" smtClean="0">
+                          <a:latin typeface="Cambria Math" panose="02040503050406030204" pitchFamily="18" charset="0"/>
+                          <a:cs typeface="Arial" pitchFamily="34" charset="0"/>
+                        </a:rPr>
+                        <m:t>𝑤</m:t>
+                      </m:r>
+                      <m:r>
+                        <a:rPr lang="en-US" altLang="zh-CN" sz="622" b="0" i="1" smtClean="0">
+                          <a:latin typeface="Cambria Math" panose="02040503050406030204" pitchFamily="18" charset="0"/>
+                          <a:cs typeface="Arial" pitchFamily="34" charset="0"/>
+                        </a:rPr>
+                        <m:t>=</m:t>
+                      </m:r>
+                      <m:f>
+                        <m:fPr>
+                          <m:ctrlPr>
+                            <a:rPr lang="en-US" altLang="zh-CN" sz="622" b="0" i="1" smtClean="0">
+                              <a:latin typeface="Cambria Math" panose="02040503050406030204" pitchFamily="18" charset="0"/>
+                            </a:rPr>
+                          </m:ctrlPr>
+                        </m:fPr>
+                        <m:num>
+                          <m:r>
+                            <a:rPr lang="en-US" altLang="zh-CN" sz="622" b="0" i="1" smtClean="0">
+                              <a:latin typeface="Cambria Math" panose="02040503050406030204" pitchFamily="18" charset="0"/>
+                            </a:rPr>
+                            <m:t>1</m:t>
+                          </m:r>
+                        </m:num>
+                        <m:den>
+                          <m:r>
+                            <a:rPr lang="en-US" altLang="zh-CN" sz="622" b="0" i="1" smtClean="0">
+                              <a:latin typeface="Cambria Math" panose="02040503050406030204" pitchFamily="18" charset="0"/>
+                            </a:rPr>
+                            <m:t>2</m:t>
+                          </m:r>
+                        </m:den>
+                      </m:f>
+                      <m:nary>
+                        <m:naryPr>
+                          <m:chr m:val="∑"/>
+                          <m:ctrlPr>
+                            <a:rPr lang="en-US" altLang="zh-CN" sz="622" b="0" i="1" smtClean="0">
+                              <a:latin typeface="Cambria Math" panose="02040503050406030204" pitchFamily="18" charset="0"/>
+                              <a:cs typeface="Arial" pitchFamily="34" charset="0"/>
+                            </a:rPr>
+                          </m:ctrlPr>
+                        </m:naryPr>
+                        <m:sub>
+                          <m:r>
+                            <m:rPr>
+                              <m:brk m:alnAt="23"/>
+                            </m:rPr>
+                            <a:rPr lang="en-US" altLang="zh-CN" sz="622" b="0" i="1" smtClean="0">
+                              <a:latin typeface="Cambria Math" panose="02040503050406030204" pitchFamily="18" charset="0"/>
+                              <a:cs typeface="Arial" pitchFamily="34" charset="0"/>
+                            </a:rPr>
+                            <m:t>𝑖</m:t>
+                          </m:r>
+                          <m:r>
+                            <a:rPr lang="en-US" altLang="zh-CN" sz="622" b="0" i="1" smtClean="0">
+                              <a:latin typeface="Cambria Math" panose="02040503050406030204" pitchFamily="18" charset="0"/>
+                              <a:cs typeface="Arial" pitchFamily="34" charset="0"/>
+                            </a:rPr>
+                            <m:t>=1</m:t>
+                          </m:r>
+                        </m:sub>
+                        <m:sup>
+                          <m:r>
+                            <a:rPr lang="en-US" altLang="zh-CN" sz="622" b="0" i="1" smtClean="0">
+                              <a:latin typeface="Cambria Math" panose="02040503050406030204" pitchFamily="18" charset="0"/>
+                              <a:cs typeface="Arial" pitchFamily="34" charset="0"/>
+                            </a:rPr>
+                            <m:t>𝑘</m:t>
+                          </m:r>
+                        </m:sup>
+                        <m:e>
+                          <m:nary>
+                            <m:naryPr>
+                              <m:chr m:val="∑"/>
+                              <m:supHide m:val="on"/>
+                              <m:ctrlPr>
+                                <a:rPr lang="en-US" altLang="zh-CN" sz="622" b="0" i="1" smtClean="0">
+                                  <a:latin typeface="Cambria Math" panose="02040503050406030204" pitchFamily="18" charset="0"/>
+                                  <a:cs typeface="Arial" pitchFamily="34" charset="0"/>
+                                </a:rPr>
+                              </m:ctrlPr>
+                            </m:naryPr>
+                            <m:sub>
+                              <m:r>
+                                <m:rPr>
+                                  <m:brk m:alnAt="7"/>
+                                </m:rPr>
+                                <a:rPr lang="en-US" altLang="zh-CN" sz="622" b="0" i="1" smtClean="0">
+                                  <a:latin typeface="Cambria Math" panose="02040503050406030204" pitchFamily="18" charset="0"/>
+                                  <a:cs typeface="Arial" pitchFamily="34" charset="0"/>
+                                </a:rPr>
+                                <m:t>𝑛</m:t>
+                              </m:r>
+                              <m:r>
+                                <a:rPr lang="en-US" altLang="zh-CN" sz="622" b="0" i="1" smtClean="0">
+                                  <a:latin typeface="Cambria Math" panose="02040503050406030204" pitchFamily="18" charset="0"/>
+                                </a:rPr>
+                                <m:t>∈</m:t>
+                              </m:r>
+                              <m:sSub>
+                                <m:sSubPr>
+                                  <m:ctrlPr>
+                                    <a:rPr lang="en-US" altLang="zh-CN" sz="622" b="0" i="1" smtClean="0">
+                                      <a:latin typeface="Cambria Math" panose="02040503050406030204" pitchFamily="18" charset="0"/>
+                                    </a:rPr>
+                                  </m:ctrlPr>
+                                </m:sSubPr>
+                                <m:e>
+                                  <m:r>
+                                    <a:rPr lang="en-US" altLang="zh-CN" sz="622" b="0" i="1" smtClean="0">
+                                      <a:latin typeface="Cambria Math" panose="02040503050406030204" pitchFamily="18" charset="0"/>
+                                    </a:rPr>
+                                    <m:t>𝑐</m:t>
+                                  </m:r>
+                                </m:e>
+                                <m:sub>
+                                  <m:r>
+                                    <a:rPr lang="en-US" altLang="zh-CN" sz="622" b="0" i="1" smtClean="0">
+                                      <a:latin typeface="Cambria Math" panose="02040503050406030204" pitchFamily="18" charset="0"/>
+                                    </a:rPr>
+                                    <m:t>𝑖</m:t>
+                                  </m:r>
+                                </m:sub>
+                              </m:sSub>
+                            </m:sub>
+                            <m:sup/>
+                            <m:e>
+                              <m:nary>
+                                <m:naryPr>
+                                  <m:chr m:val="∑"/>
+                                  <m:limLoc m:val="undOvr"/>
+                                  <m:grow m:val="on"/>
+                                  <m:supHide m:val="on"/>
+                                  <m:ctrlPr>
+                                    <a:rPr lang="en-US" altLang="zh-CN" sz="622" b="0" i="1" smtClean="0">
+                                      <a:latin typeface="Cambria Math" panose="02040503050406030204" pitchFamily="18" charset="0"/>
+                                    </a:rPr>
+                                  </m:ctrlPr>
+                                </m:naryPr>
+                                <m:sub>
+                                  <m:r>
+                                    <a:rPr lang="en-US" altLang="zh-CN" sz="622" b="0" i="1" smtClean="0">
+                                      <a:latin typeface="Cambria Math" panose="02040503050406030204" pitchFamily="18" charset="0"/>
+                                    </a:rPr>
+                                    <m:t>𝑚</m:t>
+                                  </m:r>
+                                  <m:r>
+                                    <a:rPr lang="en-US" altLang="zh-CN" sz="622" b="0" i="1" smtClean="0">
+                                      <a:latin typeface="Cambria Math" panose="02040503050406030204" pitchFamily="18" charset="0"/>
+                                    </a:rPr>
+                                    <m:t>∈</m:t>
+                                  </m:r>
+                                  <m:sSub>
+                                    <m:sSubPr>
+                                      <m:ctrlPr>
+                                        <a:rPr lang="en-US" altLang="zh-CN" sz="622" b="0" i="1" smtClean="0">
+                                          <a:latin typeface="Cambria Math" panose="02040503050406030204" pitchFamily="18" charset="0"/>
+                                        </a:rPr>
+                                      </m:ctrlPr>
+                                    </m:sSubPr>
+                                    <m:e>
+                                      <m:r>
+                                        <a:rPr lang="en-US" altLang="zh-CN" sz="622" b="0" i="1" smtClean="0">
+                                          <a:latin typeface="Cambria Math" panose="02040503050406030204" pitchFamily="18" charset="0"/>
+                                        </a:rPr>
+                                        <m:t>𝐶</m:t>
+                                      </m:r>
+                                    </m:e>
+                                    <m:sub>
+                                      <m:r>
+                                        <a:rPr lang="en-US" altLang="zh-CN" sz="622" b="0" i="1" smtClean="0">
+                                          <a:latin typeface="Cambria Math" panose="02040503050406030204" pitchFamily="18" charset="0"/>
+                                        </a:rPr>
+                                        <m:t>𝑖</m:t>
+                                      </m:r>
+                                    </m:sub>
+                                  </m:sSub>
+                                </m:sub>
+                                <m:sup/>
+                                <m:e>
+                                  <m:sSup>
+                                    <m:sSupPr>
+                                      <m:ctrlPr>
+                                        <a:rPr lang="en-US" altLang="zh-CN" sz="622" b="0" i="1" smtClean="0">
+                                          <a:latin typeface="Cambria Math" panose="02040503050406030204" pitchFamily="18" charset="0"/>
+                                        </a:rPr>
+                                      </m:ctrlPr>
+                                    </m:sSupPr>
+                                    <m:e>
+                                      <m:d>
+                                        <m:dPr>
+                                          <m:ctrlPr>
+                                            <a:rPr lang="en-US" altLang="zh-CN" sz="622" b="0" i="1" smtClean="0">
+                                              <a:latin typeface="Cambria Math" panose="02040503050406030204" pitchFamily="18" charset="0"/>
+                                            </a:rPr>
+                                          </m:ctrlPr>
+                                        </m:dPr>
+                                        <m:e>
+                                          <m:sSub>
+                                            <m:sSubPr>
+                                              <m:ctrlPr>
+                                                <a:rPr lang="en-US" altLang="zh-CN" sz="622" b="0" i="1" smtClean="0">
+                                                  <a:latin typeface="Cambria Math" panose="02040503050406030204" pitchFamily="18" charset="0"/>
+                                                </a:rPr>
+                                              </m:ctrlPr>
+                                            </m:sSubPr>
+                                            <m:e>
+                                              <m:r>
+                                                <a:rPr lang="en-US" altLang="zh-CN" sz="622" b="0" i="1" smtClean="0">
+                                                  <a:latin typeface="Cambria Math" panose="02040503050406030204" pitchFamily="18" charset="0"/>
+                                                </a:rPr>
+                                                <m:t>𝑥</m:t>
+                                              </m:r>
+                                            </m:e>
+                                            <m:sub>
+                                              <m:r>
+                                                <a:rPr lang="en-US" altLang="zh-CN" sz="622" b="0" i="1" smtClean="0">
+                                                  <a:latin typeface="Cambria Math" panose="02040503050406030204" pitchFamily="18" charset="0"/>
+                                                </a:rPr>
+                                                <m:t>𝑚</m:t>
+                                              </m:r>
+                                            </m:sub>
+                                          </m:sSub>
+                                          <m:r>
+                                            <a:rPr lang="en-US" altLang="zh-CN" sz="622" b="0" i="1" smtClean="0">
+                                              <a:latin typeface="Cambria Math" panose="02040503050406030204" pitchFamily="18" charset="0"/>
+                                            </a:rPr>
+                                            <m:t>−</m:t>
+                                          </m:r>
+                                          <m:sSub>
+                                            <m:sSubPr>
+                                              <m:ctrlPr>
+                                                <a:rPr lang="en-US" altLang="zh-CN" sz="622" b="0" i="1" smtClean="0">
+                                                  <a:latin typeface="Cambria Math" panose="02040503050406030204" pitchFamily="18" charset="0"/>
+                                                </a:rPr>
+                                              </m:ctrlPr>
+                                            </m:sSubPr>
+                                            <m:e>
+                                              <m:r>
+                                                <a:rPr lang="en-US" altLang="zh-CN" sz="622" b="0" i="1" smtClean="0">
+                                                  <a:latin typeface="Cambria Math" panose="02040503050406030204" pitchFamily="18" charset="0"/>
+                                                </a:rPr>
+                                                <m:t>𝑥</m:t>
+                                              </m:r>
+                                            </m:e>
+                                            <m:sub>
+                                              <m:r>
+                                                <a:rPr lang="en-US" altLang="zh-CN" sz="622" b="0" i="1" smtClean="0">
+                                                  <a:latin typeface="Cambria Math" panose="02040503050406030204" pitchFamily="18" charset="0"/>
+                                                </a:rPr>
+                                                <m:t>𝑛</m:t>
+                                              </m:r>
+                                            </m:sub>
+                                          </m:sSub>
+                                        </m:e>
+                                      </m:d>
+                                    </m:e>
+                                    <m:sup>
+                                      <m:r>
+                                        <a:rPr lang="en-US" altLang="zh-CN" sz="622" b="0" i="1" smtClean="0">
+                                          <a:latin typeface="Cambria Math" panose="02040503050406030204" pitchFamily="18" charset="0"/>
+                                        </a:rPr>
+                                        <m:t>2</m:t>
+                                      </m:r>
+                                    </m:sup>
+                                  </m:sSup>
+                                  <m:r>
+                                    <a:rPr lang="en-US" altLang="zh-CN" sz="622" b="0" i="1" smtClean="0">
+                                      <a:latin typeface="Cambria Math" panose="02040503050406030204" pitchFamily="18" charset="0"/>
+                                    </a:rPr>
+                                    <m:t>+</m:t>
+                                  </m:r>
+                                  <m:sSup>
+                                    <m:sSupPr>
+                                      <m:ctrlPr>
+                                        <a:rPr lang="en-US" altLang="zh-CN" sz="622" b="0" i="1" smtClean="0">
+                                          <a:latin typeface="Cambria Math" panose="02040503050406030204" pitchFamily="18" charset="0"/>
+                                        </a:rPr>
+                                      </m:ctrlPr>
+                                    </m:sSupPr>
+                                    <m:e>
+                                      <m:d>
+                                        <m:dPr>
+                                          <m:ctrlPr>
+                                            <a:rPr lang="en-US" altLang="zh-CN" sz="622" b="0" i="1" smtClean="0">
+                                              <a:latin typeface="Cambria Math" panose="02040503050406030204" pitchFamily="18" charset="0"/>
+                                            </a:rPr>
+                                          </m:ctrlPr>
+                                        </m:dPr>
+                                        <m:e>
+                                          <m:sSub>
+                                            <m:sSubPr>
+                                              <m:ctrlPr>
+                                                <a:rPr lang="en-US" altLang="zh-CN" sz="622" b="0" i="1" smtClean="0">
+                                                  <a:latin typeface="Cambria Math" panose="02040503050406030204" pitchFamily="18" charset="0"/>
+                                                </a:rPr>
+                                              </m:ctrlPr>
+                                            </m:sSubPr>
+                                            <m:e>
+                                              <m:r>
+                                                <a:rPr lang="en-US" altLang="zh-CN" sz="622" b="0" i="1" smtClean="0">
+                                                  <a:latin typeface="Cambria Math" panose="02040503050406030204" pitchFamily="18" charset="0"/>
+                                                </a:rPr>
+                                                <m:t>𝑦</m:t>
+                                              </m:r>
+                                            </m:e>
+                                            <m:sub>
+                                              <m:r>
+                                                <a:rPr lang="en-US" altLang="zh-CN" sz="622" b="0" i="1" smtClean="0">
+                                                  <a:latin typeface="Cambria Math" panose="02040503050406030204" pitchFamily="18" charset="0"/>
+                                                </a:rPr>
+                                                <m:t>𝑚</m:t>
+                                              </m:r>
+                                            </m:sub>
+                                          </m:sSub>
+                                          <m:r>
+                                            <a:rPr lang="en-US" altLang="zh-CN" sz="622" b="0" i="1" smtClean="0">
+                                              <a:latin typeface="Cambria Math" panose="02040503050406030204" pitchFamily="18" charset="0"/>
+                                            </a:rPr>
+                                            <m:t>−</m:t>
+                                          </m:r>
+                                          <m:sSub>
+                                            <m:sSubPr>
+                                              <m:ctrlPr>
+                                                <a:rPr lang="en-US" altLang="zh-CN" sz="622" b="0" i="1" smtClean="0">
+                                                  <a:latin typeface="Cambria Math" panose="02040503050406030204" pitchFamily="18" charset="0"/>
+                                                </a:rPr>
+                                              </m:ctrlPr>
+                                            </m:sSubPr>
+                                            <m:e>
+                                              <m:r>
+                                                <a:rPr lang="en-US" altLang="zh-CN" sz="622" b="0" i="1" smtClean="0">
+                                                  <a:latin typeface="Cambria Math" panose="02040503050406030204" pitchFamily="18" charset="0"/>
+                                                </a:rPr>
+                                                <m:t>𝑦</m:t>
+                                              </m:r>
+                                            </m:e>
+                                            <m:sub>
+                                              <m:r>
+                                                <a:rPr lang="en-US" altLang="zh-CN" sz="622" b="0" i="1" smtClean="0">
+                                                  <a:latin typeface="Cambria Math" panose="02040503050406030204" pitchFamily="18" charset="0"/>
+                                                </a:rPr>
+                                                <m:t>𝑛</m:t>
+                                              </m:r>
+                                            </m:sub>
+                                          </m:sSub>
+                                        </m:e>
+                                      </m:d>
+                                    </m:e>
+                                    <m:sup>
+                                      <m:r>
+                                        <a:rPr lang="en-US" altLang="zh-CN" sz="622" b="0" i="1" smtClean="0">
+                                          <a:latin typeface="Cambria Math" panose="02040503050406030204" pitchFamily="18" charset="0"/>
+                                        </a:rPr>
+                                        <m:t>2</m:t>
+                                      </m:r>
+                                    </m:sup>
+                                  </m:sSup>
+                                </m:e>
+                              </m:nary>
+                            </m:e>
+                          </m:nary>
+                        </m:e>
+                      </m:nary>
+                    </m:oMath>
+                  </m:oMathPara>
+                </a14:m>
+                <a:endParaRPr lang="en-US" altLang="zh-CN" sz="622" dirty="0">
+                  <a:latin typeface="Titillium Web" panose="00000500000000000000" pitchFamily="2" charset="0"/>
+                  <a:cs typeface="Arial" pitchFamily="34" charset="0"/>
+                </a:endParaRPr>
+              </a:p>
+              <a:p>
+                <a:pPr algn="just">
+                  <a:lnSpc>
+                    <a:spcPct val="110000"/>
+                  </a:lnSpc>
+                </a:pPr>
+                <a:endParaRPr lang="en-US" altLang="zh-CN" sz="622" dirty="0">
+                  <a:latin typeface="Titillium Web" panose="00000500000000000000" pitchFamily="2" charset="0"/>
+                  <a:cs typeface="Arial" pitchFamily="34" charset="0"/>
+                </a:endParaRPr>
+              </a:p>
+              <a:p>
+                <a:pPr algn="just">
+                  <a:lnSpc>
+                    <a:spcPct val="110000"/>
+                  </a:lnSpc>
+                </a:pPr>
+                <a:r>
+                  <a:rPr lang="en-US" sz="622" dirty="0">
+                    <a:latin typeface="Titillium Web" panose="00000500000000000000" pitchFamily="2" charset="0"/>
+                    <a:cs typeface="Arial" pitchFamily="34" charset="0"/>
+                  </a:rPr>
+                  <a:t>Clustering algorithm fall into three categories[2]: combinatorial algorithms, mixture modelling, and model  seeking, the algorithms in each category follows different underlying principal. K-medoid algorithm we discussed above belongs to combinatorial algorithms. One thing good about Kleinberg’s framework is that it can be applied to all the clustering algorithms regardless of these principal.</a:t>
+                </a:r>
+              </a:p>
+            </p:txBody>
+          </p:sp>
+        </mc:Choice>
+        <mc:Fallback>
+          <p:sp>
+            <p:nvSpPr>
+              <p:cNvPr id="27" name="TextBox 19">
+                <a:extLst>
+                  <a:ext uri="{FF2B5EF4-FFF2-40B4-BE49-F238E27FC236}">
+                    <a16:creationId xmlns:a16="http://schemas.microsoft.com/office/drawing/2014/main" id="{D1DF76C2-CA55-4287-8208-00375EA04995}"/>
+                  </a:ext>
+                </a:extLst>
+              </p:cNvPr>
+              <p:cNvSpPr txBox="1">
+                <a:spLocks noRot="1" noChangeAspect="1" noMove="1" noResize="1" noEditPoints="1" noAdjustHandles="1" noChangeArrowheads="1" noChangeShapeType="1" noTextEdit="1"/>
+              </p:cNvSpPr>
+              <p:nvPr/>
+            </p:nvSpPr>
+            <p:spPr bwMode="auto">
+              <a:xfrm>
+                <a:off x="256718" y="5884314"/>
+                <a:ext cx="2879502" cy="3386714"/>
+              </a:xfrm>
+              <a:prstGeom prst="rect">
+                <a:avLst/>
+              </a:prstGeom>
+              <a:blipFill>
+                <a:blip r:embed="rId3"/>
+                <a:stretch>
+                  <a:fillRect l="-847" t="-180" r="-1059" b="-180"/>
+                </a:stretch>
+              </a:blipFill>
+              <a:ln>
+                <a:noFill/>
+              </a:ln>
+              <a:extLst>
+                <a:ext uri="{909E8E84-426E-40DD-AFC4-6F175D3DCCD1}">
+                  <a14:hiddenFill xmlns:a14="http://schemas.microsoft.com/office/drawing/2010/main">
+                    <a:solidFill>
+                      <a:srgbClr val="FFFFFF"/>
+                    </a:solidFill>
+                  </a14:hiddenFill>
+                </a:ext>
+                <a:ext uri="{91240B29-F687-4F45-9708-019B960494DF}">
+                  <a14:hiddenLine xmlns:a14="http://schemas.microsoft.com/office/drawing/2010/main" w="9525">
+                    <a:solidFill>
+                      <a:srgbClr val="000000"/>
+                    </a:solidFill>
+                    <a:miter lim="800000"/>
+                    <a:headEnd/>
+                    <a:tailEnd/>
+                  </a14:hiddenLine>
+                </a:ext>
+              </a:extLst>
+            </p:spPr>
+            <p:txBody>
+              <a:bodyPr/>
+              <a:lstStyle/>
+              <a:p>
+                <a:r>
+                  <a:rPr lang="zh-CN" altLang="en-US">
+                    <a:noFill/>
+                  </a:rPr>
+                  <a:t> </a:t>
+                </a:r>
+              </a:p>
+            </p:txBody>
+          </p:sp>
+        </mc:Fallback>
+      </mc:AlternateContent>
       <p:sp>
         <p:nvSpPr>
-          <p:cNvPr id="23" name="TextBox 19">
+          <p:cNvPr id="31" name="TextBox 19">
             <a:extLst>
               <a:ext uri="{FF2B5EF4-FFF2-40B4-BE49-F238E27FC236}">
-                <a16:creationId xmlns:a16="http://schemas.microsoft.com/office/drawing/2014/main" id="{9247D261-80E6-4008-A48F-EE2502170D44}"/>
+                <a16:creationId xmlns:a16="http://schemas.microsoft.com/office/drawing/2014/main" id="{C2BCD34B-62AE-4E64-9D21-E50C4B9B1350}"/>
               </a:ext>
             </a:extLst>
           </p:cNvPr>
@@ -4716,8 +7156,8 @@
         </p:nvSpPr>
         <p:spPr bwMode="auto">
           <a:xfrm>
-            <a:off x="16789267" y="5959743"/>
-            <a:ext cx="7404434" cy="326229"/>
+            <a:off x="9665380" y="7033100"/>
+            <a:ext cx="2879502" cy="502591"/>
           </a:xfrm>
           <a:prstGeom prst="rect">
             <a:avLst/>
@@ -4747,7 +7187,7 @@
           </a:extLst>
         </p:spPr>
         <p:txBody>
-          <a:bodyPr wrap="square" lIns="60945" tIns="30473" rIns="60945" bIns="30473">
+          <a:bodyPr wrap="square" lIns="23701" tIns="11851" rIns="23701" bIns="11851">
             <a:spAutoFit/>
           </a:bodyPr>
           <a:lstStyle>
@@ -4861,27 +7301,104 @@
             </a:lvl9pPr>
           </a:lstStyle>
           <a:p>
-            <a:pPr algn="just">
-              <a:lnSpc>
-                <a:spcPct val="110000"/>
-              </a:lnSpc>
-            </a:pPr>
             <a:r>
-              <a:rPr lang="en-US" sz="1600">
+              <a:rPr lang="en-US" altLang="zh-CN" sz="622" dirty="0">
                 <a:latin typeface="Titillium Web" panose="00000500000000000000" pitchFamily="2" charset="0"/>
                 <a:cs typeface="Arial" pitchFamily="34" charset="0"/>
               </a:rPr>
-              <a:t>Add your information, graphs and images to this section.</a:t>
+              <a:t>[1]  Jon M Kleinberg. An impossibility theorem for clustering. In </a:t>
+            </a:r>
+            <a:r>
+              <a:rPr lang="en-US" altLang="zh-CN" sz="622" i="1" dirty="0">
+                <a:latin typeface="Titillium Web" panose="00000500000000000000" pitchFamily="2" charset="0"/>
+                <a:cs typeface="Arial" pitchFamily="34" charset="0"/>
+              </a:rPr>
+              <a:t>Advances in neural</a:t>
+            </a:r>
+          </a:p>
+          <a:p>
+            <a:r>
+              <a:rPr lang="en-US" altLang="zh-CN" sz="622" i="1" dirty="0">
+                <a:latin typeface="Titillium Web" panose="00000500000000000000" pitchFamily="2" charset="0"/>
+                <a:cs typeface="Arial" pitchFamily="34" charset="0"/>
+              </a:rPr>
+              <a:t>       information processing systems</a:t>
+            </a:r>
+            <a:r>
+              <a:rPr lang="en-US" altLang="zh-CN" sz="622" dirty="0">
+                <a:latin typeface="Titillium Web" panose="00000500000000000000" pitchFamily="2" charset="0"/>
+                <a:cs typeface="Arial" pitchFamily="34" charset="0"/>
+              </a:rPr>
+              <a:t>, pages 463{470, 2003.</a:t>
+            </a:r>
+          </a:p>
+          <a:p>
+            <a:endParaRPr lang="en-US" altLang="zh-CN" sz="622" dirty="0">
+              <a:latin typeface="Titillium Web" panose="00000500000000000000" pitchFamily="2" charset="0"/>
+              <a:cs typeface="Arial" pitchFamily="34" charset="0"/>
+            </a:endParaRPr>
+          </a:p>
+          <a:p>
+            <a:r>
+              <a:rPr lang="en-US" altLang="zh-CN" sz="622" dirty="0">
+                <a:latin typeface="Titillium Web" panose="00000500000000000000" pitchFamily="2" charset="0"/>
+                <a:cs typeface="Arial" pitchFamily="34" charset="0"/>
+              </a:rPr>
+              <a:t>[2] Jerome Friedman, Trevor Hastie, and Robert </a:t>
+            </a:r>
+            <a:r>
+              <a:rPr lang="en-US" altLang="zh-CN" sz="622" dirty="0" err="1">
+                <a:latin typeface="Titillium Web" panose="00000500000000000000" pitchFamily="2" charset="0"/>
+                <a:cs typeface="Arial" pitchFamily="34" charset="0"/>
+              </a:rPr>
+              <a:t>Tibshirani</a:t>
+            </a:r>
+            <a:r>
+              <a:rPr lang="en-US" altLang="zh-CN" sz="622" dirty="0">
+                <a:latin typeface="Titillium Web" panose="00000500000000000000" pitchFamily="2" charset="0"/>
+                <a:cs typeface="Arial" pitchFamily="34" charset="0"/>
+              </a:rPr>
+              <a:t>. </a:t>
+            </a:r>
+            <a:r>
+              <a:rPr lang="en-US" altLang="zh-CN" sz="622" i="1" dirty="0">
+                <a:latin typeface="Titillium Web" panose="00000500000000000000" pitchFamily="2" charset="0"/>
+                <a:cs typeface="Arial" pitchFamily="34" charset="0"/>
+              </a:rPr>
+              <a:t>The elements of statistical</a:t>
+            </a:r>
+          </a:p>
+          <a:p>
+            <a:r>
+              <a:rPr lang="en-US" altLang="zh-CN" sz="622" i="1" dirty="0">
+                <a:latin typeface="Titillium Web" panose="00000500000000000000" pitchFamily="2" charset="0"/>
+                <a:cs typeface="Arial" pitchFamily="34" charset="0"/>
+              </a:rPr>
+              <a:t>      learning</a:t>
+            </a:r>
+            <a:r>
+              <a:rPr lang="en-US" altLang="zh-CN" sz="622" dirty="0">
+                <a:latin typeface="Titillium Web" panose="00000500000000000000" pitchFamily="2" charset="0"/>
+                <a:cs typeface="Arial" pitchFamily="34" charset="0"/>
+              </a:rPr>
+              <a:t>, volume 1. Springer series in statistics New York, NY, USA:, 2001.</a:t>
+            </a:r>
+            <a:r>
+              <a:rPr lang="en-US" sz="622" dirty="0">
+                <a:latin typeface="Titillium Web" panose="00000500000000000000" pitchFamily="2" charset="0"/>
+                <a:cs typeface="Arial" pitchFamily="34" charset="0"/>
+              </a:rPr>
+              <a:t>.</a:t>
             </a:r>
           </a:p>
         </p:txBody>
       </p:sp>
       <p:sp>
         <p:nvSpPr>
-          <p:cNvPr id="25" name="TextBox 19">
+          <p:cNvPr id="29" name="TextBox 19">
             <a:extLst>
               <a:ext uri="{FF2B5EF4-FFF2-40B4-BE49-F238E27FC236}">
-                <a16:creationId xmlns:a16="http://schemas.microsoft.com/office/drawing/2014/main" id="{D6F48894-7BDB-43BE-B25A-3CBBFD463C85}"/>
+                <a16:creationId xmlns:a16="http://schemas.microsoft.com/office/drawing/2014/main" id="{61C38A20-F85F-4744-B6CC-BB3A40663090}"/>
               </a:ext>
             </a:extLst>
           </p:cNvPr>
@@ -4892,8 +7409,8 @@
         </p:nvSpPr>
         <p:spPr bwMode="auto">
           <a:xfrm>
-            <a:off x="24853833" y="5959743"/>
-            <a:ext cx="7404434" cy="326229"/>
+            <a:off x="9730804" y="2852268"/>
+            <a:ext cx="2879502" cy="126847"/>
           </a:xfrm>
           <a:prstGeom prst="rect">
             <a:avLst/>
@@ -4923,7 +7440,7 @@
           </a:extLst>
         </p:spPr>
         <p:txBody>
-          <a:bodyPr wrap="square" lIns="60945" tIns="30473" rIns="60945" bIns="30473">
+          <a:bodyPr wrap="square" lIns="23701" tIns="11851" rIns="23701" bIns="11851">
             <a:spAutoFit/>
           </a:bodyPr>
           <a:lstStyle>
@@ -5043,7 +7560,7 @@
               </a:lnSpc>
             </a:pPr>
             <a:r>
-              <a:rPr lang="en-US" sz="1600">
+              <a:rPr lang="en-US" sz="622">
                 <a:latin typeface="Titillium Web" panose="00000500000000000000" pitchFamily="2" charset="0"/>
                 <a:cs typeface="Arial" pitchFamily="34" charset="0"/>
               </a:rPr>
@@ -5054,10 +7571,2696 @@
       </p:sp>
       <p:sp>
         <p:nvSpPr>
-          <p:cNvPr id="27" name="TextBox 19">
+          <p:cNvPr id="39" name="TextBox 38">
             <a:extLst>
               <a:ext uri="{FF2B5EF4-FFF2-40B4-BE49-F238E27FC236}">
-                <a16:creationId xmlns:a16="http://schemas.microsoft.com/office/drawing/2014/main" id="{D1DF76C2-CA55-4287-8208-00375EA04995}"/>
+                <a16:creationId xmlns:a16="http://schemas.microsoft.com/office/drawing/2014/main" id="{CD78A31B-3E41-4A83-94E1-8D455D061FD9}"/>
+              </a:ext>
+            </a:extLst>
+          </p:cNvPr>
+          <p:cNvSpPr txBox="1"/>
+          <p:nvPr/>
+        </p:nvSpPr>
+        <p:spPr>
+          <a:xfrm>
+            <a:off x="9783910" y="2640563"/>
+            <a:ext cx="2826395" cy="235898"/>
+          </a:xfrm>
+          <a:prstGeom prst="rect">
+            <a:avLst/>
+          </a:prstGeom>
+          <a:ln>
+            <a:noFill/>
+          </a:ln>
+          <a:effectLst/>
+        </p:spPr>
+        <p:style>
+          <a:lnRef idx="2">
+            <a:schemeClr val="dk1"/>
+          </a:lnRef>
+          <a:fillRef idx="1">
+            <a:schemeClr val="lt1"/>
+          </a:fillRef>
+          <a:effectRef idx="0">
+            <a:schemeClr val="dk1"/>
+          </a:effectRef>
+          <a:fontRef idx="minor">
+            <a:schemeClr val="dk1"/>
+          </a:fontRef>
+        </p:style>
+        <p:txBody>
+          <a:bodyPr wrap="square" lIns="71120" rIns="71120" rtlCol="0">
+            <a:spAutoFit/>
+          </a:bodyPr>
+          <a:lstStyle/>
+          <a:p>
+            <a:pPr algn="ctr" defTabSz="1219285">
+              <a:defRPr/>
+            </a:pPr>
+            <a:r>
+              <a:rPr lang="en-US" sz="933" dirty="0">
+                <a:solidFill>
+                  <a:schemeClr val="tx1"/>
+                </a:solidFill>
+                <a:latin typeface="+mj-lt"/>
+              </a:rPr>
+              <a:t>Conclusion</a:t>
+            </a:r>
+          </a:p>
+        </p:txBody>
+      </p:sp>
+      <p:grpSp>
+        <p:nvGrpSpPr>
+          <p:cNvPr id="9" name="Group 8">
+            <a:extLst>
+              <a:ext uri="{FF2B5EF4-FFF2-40B4-BE49-F238E27FC236}">
+                <a16:creationId xmlns:a16="http://schemas.microsoft.com/office/drawing/2014/main" id="{0561C63D-3456-44FF-9A8C-C609A9A97121}"/>
+              </a:ext>
+            </a:extLst>
+          </p:cNvPr>
+          <p:cNvGrpSpPr/>
+          <p:nvPr/>
+        </p:nvGrpSpPr>
+        <p:grpSpPr>
+          <a:xfrm>
+            <a:off x="9665378" y="6787574"/>
+            <a:ext cx="842449" cy="235898"/>
+            <a:chOff x="32576216" y="24123258"/>
+            <a:chExt cx="3249447" cy="909893"/>
+          </a:xfrm>
+        </p:grpSpPr>
+        <p:sp>
+          <p:nvSpPr>
+            <p:cNvPr id="41" name="TextBox 40">
+              <a:extLst>
+                <a:ext uri="{FF2B5EF4-FFF2-40B4-BE49-F238E27FC236}">
+                  <a16:creationId xmlns:a16="http://schemas.microsoft.com/office/drawing/2014/main" id="{5682A469-0F6C-4CD1-861C-F6138AA1CFF5}"/>
+                </a:ext>
+              </a:extLst>
+            </p:cNvPr>
+            <p:cNvSpPr txBox="1"/>
+            <p:nvPr/>
+          </p:nvSpPr>
+          <p:spPr>
+            <a:xfrm>
+              <a:off x="32897389" y="24123258"/>
+              <a:ext cx="2928274" cy="909893"/>
+            </a:xfrm>
+            <a:prstGeom prst="rect">
+              <a:avLst/>
+            </a:prstGeom>
+            <a:ln>
+              <a:noFill/>
+            </a:ln>
+            <a:effectLst/>
+          </p:spPr>
+          <p:style>
+            <a:lnRef idx="2">
+              <a:schemeClr val="dk1"/>
+            </a:lnRef>
+            <a:fillRef idx="1">
+              <a:schemeClr val="lt1"/>
+            </a:fillRef>
+            <a:effectRef idx="0">
+              <a:schemeClr val="dk1"/>
+            </a:effectRef>
+            <a:fontRef idx="minor">
+              <a:schemeClr val="dk1"/>
+            </a:fontRef>
+          </p:style>
+          <p:txBody>
+            <a:bodyPr wrap="none" lIns="71120" rIns="71120" rtlCol="0">
+              <a:spAutoFit/>
+            </a:bodyPr>
+            <a:lstStyle/>
+            <a:p>
+              <a:pPr algn="ctr" defTabSz="1219285">
+                <a:defRPr/>
+              </a:pPr>
+              <a:r>
+                <a:rPr lang="en-US" sz="933" dirty="0">
+                  <a:solidFill>
+                    <a:schemeClr val="bg1">
+                      <a:lumMod val="50000"/>
+                    </a:schemeClr>
+                  </a:solidFill>
+                  <a:latin typeface="+mj-lt"/>
+                </a:rPr>
+                <a:t>References</a:t>
+              </a:r>
+            </a:p>
+          </p:txBody>
+        </p:sp>
+        <p:sp>
+          <p:nvSpPr>
+            <p:cNvPr id="22" name="Rectangle 21">
+              <a:extLst>
+                <a:ext uri="{FF2B5EF4-FFF2-40B4-BE49-F238E27FC236}">
+                  <a16:creationId xmlns:a16="http://schemas.microsoft.com/office/drawing/2014/main" id="{153DC2BF-8F6E-4CFF-A885-3D8323D2B705}"/>
+                </a:ext>
+              </a:extLst>
+            </p:cNvPr>
+            <p:cNvSpPr/>
+            <p:nvPr/>
+          </p:nvSpPr>
+          <p:spPr bwMode="auto">
+            <a:xfrm>
+              <a:off x="32576216" y="24125186"/>
+              <a:ext cx="457200" cy="646331"/>
+            </a:xfrm>
+            <a:prstGeom prst="rect">
+              <a:avLst/>
+            </a:prstGeom>
+            <a:solidFill>
+              <a:srgbClr val="7F7F7F"/>
+            </a:solidFill>
+            <a:ln w="9525" cap="flat" cmpd="sng" algn="ctr">
+              <a:noFill/>
+              <a:prstDash val="solid"/>
+              <a:round/>
+              <a:headEnd type="none" w="med" len="med"/>
+              <a:tailEnd type="none" w="med" len="med"/>
+            </a:ln>
+            <a:effectLst/>
+            <a:extLst/>
+          </p:spPr>
+          <p:txBody>
+            <a:bodyPr rot="0" spcFirstLastPara="0" vertOverflow="overflow" horzOverflow="overflow" vert="horz" wrap="square" lIns="23707" tIns="11853" rIns="23707" bIns="11853" numCol="1" spcCol="0" rtlCol="0" fromWordArt="0" anchor="t" anchorCtr="0" forceAA="0" compatLnSpc="1">
+              <a:prstTxWarp prst="textNoShape">
+                <a:avLst/>
+              </a:prstTxWarp>
+              <a:noAutofit/>
+            </a:bodyPr>
+            <a:lstStyle/>
+            <a:p>
+              <a:pPr defTabSz="1219590"/>
+              <a:endParaRPr lang="en-US" sz="1167">
+                <a:latin typeface="Arial" pitchFamily="34" charset="0"/>
+              </a:endParaRPr>
+            </a:p>
+          </p:txBody>
+        </p:sp>
+      </p:grpSp>
+      <p:sp>
+        <p:nvSpPr>
+          <p:cNvPr id="36" name="TextBox 35">
+            <a:extLst>
+              <a:ext uri="{FF2B5EF4-FFF2-40B4-BE49-F238E27FC236}">
+                <a16:creationId xmlns:a16="http://schemas.microsoft.com/office/drawing/2014/main" id="{F9744332-409D-4E13-8004-F1FC2BA8831D}"/>
+              </a:ext>
+            </a:extLst>
+          </p:cNvPr>
+          <p:cNvSpPr txBox="1"/>
+          <p:nvPr/>
+        </p:nvSpPr>
+        <p:spPr>
+          <a:xfrm>
+            <a:off x="3392938" y="2590946"/>
+            <a:ext cx="2879500" cy="235898"/>
+          </a:xfrm>
+          <a:prstGeom prst="rect">
+            <a:avLst/>
+          </a:prstGeom>
+          <a:ln>
+            <a:noFill/>
+          </a:ln>
+          <a:effectLst/>
+        </p:spPr>
+        <p:style>
+          <a:lnRef idx="2">
+            <a:schemeClr val="dk1"/>
+          </a:lnRef>
+          <a:fillRef idx="1">
+            <a:schemeClr val="lt1"/>
+          </a:fillRef>
+          <a:effectRef idx="0">
+            <a:schemeClr val="dk1"/>
+          </a:effectRef>
+          <a:fontRef idx="minor">
+            <a:schemeClr val="dk1"/>
+          </a:fontRef>
+        </p:style>
+        <p:txBody>
+          <a:bodyPr wrap="square" lIns="71120" rIns="71120" rtlCol="0">
+            <a:spAutoFit/>
+          </a:bodyPr>
+          <a:lstStyle/>
+          <a:p>
+            <a:pPr algn="ctr" defTabSz="1219285">
+              <a:defRPr/>
+            </a:pPr>
+            <a:r>
+              <a:rPr lang="en-US" sz="933" dirty="0">
+                <a:solidFill>
+                  <a:schemeClr val="tx1"/>
+                </a:solidFill>
+                <a:latin typeface="+mj-lt"/>
+              </a:rPr>
+              <a:t>Framework: Scale-Invariance and Richness </a:t>
+            </a:r>
+          </a:p>
+        </p:txBody>
+      </p:sp>
+      <p:sp>
+        <p:nvSpPr>
+          <p:cNvPr id="38" name="TextBox 37">
+            <a:extLst>
+              <a:ext uri="{FF2B5EF4-FFF2-40B4-BE49-F238E27FC236}">
+                <a16:creationId xmlns:a16="http://schemas.microsoft.com/office/drawing/2014/main" id="{9A18A5CA-EAF8-4A0C-91E3-652892D85424}"/>
+              </a:ext>
+            </a:extLst>
+          </p:cNvPr>
+          <p:cNvSpPr txBox="1"/>
+          <p:nvPr/>
+        </p:nvSpPr>
+        <p:spPr>
+          <a:xfrm>
+            <a:off x="6529159" y="5181600"/>
+            <a:ext cx="2879502" cy="235898"/>
+          </a:xfrm>
+          <a:prstGeom prst="rect">
+            <a:avLst/>
+          </a:prstGeom>
+          <a:ln>
+            <a:noFill/>
+          </a:ln>
+          <a:effectLst/>
+        </p:spPr>
+        <p:style>
+          <a:lnRef idx="2">
+            <a:schemeClr val="dk1"/>
+          </a:lnRef>
+          <a:fillRef idx="1">
+            <a:schemeClr val="lt1"/>
+          </a:fillRef>
+          <a:effectRef idx="0">
+            <a:schemeClr val="dk1"/>
+          </a:effectRef>
+          <a:fontRef idx="minor">
+            <a:schemeClr val="dk1"/>
+          </a:fontRef>
+        </p:style>
+        <p:txBody>
+          <a:bodyPr wrap="square" lIns="71120" rIns="71120" rtlCol="0">
+            <a:spAutoFit/>
+          </a:bodyPr>
+          <a:lstStyle/>
+          <a:p>
+            <a:pPr algn="ctr" defTabSz="1219285">
+              <a:defRPr/>
+            </a:pPr>
+            <a:r>
+              <a:rPr lang="en-US" sz="933" dirty="0">
+                <a:solidFill>
+                  <a:schemeClr val="tx1"/>
+                </a:solidFill>
+                <a:latin typeface="+mj-lt"/>
+              </a:rPr>
+              <a:t>Partial Consistency simulation results</a:t>
+            </a:r>
+          </a:p>
+        </p:txBody>
+      </p:sp>
+      <p:sp>
+        <p:nvSpPr>
+          <p:cNvPr id="37" name="TextBox 36">
+            <a:extLst>
+              <a:ext uri="{FF2B5EF4-FFF2-40B4-BE49-F238E27FC236}">
+                <a16:creationId xmlns:a16="http://schemas.microsoft.com/office/drawing/2014/main" id="{2AE133AC-1DFE-4D6E-B1A3-31B930A6602E}"/>
+              </a:ext>
+            </a:extLst>
+          </p:cNvPr>
+          <p:cNvSpPr txBox="1"/>
+          <p:nvPr/>
+        </p:nvSpPr>
+        <p:spPr>
+          <a:xfrm>
+            <a:off x="256719" y="5638800"/>
+            <a:ext cx="2879502" cy="235898"/>
+          </a:xfrm>
+          <a:prstGeom prst="rect">
+            <a:avLst/>
+          </a:prstGeom>
+          <a:ln>
+            <a:noFill/>
+          </a:ln>
+          <a:effectLst/>
+        </p:spPr>
+        <p:style>
+          <a:lnRef idx="2">
+            <a:schemeClr val="dk1"/>
+          </a:lnRef>
+          <a:fillRef idx="1">
+            <a:schemeClr val="lt1"/>
+          </a:fillRef>
+          <a:effectRef idx="0">
+            <a:schemeClr val="dk1"/>
+          </a:effectRef>
+          <a:fontRef idx="minor">
+            <a:schemeClr val="dk1"/>
+          </a:fontRef>
+        </p:style>
+        <p:txBody>
+          <a:bodyPr wrap="square" lIns="71120" rIns="71120" rtlCol="0">
+            <a:spAutoFit/>
+          </a:bodyPr>
+          <a:lstStyle/>
+          <a:p>
+            <a:pPr algn="ctr" defTabSz="1219285">
+              <a:defRPr/>
+            </a:pPr>
+            <a:r>
+              <a:rPr lang="en-US" sz="933" dirty="0">
+                <a:solidFill>
+                  <a:schemeClr val="tx1"/>
+                </a:solidFill>
+                <a:latin typeface="+mj-lt"/>
+              </a:rPr>
+              <a:t>Clustering Algorithm</a:t>
+            </a:r>
+          </a:p>
+        </p:txBody>
+      </p:sp>
+      <p:sp>
+        <p:nvSpPr>
+          <p:cNvPr id="42" name="TextBox 35">
+            <a:extLst>
+              <a:ext uri="{FF2B5EF4-FFF2-40B4-BE49-F238E27FC236}">
+                <a16:creationId xmlns:a16="http://schemas.microsoft.com/office/drawing/2014/main" id="{DC9B1F19-2225-46FF-9BBC-F6F16CBDAD74}"/>
+              </a:ext>
+            </a:extLst>
+          </p:cNvPr>
+          <p:cNvSpPr txBox="1"/>
+          <p:nvPr/>
+        </p:nvSpPr>
+        <p:spPr>
+          <a:xfrm>
+            <a:off x="3392936" y="8077200"/>
+            <a:ext cx="2879500" cy="379463"/>
+          </a:xfrm>
+          <a:prstGeom prst="rect">
+            <a:avLst/>
+          </a:prstGeom>
+          <a:ln>
+            <a:noFill/>
+          </a:ln>
+          <a:effectLst/>
+        </p:spPr>
+        <p:style>
+          <a:lnRef idx="2">
+            <a:schemeClr val="dk1"/>
+          </a:lnRef>
+          <a:fillRef idx="1">
+            <a:schemeClr val="lt1"/>
+          </a:fillRef>
+          <a:effectRef idx="0">
+            <a:schemeClr val="dk1"/>
+          </a:effectRef>
+          <a:fontRef idx="minor">
+            <a:schemeClr val="dk1"/>
+          </a:fontRef>
+        </p:style>
+        <p:txBody>
+          <a:bodyPr wrap="square" lIns="71120" rIns="71120" rtlCol="0">
+            <a:spAutoFit/>
+          </a:bodyPr>
+          <a:lstStyle/>
+          <a:p>
+            <a:pPr algn="ctr" defTabSz="1219285">
+              <a:defRPr/>
+            </a:pPr>
+            <a:r>
+              <a:rPr lang="en-US" altLang="zh-CN" sz="933" dirty="0">
+                <a:solidFill>
+                  <a:schemeClr val="tx1"/>
+                </a:solidFill>
+              </a:rPr>
+              <a:t>Rand Index</a:t>
+            </a:r>
+          </a:p>
+          <a:p>
+            <a:pPr algn="ctr" defTabSz="1219285">
+              <a:defRPr/>
+            </a:pPr>
+            <a:endParaRPr lang="en-US" sz="933" dirty="0">
+              <a:solidFill>
+                <a:schemeClr val="tx1"/>
+              </a:solidFill>
+              <a:latin typeface="+mj-lt"/>
+            </a:endParaRPr>
+          </a:p>
+        </p:txBody>
+      </p:sp>
+      <mc:AlternateContent xmlns:mc="http://schemas.openxmlformats.org/markup-compatibility/2006">
+        <mc:Choice xmlns:a14="http://schemas.microsoft.com/office/drawing/2010/main" Requires="a14">
+          <p:sp>
+            <p:nvSpPr>
+              <p:cNvPr id="48" name="TextBox 19">
+                <a:extLst>
+                  <a:ext uri="{FF2B5EF4-FFF2-40B4-BE49-F238E27FC236}">
+                    <a16:creationId xmlns:a16="http://schemas.microsoft.com/office/drawing/2014/main" id="{9D1004D0-789E-4763-8FD3-0B8D0D9C28A7}"/>
+                  </a:ext>
+                </a:extLst>
+              </p:cNvPr>
+              <p:cNvSpPr txBox="1">
+                <a:spLocks noChangeArrowheads="1"/>
+              </p:cNvSpPr>
+              <p:nvPr/>
+            </p:nvSpPr>
+            <p:spPr bwMode="auto">
+              <a:xfrm>
+                <a:off x="3392936" y="4431986"/>
+                <a:ext cx="2879502" cy="3601259"/>
+              </a:xfrm>
+              <a:prstGeom prst="rect">
+                <a:avLst/>
+              </a:prstGeom>
+              <a:noFill/>
+              <a:ln>
+                <a:noFill/>
+              </a:ln>
+              <a:extLst>
+                <a:ext uri="{909E8E84-426E-40DD-AFC4-6F175D3DCCD1}">
+                  <a14:hiddenFill>
+                    <a:solidFill>
+                      <a:srgbClr val="FFFFFF"/>
+                    </a:solidFill>
+                  </a14:hiddenFill>
+                </a:ext>
+                <a:ext uri="{91240B29-F687-4F45-9708-019B960494DF}">
+                  <a14:hiddenLine w="9525">
+                    <a:solidFill>
+                      <a:srgbClr val="000000"/>
+                    </a:solidFill>
+                    <a:miter lim="800000"/>
+                    <a:headEnd/>
+                    <a:tailEnd/>
+                  </a14:hiddenLine>
+                </a:ext>
+              </a:extLst>
+            </p:spPr>
+            <p:txBody>
+              <a:bodyPr wrap="square" lIns="23701" tIns="11851" rIns="23701" bIns="11851">
+                <a:spAutoFit/>
+              </a:bodyPr>
+              <a:lstStyle>
+                <a:defPPr>
+                  <a:defRPr kern="1200" smtId="4294967295"/>
+                </a:defPPr>
+                <a:lvl1pPr eaLnBrk="0" hangingPunct="0">
+                  <a:defRPr sz="2000">
+                    <a:solidFill>
+                      <a:schemeClr val="tx1"/>
+                    </a:solidFill>
+                    <a:latin typeface="Arial"/>
+                    <a:ea typeface="ＭＳ Ｐゴシック" pitchFamily="-106" charset="-128"/>
+                  </a:defRPr>
+                </a:lvl1pPr>
+                <a:lvl2pPr eaLnBrk="0" hangingPunct="0">
+                  <a:defRPr sz="2000">
+                    <a:solidFill>
+                      <a:schemeClr val="tx1"/>
+                    </a:solidFill>
+                    <a:latin typeface="Arial"/>
+                    <a:ea typeface="ＭＳ Ｐゴシック" pitchFamily="-106" charset="-128"/>
+                  </a:defRPr>
+                </a:lvl2pPr>
+                <a:lvl3pPr marL="1143000" indent="-228600" eaLnBrk="0" hangingPunct="0">
+                  <a:defRPr sz="2000">
+                    <a:solidFill>
+                      <a:schemeClr val="tx1"/>
+                    </a:solidFill>
+                    <a:latin typeface="Arial"/>
+                    <a:ea typeface="ＭＳ Ｐゴシック" pitchFamily="-106" charset="-128"/>
+                  </a:defRPr>
+                </a:lvl3pPr>
+                <a:lvl4pPr marL="1600200" indent="-228600" eaLnBrk="0" hangingPunct="0">
+                  <a:defRPr sz="2000">
+                    <a:solidFill>
+                      <a:schemeClr val="tx1"/>
+                    </a:solidFill>
+                    <a:latin typeface="Arial"/>
+                    <a:ea typeface="ＭＳ Ｐゴシック" pitchFamily="-106" charset="-128"/>
+                  </a:defRPr>
+                </a:lvl4pPr>
+                <a:lvl5pPr marL="2057400" indent="-228600" eaLnBrk="0" hangingPunct="0">
+                  <a:defRPr sz="2000">
+                    <a:solidFill>
+                      <a:schemeClr val="tx1"/>
+                    </a:solidFill>
+                    <a:latin typeface="Arial"/>
+                    <a:ea typeface="ＭＳ Ｐゴシック" pitchFamily="-106" charset="-128"/>
+                  </a:defRPr>
+                </a:lvl5pPr>
+                <a:lvl6pPr marL="2514600" indent="-228600" eaLnBrk="0" fontAlgn="base" hangingPunct="0">
+                  <a:spcBef>
+                    <a:spcPct val="0"/>
+                  </a:spcBef>
+                  <a:spcAft>
+                    <a:spcPct val="0"/>
+                  </a:spcAft>
+                  <a:defRPr sz="2000">
+                    <a:solidFill>
+                      <a:schemeClr val="tx1"/>
+                    </a:solidFill>
+                    <a:latin typeface="Arial"/>
+                    <a:ea typeface="ＭＳ Ｐゴシック" pitchFamily="-106" charset="-128"/>
+                  </a:defRPr>
+                </a:lvl6pPr>
+                <a:lvl7pPr marL="2971800" indent="-228600" eaLnBrk="0" fontAlgn="base" hangingPunct="0">
+                  <a:spcBef>
+                    <a:spcPct val="0"/>
+                  </a:spcBef>
+                  <a:spcAft>
+                    <a:spcPct val="0"/>
+                  </a:spcAft>
+                  <a:defRPr sz="2000">
+                    <a:solidFill>
+                      <a:schemeClr val="tx1"/>
+                    </a:solidFill>
+                    <a:latin typeface="Arial"/>
+                    <a:ea typeface="ＭＳ Ｐゴシック" pitchFamily="-106" charset="-128"/>
+                  </a:defRPr>
+                </a:lvl7pPr>
+                <a:lvl8pPr marL="3429000" indent="-228600" eaLnBrk="0" fontAlgn="base" hangingPunct="0">
+                  <a:spcBef>
+                    <a:spcPct val="0"/>
+                  </a:spcBef>
+                  <a:spcAft>
+                    <a:spcPct val="0"/>
+                  </a:spcAft>
+                  <a:defRPr sz="2000">
+                    <a:solidFill>
+                      <a:schemeClr val="tx1"/>
+                    </a:solidFill>
+                    <a:latin typeface="Arial"/>
+                    <a:ea typeface="ＭＳ Ｐゴシック" pitchFamily="-106" charset="-128"/>
+                  </a:defRPr>
+                </a:lvl8pPr>
+                <a:lvl9pPr marL="3886200" indent="-228600" eaLnBrk="0" fontAlgn="base" hangingPunct="0">
+                  <a:spcBef>
+                    <a:spcPct val="0"/>
+                  </a:spcBef>
+                  <a:spcAft>
+                    <a:spcPct val="0"/>
+                  </a:spcAft>
+                  <a:defRPr sz="2000">
+                    <a:solidFill>
+                      <a:schemeClr val="tx1"/>
+                    </a:solidFill>
+                    <a:latin typeface="Arial"/>
+                    <a:ea typeface="ＭＳ Ｐゴシック" pitchFamily="-106" charset="-128"/>
+                  </a:defRPr>
+                </a:lvl9pPr>
+              </a:lstStyle>
+              <a:p>
+                <a:pPr algn="just">
+                  <a:lnSpc>
+                    <a:spcPct val="110000"/>
+                  </a:lnSpc>
+                </a:pPr>
+                <a:r>
+                  <a:rPr lang="en-US" sz="622" dirty="0">
+                    <a:latin typeface="Titillium Web" panose="00000500000000000000" pitchFamily="2" charset="0"/>
+                    <a:cs typeface="Arial" pitchFamily="34" charset="0"/>
+                  </a:rPr>
+                  <a:t>The third property defined in this framework is called consistency. It is more subtle than the first two properties, and to define it, we have to define </a:t>
+                </a:r>
+                <a14:m>
+                  <m:oMath xmlns:m="http://schemas.openxmlformats.org/officeDocument/2006/math">
+                    <m:r>
+                      <a:rPr lang="en-US" altLang="zh-CN" sz="622" dirty="0">
+                        <a:latin typeface="Titillium Web" panose="00000500000000000000" pitchFamily="2" charset="0"/>
+                        <a:cs typeface="Arial" pitchFamily="34" charset="0"/>
+                      </a:rPr>
+                      <m:t>𝛤</m:t>
+                    </m:r>
+                  </m:oMath>
+                </a14:m>
+                <a:r>
+                  <a:rPr lang="en-US" altLang="zh-CN" sz="622" dirty="0">
+                    <a:latin typeface="Titillium Web" panose="00000500000000000000" pitchFamily="2" charset="0"/>
+                    <a:cs typeface="Arial" pitchFamily="34" charset="0"/>
+                  </a:rPr>
+                  <a:t>-transformation. </a:t>
+                </a:r>
+                <a14:m>
+                  <m:oMath xmlns:m="http://schemas.openxmlformats.org/officeDocument/2006/math">
+                    <m:r>
+                      <a:rPr lang="en-US" altLang="zh-CN" sz="622" dirty="0">
+                        <a:latin typeface="Cambria Math" panose="02040503050406030204" pitchFamily="18" charset="0"/>
+                        <a:cs typeface="Arial" pitchFamily="34" charset="0"/>
+                      </a:rPr>
+                      <m:t>𝛤</m:t>
+                    </m:r>
+                  </m:oMath>
+                </a14:m>
+                <a:r>
+                  <a:rPr lang="en-US" altLang="zh-CN" sz="622" dirty="0">
+                    <a:latin typeface="Titillium Web" panose="00000500000000000000" pitchFamily="2" charset="0"/>
+                    <a:cs typeface="Arial" pitchFamily="34" charset="0"/>
+                  </a:rPr>
+                  <a:t>-transformation is a special perturbation manner towards the original Dataset. </a:t>
+                </a:r>
+              </a:p>
+              <a:p>
+                <a:pPr algn="just">
+                  <a:lnSpc>
+                    <a:spcPct val="110000"/>
+                  </a:lnSpc>
+                </a:pPr>
+                <a:endParaRPr lang="en-US" altLang="zh-CN" sz="622" dirty="0">
+                  <a:latin typeface="Titillium Web" panose="00000500000000000000" pitchFamily="2" charset="0"/>
+                  <a:cs typeface="Arial" pitchFamily="34" charset="0"/>
+                </a:endParaRPr>
+              </a:p>
+              <a:p>
+                <a:pPr algn="just">
+                  <a:lnSpc>
+                    <a:spcPct val="110000"/>
+                  </a:lnSpc>
+                </a:pPr>
+                <a14:m>
+                  <m:oMath xmlns:m="http://schemas.openxmlformats.org/officeDocument/2006/math">
+                    <m:r>
+                      <a:rPr lang="en-US" altLang="zh-CN" sz="622" i="1" dirty="0">
+                        <a:latin typeface="Cambria Math" panose="02040503050406030204" pitchFamily="18" charset="0"/>
+                        <a:cs typeface="Arial" pitchFamily="34" charset="0"/>
+                      </a:rPr>
+                      <m:t>𝛤</m:t>
+                    </m:r>
+                  </m:oMath>
+                </a14:m>
+                <a:r>
+                  <a:rPr lang="en-US" altLang="zh-CN" sz="622" i="1" dirty="0">
+                    <a:latin typeface="Titillium Web" panose="00000500000000000000" pitchFamily="2" charset="0"/>
+                    <a:cs typeface="Arial" pitchFamily="34" charset="0"/>
+                  </a:rPr>
+                  <a:t>-transformation:  Given partition </a:t>
+                </a:r>
+                <a14:m>
+                  <m:oMath xmlns:m="http://schemas.openxmlformats.org/officeDocument/2006/math">
+                    <m:r>
+                      <a:rPr lang="en-US" altLang="zh-CN" sz="622" i="1" dirty="0">
+                        <a:latin typeface="Cambria Math" panose="02040503050406030204" pitchFamily="18" charset="0"/>
+                        <a:cs typeface="Arial" pitchFamily="34" charset="0"/>
+                      </a:rPr>
+                      <m:t>𝛤</m:t>
+                    </m:r>
+                    <m:r>
+                      <a:rPr lang="en-US" altLang="zh-CN" sz="622" b="0" i="1" dirty="0" smtClean="0">
+                        <a:latin typeface="Cambria Math" panose="02040503050406030204" pitchFamily="18" charset="0"/>
+                        <a:cs typeface="Arial" pitchFamily="34" charset="0"/>
+                      </a:rPr>
+                      <m:t>={</m:t>
+                    </m:r>
+                    <m:sSub>
+                      <m:sSubPr>
+                        <m:ctrlPr>
+                          <a:rPr lang="en-US" altLang="zh-CN" sz="622" b="0" i="1" dirty="0" smtClean="0">
+                            <a:latin typeface="Cambria Math" panose="02040503050406030204" pitchFamily="18" charset="0"/>
+                          </a:rPr>
+                        </m:ctrlPr>
+                      </m:sSubPr>
+                      <m:e>
+                        <m:r>
+                          <a:rPr lang="en-US" altLang="zh-CN" sz="622" b="0" i="1" dirty="0" smtClean="0">
+                            <a:latin typeface="Cambria Math" panose="02040503050406030204" pitchFamily="18" charset="0"/>
+                          </a:rPr>
+                          <m:t>𝐶</m:t>
+                        </m:r>
+                      </m:e>
+                      <m:sub>
+                        <m:r>
+                          <a:rPr lang="en-US" altLang="zh-CN" sz="622" b="0" i="1" dirty="0" smtClean="0">
+                            <a:latin typeface="Cambria Math" panose="02040503050406030204" pitchFamily="18" charset="0"/>
+                          </a:rPr>
+                          <m:t>1</m:t>
+                        </m:r>
+                      </m:sub>
+                    </m:sSub>
+                    <m:r>
+                      <a:rPr lang="en-US" altLang="zh-CN" sz="622" b="0" i="1" dirty="0" smtClean="0">
+                        <a:latin typeface="Cambria Math" panose="02040503050406030204" pitchFamily="18" charset="0"/>
+                      </a:rPr>
+                      <m:t>,</m:t>
+                    </m:r>
+                    <m:sSub>
+                      <m:sSubPr>
+                        <m:ctrlPr>
+                          <a:rPr lang="en-US" altLang="zh-CN" sz="622" b="0" i="1" dirty="0" smtClean="0">
+                            <a:latin typeface="Cambria Math" panose="02040503050406030204" pitchFamily="18" charset="0"/>
+                          </a:rPr>
+                        </m:ctrlPr>
+                      </m:sSubPr>
+                      <m:e>
+                        <m:r>
+                          <a:rPr lang="en-US" altLang="zh-CN" sz="622" b="0" i="1" dirty="0" smtClean="0">
+                            <a:latin typeface="Cambria Math" panose="02040503050406030204" pitchFamily="18" charset="0"/>
+                          </a:rPr>
+                          <m:t>𝐶</m:t>
+                        </m:r>
+                      </m:e>
+                      <m:sub>
+                        <m:r>
+                          <a:rPr lang="en-US" altLang="zh-CN" sz="622" b="0" i="1" dirty="0" smtClean="0">
+                            <a:latin typeface="Cambria Math" panose="02040503050406030204" pitchFamily="18" charset="0"/>
+                          </a:rPr>
+                          <m:t>2</m:t>
+                        </m:r>
+                      </m:sub>
+                    </m:sSub>
+                    <m:r>
+                      <a:rPr lang="en-US" altLang="zh-CN" sz="622" b="0" i="1" dirty="0" smtClean="0">
+                        <a:latin typeface="Cambria Math" panose="02040503050406030204" pitchFamily="18" charset="0"/>
+                      </a:rPr>
+                      <m:t>…</m:t>
+                    </m:r>
+                    <m:sSub>
+                      <m:sSubPr>
+                        <m:ctrlPr>
+                          <a:rPr lang="en-US" altLang="zh-CN" sz="622" b="0" i="1" dirty="0" smtClean="0">
+                            <a:latin typeface="Cambria Math" panose="02040503050406030204" pitchFamily="18" charset="0"/>
+                          </a:rPr>
+                        </m:ctrlPr>
+                      </m:sSubPr>
+                      <m:e>
+                        <m:r>
+                          <a:rPr lang="en-US" altLang="zh-CN" sz="622" b="0" i="1" dirty="0" smtClean="0">
+                            <a:latin typeface="Cambria Math" panose="02040503050406030204" pitchFamily="18" charset="0"/>
+                          </a:rPr>
+                          <m:t>𝐶</m:t>
+                        </m:r>
+                      </m:e>
+                      <m:sub>
+                        <m:r>
+                          <a:rPr lang="en-US" altLang="zh-CN" sz="622" b="0" i="1" dirty="0" smtClean="0">
+                            <a:latin typeface="Cambria Math" panose="02040503050406030204" pitchFamily="18" charset="0"/>
+                          </a:rPr>
+                          <m:t>𝑚</m:t>
+                        </m:r>
+                      </m:sub>
+                    </m:sSub>
+                    <m:r>
+                      <a:rPr lang="en-US" altLang="zh-CN" sz="622" b="0" i="1" dirty="0" smtClean="0">
+                        <a:latin typeface="Cambria Math" panose="02040503050406030204" pitchFamily="18" charset="0"/>
+                        <a:cs typeface="Arial" pitchFamily="34" charset="0"/>
+                      </a:rPr>
+                      <m:t>}</m:t>
+                    </m:r>
+                  </m:oMath>
+                </a14:m>
+                <a:r>
+                  <a:rPr lang="en-US" sz="622" i="1" dirty="0">
+                    <a:latin typeface="Titillium Web" panose="00000500000000000000" pitchFamily="2" charset="0"/>
+                    <a:cs typeface="Arial" pitchFamily="34" charset="0"/>
+                  </a:rPr>
+                  <a:t> on data set  </a:t>
+                </a:r>
+                <a14:m>
+                  <m:oMath xmlns:m="http://schemas.openxmlformats.org/officeDocument/2006/math">
+                    <m:r>
+                      <a:rPr lang="en-US" altLang="zh-CN" sz="622" b="0" i="1" dirty="0" smtClean="0">
+                        <a:latin typeface="Cambria Math" panose="02040503050406030204" pitchFamily="18" charset="0"/>
+                        <a:cs typeface="Arial" pitchFamily="34" charset="0"/>
+                      </a:rPr>
+                      <m:t>𝑆</m:t>
+                    </m:r>
+                  </m:oMath>
+                </a14:m>
+                <a:r>
+                  <a:rPr lang="en-US" sz="622" i="1" dirty="0">
+                    <a:latin typeface="Titillium Web" panose="00000500000000000000" pitchFamily="2" charset="0"/>
+                    <a:cs typeface="Arial" pitchFamily="34" charset="0"/>
+                  </a:rPr>
+                  <a:t>, </a:t>
+                </a:r>
+                <a14:m>
+                  <m:oMath xmlns:m="http://schemas.openxmlformats.org/officeDocument/2006/math">
+                    <m:sSup>
+                      <m:sSupPr>
+                        <m:ctrlPr>
+                          <a:rPr lang="en-US" altLang="zh-CN" sz="622" i="1" dirty="0" smtClean="0">
+                            <a:latin typeface="Cambria Math" panose="02040503050406030204" pitchFamily="18" charset="0"/>
+                          </a:rPr>
+                        </m:ctrlPr>
+                      </m:sSupPr>
+                      <m:e>
+                        <m:r>
+                          <a:rPr lang="zh-CN" altLang="en-US" sz="622" i="1" dirty="0" smtClean="0">
+                            <a:latin typeface="Cambria Math" panose="02040503050406030204" pitchFamily="18" charset="0"/>
+                          </a:rPr>
+                          <m:t>𝑑</m:t>
+                        </m:r>
+                      </m:e>
+                      <m:sup>
+                        <m:r>
+                          <a:rPr lang="en-US" altLang="zh-CN" sz="622" i="1" dirty="0" smtClean="0">
+                            <a:latin typeface="Cambria Math" panose="02040503050406030204" pitchFamily="18" charset="0"/>
+                          </a:rPr>
+                          <m:t>′</m:t>
+                        </m:r>
+                      </m:sup>
+                    </m:sSup>
+                  </m:oMath>
+                </a14:m>
+                <a:r>
+                  <a:rPr lang="en-US" sz="622" i="1" dirty="0">
+                    <a:latin typeface="Titillium Web" panose="00000500000000000000" pitchFamily="2" charset="0"/>
+                    <a:cs typeface="Arial" pitchFamily="34" charset="0"/>
+                  </a:rPr>
+                  <a:t> is a </a:t>
+                </a:r>
+                <a14:m>
+                  <m:oMath xmlns:m="http://schemas.openxmlformats.org/officeDocument/2006/math">
+                    <m:r>
+                      <a:rPr lang="en-US" altLang="zh-CN" sz="622" i="1" dirty="0">
+                        <a:latin typeface="Cambria Math" panose="02040503050406030204" pitchFamily="18" charset="0"/>
+                        <a:cs typeface="Arial" pitchFamily="34" charset="0"/>
+                      </a:rPr>
+                      <m:t>𝛤</m:t>
+                    </m:r>
+                  </m:oMath>
+                </a14:m>
+                <a:r>
+                  <a:rPr lang="en-US" sz="622" i="1" dirty="0">
+                    <a:latin typeface="Titillium Web" panose="00000500000000000000" pitchFamily="2" charset="0"/>
+                    <a:cs typeface="Arial" pitchFamily="34" charset="0"/>
+                  </a:rPr>
+                  <a:t>-transformation of  </a:t>
+                </a:r>
+                <a14:m>
+                  <m:oMath xmlns:m="http://schemas.openxmlformats.org/officeDocument/2006/math">
+                    <m:r>
+                      <a:rPr lang="en-US" altLang="zh-CN" sz="622" b="0" i="1" dirty="0" smtClean="0">
+                        <a:latin typeface="Cambria Math" panose="02040503050406030204" pitchFamily="18" charset="0"/>
+                        <a:cs typeface="Arial" pitchFamily="34" charset="0"/>
+                      </a:rPr>
+                      <m:t>𝑑</m:t>
+                    </m:r>
+                  </m:oMath>
+                </a14:m>
+                <a:r>
+                  <a:rPr lang="en-US" sz="622" i="1" dirty="0">
+                    <a:latin typeface="Titillium Web" panose="00000500000000000000" pitchFamily="2" charset="0"/>
+                    <a:cs typeface="Arial" pitchFamily="34" charset="0"/>
+                  </a:rPr>
+                  <a:t> </a:t>
+                </a:r>
+                <a14:m>
+                  <m:oMath xmlns:m="http://schemas.openxmlformats.org/officeDocument/2006/math">
+                    <m:r>
+                      <a:rPr lang="en-US" altLang="zh-CN" sz="622" i="1">
+                        <a:latin typeface="Cambria Math" panose="02040503050406030204" pitchFamily="18" charset="0"/>
+                      </a:rPr>
+                      <m:t>⇔</m:t>
+                    </m:r>
+                  </m:oMath>
+                </a14:m>
+                <a:r>
+                  <a:rPr lang="en-US" sz="622" i="1" dirty="0">
+                    <a:latin typeface="Titillium Web" panose="00000500000000000000" pitchFamily="2" charset="0"/>
+                    <a:cs typeface="Arial" pitchFamily="34" charset="0"/>
+                  </a:rPr>
+                  <a:t> For any  points  </a:t>
+                </a:r>
+                <a14:m>
+                  <m:oMath xmlns:m="http://schemas.openxmlformats.org/officeDocument/2006/math">
+                    <m:r>
+                      <a:rPr lang="en-US" altLang="zh-CN" sz="622" i="1" dirty="0" smtClean="0">
+                        <a:latin typeface="Cambria Math" panose="02040503050406030204" pitchFamily="18" charset="0"/>
+                      </a:rPr>
+                      <m:t>ⅈ,</m:t>
+                    </m:r>
+                    <m:r>
+                      <a:rPr lang="zh-CN" altLang="en-US" sz="622" i="1" dirty="0" smtClean="0">
+                        <a:latin typeface="Cambria Math" panose="02040503050406030204" pitchFamily="18" charset="0"/>
+                      </a:rPr>
+                      <m:t>𝑗</m:t>
+                    </m:r>
+                    <m:r>
+                      <a:rPr lang="en-US" altLang="zh-CN" sz="622" i="1" dirty="0" smtClean="0">
+                        <a:latin typeface="Cambria Math" panose="02040503050406030204" pitchFamily="18" charset="0"/>
+                      </a:rPr>
+                      <m:t>∈</m:t>
+                    </m:r>
+                    <m:sSub>
+                      <m:sSubPr>
+                        <m:ctrlPr>
+                          <a:rPr lang="en-US" altLang="zh-CN" sz="622" i="1" dirty="0" smtClean="0">
+                            <a:latin typeface="Cambria Math" panose="02040503050406030204" pitchFamily="18" charset="0"/>
+                          </a:rPr>
+                        </m:ctrlPr>
+                      </m:sSubPr>
+                      <m:e>
+                        <m:r>
+                          <a:rPr lang="zh-CN" altLang="en-US" sz="622" i="1" dirty="0" smtClean="0">
+                            <a:latin typeface="Cambria Math" panose="02040503050406030204" pitchFamily="18" charset="0"/>
+                          </a:rPr>
+                          <m:t>𝐶</m:t>
+                        </m:r>
+                      </m:e>
+                      <m:sub>
+                        <m:r>
+                          <a:rPr lang="zh-CN" altLang="en-US" sz="622" i="1" dirty="0" smtClean="0">
+                            <a:latin typeface="Cambria Math" panose="02040503050406030204" pitchFamily="18" charset="0"/>
+                          </a:rPr>
+                          <m:t>𝑘</m:t>
+                        </m:r>
+                      </m:sub>
+                    </m:sSub>
+                  </m:oMath>
+                </a14:m>
+                <a:r>
+                  <a:rPr lang="en-US" sz="622" i="1" dirty="0">
+                    <a:latin typeface="Titillium Web" panose="00000500000000000000" pitchFamily="2" charset="0"/>
+                    <a:cs typeface="Arial" pitchFamily="34" charset="0"/>
+                  </a:rPr>
+                  <a:t>, </a:t>
+                </a:r>
+                <a14:m>
+                  <m:oMath xmlns:m="http://schemas.openxmlformats.org/officeDocument/2006/math">
+                    <m:sSup>
+                      <m:sSupPr>
+                        <m:ctrlPr>
+                          <a:rPr lang="en-US" altLang="zh-CN" sz="622" i="1" dirty="0" smtClean="0">
+                            <a:latin typeface="Cambria Math" panose="02040503050406030204" pitchFamily="18" charset="0"/>
+                          </a:rPr>
+                        </m:ctrlPr>
+                      </m:sSupPr>
+                      <m:e>
+                        <m:r>
+                          <a:rPr lang="zh-CN" altLang="en-US" sz="622" i="1" dirty="0" smtClean="0">
+                            <a:latin typeface="Cambria Math" panose="02040503050406030204" pitchFamily="18" charset="0"/>
+                          </a:rPr>
+                          <m:t>𝑑</m:t>
+                        </m:r>
+                      </m:e>
+                      <m:sup>
+                        <m:r>
+                          <a:rPr lang="en-US" altLang="zh-CN" sz="622" i="1" dirty="0" smtClean="0">
+                            <a:latin typeface="Cambria Math" panose="02040503050406030204" pitchFamily="18" charset="0"/>
+                          </a:rPr>
+                          <m:t>′</m:t>
+                        </m:r>
+                      </m:sup>
+                    </m:sSup>
+                    <m:d>
+                      <m:dPr>
+                        <m:ctrlPr>
+                          <a:rPr lang="en-US" altLang="zh-CN" sz="622" i="1" dirty="0" smtClean="0">
+                            <a:latin typeface="Cambria Math" panose="02040503050406030204" pitchFamily="18" charset="0"/>
+                          </a:rPr>
+                        </m:ctrlPr>
+                      </m:dPr>
+                      <m:e>
+                        <m:r>
+                          <a:rPr lang="en-US" altLang="zh-CN" sz="622" i="1" dirty="0" smtClean="0">
+                            <a:latin typeface="Cambria Math" panose="02040503050406030204" pitchFamily="18" charset="0"/>
+                          </a:rPr>
+                          <m:t>ⅈ,</m:t>
+                        </m:r>
+                        <m:r>
+                          <a:rPr lang="zh-CN" altLang="en-US" sz="622" i="1" dirty="0" smtClean="0">
+                            <a:latin typeface="Cambria Math" panose="02040503050406030204" pitchFamily="18" charset="0"/>
+                          </a:rPr>
+                          <m:t>𝑗</m:t>
+                        </m:r>
+                      </m:e>
+                    </m:d>
+                    <m:r>
+                      <a:rPr lang="en-US" altLang="zh-CN" sz="622" i="1" dirty="0" smtClean="0">
+                        <a:latin typeface="Cambria Math" panose="02040503050406030204" pitchFamily="18" charset="0"/>
+                      </a:rPr>
+                      <m:t>≤ⅆ</m:t>
+                    </m:r>
+                    <m:d>
+                      <m:dPr>
+                        <m:ctrlPr>
+                          <a:rPr lang="en-US" altLang="zh-CN" sz="622" i="1" dirty="0" smtClean="0">
+                            <a:latin typeface="Cambria Math" panose="02040503050406030204" pitchFamily="18" charset="0"/>
+                          </a:rPr>
+                        </m:ctrlPr>
+                      </m:dPr>
+                      <m:e>
+                        <m:r>
+                          <a:rPr lang="en-US" altLang="zh-CN" sz="622" i="1" dirty="0" smtClean="0">
+                            <a:latin typeface="Cambria Math" panose="02040503050406030204" pitchFamily="18" charset="0"/>
+                          </a:rPr>
+                          <m:t>ⅈ,</m:t>
+                        </m:r>
+                        <m:r>
+                          <a:rPr lang="zh-CN" altLang="en-US" sz="622" i="1" dirty="0" smtClean="0">
+                            <a:latin typeface="Cambria Math" panose="02040503050406030204" pitchFamily="18" charset="0"/>
+                          </a:rPr>
+                          <m:t>𝑗</m:t>
+                        </m:r>
+                      </m:e>
+                    </m:d>
+                  </m:oMath>
+                </a14:m>
+                <a:r>
+                  <a:rPr lang="en-US" sz="622" i="1" dirty="0">
+                    <a:latin typeface="Titillium Web" panose="00000500000000000000" pitchFamily="2" charset="0"/>
+                    <a:cs typeface="Arial" pitchFamily="34" charset="0"/>
+                  </a:rPr>
+                  <a:t>; for </a:t>
+                </a:r>
+                <a14:m>
+                  <m:oMath xmlns:m="http://schemas.openxmlformats.org/officeDocument/2006/math">
+                    <m:r>
+                      <a:rPr lang="en-US" altLang="zh-CN" sz="622" i="1" dirty="0">
+                        <a:latin typeface="Cambria Math" panose="02040503050406030204" pitchFamily="18" charset="0"/>
+                      </a:rPr>
+                      <m:t>ⅈ</m:t>
+                    </m:r>
+                    <m:r>
+                      <a:rPr lang="en-US" altLang="zh-CN" sz="622" i="1" dirty="0" smtClean="0">
+                        <a:latin typeface="Cambria Math" panose="02040503050406030204" pitchFamily="18" charset="0"/>
+                      </a:rPr>
+                      <m:t>∈</m:t>
+                    </m:r>
+                    <m:sSub>
+                      <m:sSubPr>
+                        <m:ctrlPr>
+                          <a:rPr lang="en-US" altLang="zh-CN" sz="622" i="1" dirty="0">
+                            <a:latin typeface="Cambria Math" panose="02040503050406030204" pitchFamily="18" charset="0"/>
+                          </a:rPr>
+                        </m:ctrlPr>
+                      </m:sSubPr>
+                      <m:e>
+                        <m:r>
+                          <a:rPr lang="en-US" altLang="zh-CN" sz="622" i="1" dirty="0">
+                            <a:latin typeface="Cambria Math" panose="02040503050406030204" pitchFamily="18" charset="0"/>
+                          </a:rPr>
+                          <m:t>𝐶</m:t>
+                        </m:r>
+                      </m:e>
+                      <m:sub>
+                        <m:r>
+                          <a:rPr lang="en-US" altLang="zh-CN" sz="622" i="1" dirty="0">
+                            <a:latin typeface="Cambria Math" panose="02040503050406030204" pitchFamily="18" charset="0"/>
+                          </a:rPr>
+                          <m:t>𝑘</m:t>
+                        </m:r>
+                      </m:sub>
+                    </m:sSub>
+                    <m:r>
+                      <a:rPr lang="en-US" altLang="zh-CN" sz="622" i="1" dirty="0">
+                        <a:latin typeface="Cambria Math" panose="02040503050406030204" pitchFamily="18" charset="0"/>
+                      </a:rPr>
+                      <m:t>,</m:t>
+                    </m:r>
+                    <m:r>
+                      <a:rPr lang="zh-CN" altLang="en-US" sz="622" i="1" dirty="0">
+                        <a:latin typeface="Cambria Math" panose="02040503050406030204" pitchFamily="18" charset="0"/>
+                      </a:rPr>
+                      <m:t>𝑗</m:t>
+                    </m:r>
+                    <m:r>
+                      <a:rPr lang="en-US" altLang="zh-CN" sz="622" i="1" dirty="0" smtClean="0">
+                        <a:latin typeface="Cambria Math" panose="02040503050406030204" pitchFamily="18" charset="0"/>
+                      </a:rPr>
+                      <m:t>∉</m:t>
+                    </m:r>
+                    <m:sSub>
+                      <m:sSubPr>
+                        <m:ctrlPr>
+                          <a:rPr lang="en-US" altLang="zh-CN" sz="622" i="1" dirty="0">
+                            <a:latin typeface="Cambria Math" panose="02040503050406030204" pitchFamily="18" charset="0"/>
+                          </a:rPr>
+                        </m:ctrlPr>
+                      </m:sSubPr>
+                      <m:e>
+                        <m:r>
+                          <a:rPr lang="zh-CN" altLang="en-US" sz="622" i="1" dirty="0">
+                            <a:latin typeface="Cambria Math" panose="02040503050406030204" pitchFamily="18" charset="0"/>
+                          </a:rPr>
+                          <m:t>𝐶</m:t>
+                        </m:r>
+                      </m:e>
+                      <m:sub>
+                        <m:r>
+                          <a:rPr lang="zh-CN" altLang="en-US" sz="622" i="1" dirty="0">
+                            <a:latin typeface="Cambria Math" panose="02040503050406030204" pitchFamily="18" charset="0"/>
+                          </a:rPr>
+                          <m:t>𝑘</m:t>
+                        </m:r>
+                      </m:sub>
+                    </m:sSub>
+                  </m:oMath>
+                </a14:m>
+                <a:r>
+                  <a:rPr lang="en-US" altLang="zh-CN" sz="622" i="1" dirty="0">
+                    <a:latin typeface="Titillium Web" panose="00000500000000000000" pitchFamily="2" charset="0"/>
+                    <a:cs typeface="Arial" pitchFamily="34" charset="0"/>
+                  </a:rPr>
+                  <a:t> </a:t>
+                </a:r>
+                <a14:m>
+                  <m:oMath xmlns:m="http://schemas.openxmlformats.org/officeDocument/2006/math">
+                    <m:sSup>
+                      <m:sSupPr>
+                        <m:ctrlPr>
+                          <a:rPr lang="en-US" altLang="zh-CN" sz="622" i="1" dirty="0">
+                            <a:latin typeface="Cambria Math" panose="02040503050406030204" pitchFamily="18" charset="0"/>
+                          </a:rPr>
+                        </m:ctrlPr>
+                      </m:sSupPr>
+                      <m:e>
+                        <m:r>
+                          <a:rPr lang="zh-CN" altLang="en-US" sz="622" i="1" dirty="0">
+                            <a:latin typeface="Cambria Math" panose="02040503050406030204" pitchFamily="18" charset="0"/>
+                          </a:rPr>
+                          <m:t>𝑑</m:t>
+                        </m:r>
+                      </m:e>
+                      <m:sup>
+                        <m:r>
+                          <a:rPr lang="en-US" altLang="zh-CN" sz="622" i="1" dirty="0">
+                            <a:latin typeface="Cambria Math" panose="02040503050406030204" pitchFamily="18" charset="0"/>
+                          </a:rPr>
+                          <m:t>′</m:t>
+                        </m:r>
+                      </m:sup>
+                    </m:sSup>
+                    <m:d>
+                      <m:dPr>
+                        <m:ctrlPr>
+                          <a:rPr lang="en-US" altLang="zh-CN" sz="622" i="1" dirty="0">
+                            <a:latin typeface="Cambria Math" panose="02040503050406030204" pitchFamily="18" charset="0"/>
+                          </a:rPr>
+                        </m:ctrlPr>
+                      </m:dPr>
+                      <m:e>
+                        <m:r>
+                          <a:rPr lang="en-US" altLang="zh-CN" sz="622" i="1" dirty="0">
+                            <a:latin typeface="Cambria Math" panose="02040503050406030204" pitchFamily="18" charset="0"/>
+                          </a:rPr>
+                          <m:t>ⅈ,</m:t>
+                        </m:r>
+                        <m:r>
+                          <a:rPr lang="zh-CN" altLang="en-US" sz="622" i="1" dirty="0">
+                            <a:latin typeface="Cambria Math" panose="02040503050406030204" pitchFamily="18" charset="0"/>
+                          </a:rPr>
+                          <m:t>𝑗</m:t>
+                        </m:r>
+                      </m:e>
+                    </m:d>
+                    <m:r>
+                      <a:rPr lang="en-US" altLang="zh-CN" sz="622" i="1" dirty="0" smtClean="0">
+                        <a:latin typeface="Cambria Math" panose="02040503050406030204" pitchFamily="18" charset="0"/>
+                      </a:rPr>
+                      <m:t>≥</m:t>
+                    </m:r>
+                    <m:r>
+                      <a:rPr lang="en-US" altLang="zh-CN" sz="622" i="1" dirty="0">
+                        <a:latin typeface="Cambria Math" panose="02040503050406030204" pitchFamily="18" charset="0"/>
+                      </a:rPr>
+                      <m:t>ⅆ</m:t>
+                    </m:r>
+                    <m:d>
+                      <m:dPr>
+                        <m:ctrlPr>
+                          <a:rPr lang="en-US" altLang="zh-CN" sz="622" i="1" dirty="0">
+                            <a:latin typeface="Cambria Math" panose="02040503050406030204" pitchFamily="18" charset="0"/>
+                          </a:rPr>
+                        </m:ctrlPr>
+                      </m:dPr>
+                      <m:e>
+                        <m:r>
+                          <a:rPr lang="en-US" altLang="zh-CN" sz="622" i="1" dirty="0">
+                            <a:latin typeface="Cambria Math" panose="02040503050406030204" pitchFamily="18" charset="0"/>
+                          </a:rPr>
+                          <m:t>ⅈ,</m:t>
+                        </m:r>
+                        <m:r>
+                          <a:rPr lang="zh-CN" altLang="en-US" sz="622" i="1" dirty="0">
+                            <a:latin typeface="Cambria Math" panose="02040503050406030204" pitchFamily="18" charset="0"/>
+                          </a:rPr>
+                          <m:t>𝑗</m:t>
+                        </m:r>
+                      </m:e>
+                    </m:d>
+                  </m:oMath>
+                </a14:m>
+                <a:endParaRPr lang="en-US" sz="622" i="1" dirty="0">
+                  <a:latin typeface="Titillium Web" panose="00000500000000000000" pitchFamily="2" charset="0"/>
+                  <a:cs typeface="Arial" pitchFamily="34" charset="0"/>
+                </a:endParaRPr>
+              </a:p>
+              <a:p>
+                <a:pPr algn="just">
+                  <a:lnSpc>
+                    <a:spcPct val="110000"/>
+                  </a:lnSpc>
+                </a:pPr>
+                <a:endParaRPr lang="en-US" sz="622" i="1" dirty="0">
+                  <a:latin typeface="Titillium Web" panose="00000500000000000000" pitchFamily="2" charset="0"/>
+                  <a:cs typeface="Arial" pitchFamily="34" charset="0"/>
+                </a:endParaRPr>
+              </a:p>
+              <a:p>
+                <a:pPr algn="just">
+                  <a:lnSpc>
+                    <a:spcPct val="110000"/>
+                  </a:lnSpc>
+                </a:pPr>
+                <a:r>
+                  <a:rPr lang="en-US" sz="622" dirty="0">
+                    <a:latin typeface="Titillium Web" panose="00000500000000000000" pitchFamily="2" charset="0"/>
+                    <a:cs typeface="Arial" pitchFamily="34" charset="0"/>
+                  </a:rPr>
+                  <a:t>It may seem very complex at the first glace, but essentially, it is creating a new data set by squashing together the points within the same cluster, and move away points in one cluster from the other one. Figure 2 is an example of legitimate </a:t>
+                </a:r>
+                <a14:m>
+                  <m:oMath xmlns:m="http://schemas.openxmlformats.org/officeDocument/2006/math">
+                    <m:r>
+                      <a:rPr lang="en-US" altLang="zh-CN" sz="622" i="1" dirty="0">
+                        <a:latin typeface="Cambria Math" panose="02040503050406030204" pitchFamily="18" charset="0"/>
+                        <a:cs typeface="Arial" pitchFamily="34" charset="0"/>
+                      </a:rPr>
+                      <m:t>𝛤</m:t>
+                    </m:r>
+                  </m:oMath>
+                </a14:m>
+                <a:r>
+                  <a:rPr lang="en-US" altLang="zh-CN" sz="622" i="1" dirty="0">
+                    <a:latin typeface="Titillium Web" panose="00000500000000000000" pitchFamily="2" charset="0"/>
+                    <a:cs typeface="Arial" pitchFamily="34" charset="0"/>
+                  </a:rPr>
+                  <a:t>-transformation.</a:t>
+                </a:r>
+              </a:p>
+              <a:p>
+                <a:pPr algn="just">
+                  <a:lnSpc>
+                    <a:spcPct val="110000"/>
+                  </a:lnSpc>
+                </a:pPr>
+                <a:endParaRPr lang="en-US" altLang="zh-CN" sz="622" i="1" dirty="0">
+                  <a:latin typeface="Titillium Web" panose="00000500000000000000" pitchFamily="2" charset="0"/>
+                  <a:cs typeface="Arial" pitchFamily="34" charset="0"/>
+                </a:endParaRPr>
+              </a:p>
+              <a:p>
+                <a:pPr algn="just">
+                  <a:lnSpc>
+                    <a:spcPct val="110000"/>
+                  </a:lnSpc>
+                </a:pPr>
+                <a:endParaRPr lang="en-US" altLang="zh-CN" sz="622" i="1" dirty="0">
+                  <a:latin typeface="Titillium Web" panose="00000500000000000000" pitchFamily="2" charset="0"/>
+                  <a:cs typeface="Arial" pitchFamily="34" charset="0"/>
+                </a:endParaRPr>
+              </a:p>
+              <a:p>
+                <a:pPr algn="just">
+                  <a:lnSpc>
+                    <a:spcPct val="110000"/>
+                  </a:lnSpc>
+                </a:pPr>
+                <a:endParaRPr lang="en-US" altLang="zh-CN" sz="622" i="1" dirty="0">
+                  <a:latin typeface="Titillium Web" panose="00000500000000000000" pitchFamily="2" charset="0"/>
+                  <a:cs typeface="Arial" pitchFamily="34" charset="0"/>
+                </a:endParaRPr>
+              </a:p>
+              <a:p>
+                <a:pPr algn="just">
+                  <a:lnSpc>
+                    <a:spcPct val="110000"/>
+                  </a:lnSpc>
+                </a:pPr>
+                <a:endParaRPr lang="en-US" altLang="zh-CN" sz="622" i="1" dirty="0">
+                  <a:latin typeface="Titillium Web" panose="00000500000000000000" pitchFamily="2" charset="0"/>
+                  <a:cs typeface="Arial" pitchFamily="34" charset="0"/>
+                </a:endParaRPr>
+              </a:p>
+              <a:p>
+                <a:pPr algn="just">
+                  <a:lnSpc>
+                    <a:spcPct val="110000"/>
+                  </a:lnSpc>
+                </a:pPr>
+                <a:endParaRPr lang="en-US" altLang="zh-CN" sz="622" i="1" dirty="0">
+                  <a:latin typeface="Titillium Web" panose="00000500000000000000" pitchFamily="2" charset="0"/>
+                  <a:cs typeface="Arial" pitchFamily="34" charset="0"/>
+                </a:endParaRPr>
+              </a:p>
+              <a:p>
+                <a:pPr algn="just">
+                  <a:lnSpc>
+                    <a:spcPct val="110000"/>
+                  </a:lnSpc>
+                </a:pPr>
+                <a:endParaRPr lang="en-US" altLang="zh-CN" sz="622" i="1" dirty="0">
+                  <a:latin typeface="Titillium Web" panose="00000500000000000000" pitchFamily="2" charset="0"/>
+                  <a:cs typeface="Arial" pitchFamily="34" charset="0"/>
+                </a:endParaRPr>
+              </a:p>
+              <a:p>
+                <a:pPr algn="just">
+                  <a:lnSpc>
+                    <a:spcPct val="110000"/>
+                  </a:lnSpc>
+                </a:pPr>
+                <a:endParaRPr lang="en-US" altLang="zh-CN" sz="622" i="1" dirty="0">
+                  <a:latin typeface="Titillium Web" panose="00000500000000000000" pitchFamily="2" charset="0"/>
+                  <a:cs typeface="Arial" pitchFamily="34" charset="0"/>
+                </a:endParaRPr>
+              </a:p>
+              <a:p>
+                <a:pPr algn="just">
+                  <a:lnSpc>
+                    <a:spcPct val="110000"/>
+                  </a:lnSpc>
+                </a:pPr>
+                <a:endParaRPr lang="en-US" altLang="zh-CN" sz="622" i="1" dirty="0">
+                  <a:latin typeface="Titillium Web" panose="00000500000000000000" pitchFamily="2" charset="0"/>
+                  <a:cs typeface="Arial" pitchFamily="34" charset="0"/>
+                </a:endParaRPr>
+              </a:p>
+              <a:p>
+                <a:pPr algn="just">
+                  <a:lnSpc>
+                    <a:spcPct val="110000"/>
+                  </a:lnSpc>
+                </a:pPr>
+                <a:endParaRPr lang="en-US" altLang="zh-CN" sz="622" i="1" dirty="0">
+                  <a:latin typeface="Titillium Web" panose="00000500000000000000" pitchFamily="2" charset="0"/>
+                  <a:cs typeface="Arial" pitchFamily="34" charset="0"/>
+                </a:endParaRPr>
+              </a:p>
+              <a:p>
+                <a:pPr algn="ctr">
+                  <a:lnSpc>
+                    <a:spcPct val="110000"/>
+                  </a:lnSpc>
+                </a:pPr>
+                <a:r>
+                  <a:rPr lang="en-US" altLang="zh-CN" sz="622" i="1" dirty="0">
+                    <a:latin typeface="Titillium Web" panose="00000500000000000000" pitchFamily="2" charset="0"/>
+                    <a:cs typeface="Arial" pitchFamily="34" charset="0"/>
+                  </a:rPr>
+                  <a:t> </a:t>
+                </a:r>
+                <a:r>
+                  <a:rPr lang="en-US" altLang="zh-CN" sz="622" b="1" i="1" dirty="0">
+                    <a:latin typeface="Titillium Web" panose="00000500000000000000" pitchFamily="2" charset="0"/>
+                    <a:cs typeface="Arial" pitchFamily="34" charset="0"/>
+                  </a:rPr>
+                  <a:t>Figure 2</a:t>
+                </a:r>
+                <a:r>
+                  <a:rPr lang="zh-CN" altLang="en-US" sz="622" b="1" i="1" dirty="0">
+                    <a:latin typeface="Titillium Web" panose="00000500000000000000" pitchFamily="2" charset="0"/>
+                    <a:cs typeface="Arial" pitchFamily="34" charset="0"/>
+                  </a:rPr>
+                  <a:t>：</a:t>
+                </a:r>
+                <a:r>
+                  <a:rPr lang="en-US" altLang="zh-CN" sz="622" b="1" i="1" dirty="0">
+                    <a:latin typeface="Titillium Web" panose="00000500000000000000" pitchFamily="2" charset="0"/>
+                    <a:cs typeface="Arial" pitchFamily="34" charset="0"/>
+                  </a:rPr>
+                  <a:t> An</a:t>
+                </a:r>
+                <a:r>
+                  <a:rPr lang="zh-CN" altLang="en-US" sz="622" b="1" i="1" dirty="0">
+                    <a:latin typeface="Titillium Web" panose="00000500000000000000" pitchFamily="2" charset="0"/>
+                    <a:cs typeface="Arial" pitchFamily="34" charset="0"/>
+                  </a:rPr>
+                  <a:t> </a:t>
+                </a:r>
+                <a:r>
+                  <a:rPr lang="en-US" altLang="zh-CN" sz="622" b="1" i="1" dirty="0">
+                    <a:latin typeface="Titillium Web" panose="00000500000000000000" pitchFamily="2" charset="0"/>
+                    <a:cs typeface="Arial" pitchFamily="34" charset="0"/>
+                  </a:rPr>
+                  <a:t>example</a:t>
+                </a:r>
+                <a:r>
+                  <a:rPr lang="zh-CN" altLang="en-US" sz="622" b="1" i="1" dirty="0">
+                    <a:latin typeface="Titillium Web" panose="00000500000000000000" pitchFamily="2" charset="0"/>
+                    <a:cs typeface="Arial" pitchFamily="34" charset="0"/>
+                  </a:rPr>
+                  <a:t> </a:t>
+                </a:r>
+                <a:r>
+                  <a:rPr lang="en-US" altLang="zh-CN" sz="622" b="1" i="1" dirty="0">
+                    <a:latin typeface="Titillium Web" panose="00000500000000000000" pitchFamily="2" charset="0"/>
+                    <a:cs typeface="Arial" pitchFamily="34" charset="0"/>
+                  </a:rPr>
+                  <a:t>of </a:t>
+                </a:r>
+                <a:r>
+                  <a:rPr lang="zh-CN" altLang="en-US" sz="622" b="1" i="1" dirty="0">
+                    <a:latin typeface="Titillium Web" panose="00000500000000000000" pitchFamily="2" charset="0"/>
+                    <a:cs typeface="Arial" pitchFamily="34" charset="0"/>
+                  </a:rPr>
+                  <a:t> </a:t>
+                </a:r>
+                <a14:m>
+                  <m:oMath xmlns:m="http://schemas.openxmlformats.org/officeDocument/2006/math">
+                    <m:r>
+                      <a:rPr lang="en-US" altLang="zh-CN" sz="622" b="1" i="1" dirty="0">
+                        <a:latin typeface="Titillium Web" panose="00000500000000000000" pitchFamily="2" charset="0"/>
+                        <a:cs typeface="Arial" pitchFamily="34" charset="0"/>
+                      </a:rPr>
+                      <m:t>𝛤</m:t>
+                    </m:r>
+                  </m:oMath>
+                </a14:m>
+                <a:r>
+                  <a:rPr lang="en-US" altLang="zh-CN" sz="622" b="1" i="1" dirty="0">
+                    <a:latin typeface="Titillium Web" panose="00000500000000000000" pitchFamily="2" charset="0"/>
+                    <a:cs typeface="Arial" pitchFamily="34" charset="0"/>
+                  </a:rPr>
+                  <a:t>-transformation.</a:t>
+                </a:r>
+              </a:p>
+              <a:p>
+                <a:pPr algn="just">
+                  <a:lnSpc>
+                    <a:spcPct val="110000"/>
+                  </a:lnSpc>
+                </a:pPr>
+                <a:endParaRPr lang="en-US" sz="622" dirty="0">
+                  <a:latin typeface="Titillium Web" panose="00000500000000000000" pitchFamily="2" charset="0"/>
+                  <a:cs typeface="Arial" pitchFamily="34" charset="0"/>
+                </a:endParaRPr>
+              </a:p>
+              <a:p>
+                <a:pPr algn="just">
+                  <a:lnSpc>
+                    <a:spcPct val="110000"/>
+                  </a:lnSpc>
+                </a:pPr>
+                <a:r>
+                  <a:rPr lang="en-US" sz="622" dirty="0">
+                    <a:latin typeface="Titillium Web" panose="00000500000000000000" pitchFamily="2" charset="0"/>
+                    <a:cs typeface="Arial" pitchFamily="34" charset="0"/>
+                  </a:rPr>
+                  <a:t>Then consistency property simply requires that if we apply cluster function </a:t>
+                </a:r>
+                <a14:m>
+                  <m:oMath xmlns:m="http://schemas.openxmlformats.org/officeDocument/2006/math">
+                    <m:r>
+                      <a:rPr lang="en-US" sz="622" b="0" i="1" smtClean="0">
+                        <a:latin typeface="Cambria Math" panose="02040503050406030204" pitchFamily="18" charset="0"/>
+                        <a:cs typeface="Arial" pitchFamily="34" charset="0"/>
+                      </a:rPr>
+                      <m:t>𝑓</m:t>
+                    </m:r>
+                  </m:oMath>
+                </a14:m>
+                <a:r>
+                  <a:rPr lang="en-US" sz="622" dirty="0">
+                    <a:latin typeface="Titillium Web" panose="00000500000000000000" pitchFamily="2" charset="0"/>
+                    <a:cs typeface="Arial" pitchFamily="34" charset="0"/>
+                  </a:rPr>
+                  <a:t> to this new dataset , we can still got the same partition.</a:t>
+                </a:r>
+              </a:p>
+              <a:p>
+                <a:pPr algn="just">
+                  <a:lnSpc>
+                    <a:spcPct val="110000"/>
+                  </a:lnSpc>
+                </a:pPr>
+                <a:endParaRPr lang="en-US" sz="622" dirty="0">
+                  <a:latin typeface="Titillium Web" panose="00000500000000000000" pitchFamily="2" charset="0"/>
+                  <a:cs typeface="Arial" pitchFamily="34" charset="0"/>
+                </a:endParaRPr>
+              </a:p>
+              <a:p>
+                <a:pPr algn="just">
+                  <a:lnSpc>
+                    <a:spcPct val="110000"/>
+                  </a:lnSpc>
+                </a:pPr>
+                <a:r>
+                  <a:rPr lang="en-US" sz="622" i="1" dirty="0">
+                    <a:latin typeface="Titillium Web" panose="00000500000000000000" pitchFamily="2" charset="0"/>
+                    <a:cs typeface="Arial" pitchFamily="34" charset="0"/>
+                  </a:rPr>
+                  <a:t>Consistency : </a:t>
+                </a:r>
+                <a14:m>
+                  <m:oMath xmlns:m="http://schemas.openxmlformats.org/officeDocument/2006/math">
+                    <m:r>
+                      <a:rPr lang="zh-CN" altLang="en-US" sz="622" i="1" dirty="0" smtClean="0">
+                        <a:latin typeface="Cambria Math" panose="02040503050406030204" pitchFamily="18" charset="0"/>
+                      </a:rPr>
+                      <m:t>𝑓</m:t>
+                    </m:r>
+                  </m:oMath>
+                </a14:m>
+                <a:r>
+                  <a:rPr lang="en-US" sz="622" i="1" dirty="0">
+                    <a:latin typeface="Titillium Web" panose="00000500000000000000" pitchFamily="2" charset="0"/>
+                    <a:cs typeface="Arial" pitchFamily="34" charset="0"/>
+                  </a:rPr>
+                  <a:t> satisfy consistency </a:t>
+                </a:r>
+                <a14:m>
+                  <m:oMath xmlns:m="http://schemas.openxmlformats.org/officeDocument/2006/math">
+                    <m:r>
+                      <a:rPr lang="en-US" altLang="zh-CN" sz="622" i="1">
+                        <a:latin typeface="Cambria Math" panose="02040503050406030204" pitchFamily="18" charset="0"/>
+                      </a:rPr>
+                      <m:t>⇔</m:t>
+                    </m:r>
+                  </m:oMath>
+                </a14:m>
+                <a:r>
+                  <a:rPr lang="en-US" sz="622" i="1" dirty="0">
+                    <a:latin typeface="Titillium Web" panose="00000500000000000000" pitchFamily="2" charset="0"/>
+                    <a:cs typeface="Arial" pitchFamily="34" charset="0"/>
+                  </a:rPr>
+                  <a:t> Given that </a:t>
+                </a:r>
+                <a14:m>
+                  <m:oMath xmlns:m="http://schemas.openxmlformats.org/officeDocument/2006/math">
+                    <m:sSup>
+                      <m:sSupPr>
+                        <m:ctrlPr>
+                          <a:rPr lang="en-US" altLang="zh-CN" sz="622" i="1" smtClean="0">
+                            <a:latin typeface="Cambria Math" panose="02040503050406030204" pitchFamily="18" charset="0"/>
+                          </a:rPr>
+                        </m:ctrlPr>
+                      </m:sSupPr>
+                      <m:e>
+                        <m:r>
+                          <a:rPr lang="zh-CN" altLang="en-US" sz="622" i="1" smtClean="0">
+                            <a:latin typeface="Cambria Math" panose="02040503050406030204" pitchFamily="18" charset="0"/>
+                          </a:rPr>
+                          <m:t>𝑑</m:t>
+                        </m:r>
+                      </m:e>
+                      <m:sup>
+                        <m:r>
+                          <a:rPr lang="en-US" altLang="zh-CN" sz="622" i="1" smtClean="0">
+                            <a:latin typeface="Cambria Math" panose="02040503050406030204" pitchFamily="18" charset="0"/>
+                          </a:rPr>
+                          <m:t>′</m:t>
+                        </m:r>
+                      </m:sup>
+                    </m:sSup>
+                  </m:oMath>
+                </a14:m>
+                <a:r>
+                  <a:rPr lang="en-US" sz="622" i="1" dirty="0">
+                    <a:latin typeface="Titillium Web" panose="00000500000000000000" pitchFamily="2" charset="0"/>
+                    <a:cs typeface="Arial" pitchFamily="34" charset="0"/>
+                  </a:rPr>
+                  <a:t> is  of  distance function </a:t>
+                </a:r>
+                <a14:m>
+                  <m:oMath xmlns:m="http://schemas.openxmlformats.org/officeDocument/2006/math">
+                    <m:r>
+                      <a:rPr lang="zh-CN" altLang="en-US" sz="622" i="1" dirty="0" smtClean="0">
+                        <a:latin typeface="Cambria Math" panose="02040503050406030204" pitchFamily="18" charset="0"/>
+                      </a:rPr>
+                      <m:t>𝑑</m:t>
+                    </m:r>
+                  </m:oMath>
+                </a14:m>
+                <a:r>
+                  <a:rPr lang="en-US" sz="622" i="1" dirty="0">
+                    <a:latin typeface="Titillium Web" panose="00000500000000000000" pitchFamily="2" charset="0"/>
+                    <a:cs typeface="Arial" pitchFamily="34" charset="0"/>
+                  </a:rPr>
+                  <a:t>, </a:t>
+                </a:r>
+                <a14:m>
+                  <m:oMath xmlns:m="http://schemas.openxmlformats.org/officeDocument/2006/math">
+                    <m:r>
+                      <a:rPr lang="zh-CN" altLang="en-US" sz="622" i="1" dirty="0" smtClean="0">
+                        <a:latin typeface="Cambria Math" panose="02040503050406030204" pitchFamily="18" charset="0"/>
+                      </a:rPr>
+                      <m:t>𝑓</m:t>
+                    </m:r>
+                    <m:d>
+                      <m:dPr>
+                        <m:ctrlPr>
+                          <a:rPr lang="en-US" altLang="zh-CN" sz="622" i="1" dirty="0" smtClean="0">
+                            <a:latin typeface="Cambria Math" panose="02040503050406030204" pitchFamily="18" charset="0"/>
+                          </a:rPr>
+                        </m:ctrlPr>
+                      </m:dPr>
+                      <m:e>
+                        <m:r>
+                          <a:rPr lang="zh-CN" altLang="en-US" sz="622" i="1" dirty="0" smtClean="0">
+                            <a:latin typeface="Cambria Math" panose="02040503050406030204" pitchFamily="18" charset="0"/>
+                          </a:rPr>
+                          <m:t>𝑑</m:t>
+                        </m:r>
+                      </m:e>
+                    </m:d>
+                    <m:r>
+                      <a:rPr lang="en-US" altLang="zh-CN" sz="622" i="1" dirty="0" smtClean="0">
+                        <a:latin typeface="Cambria Math" panose="02040503050406030204" pitchFamily="18" charset="0"/>
+                      </a:rPr>
+                      <m:t>=</m:t>
+                    </m:r>
+                    <m:r>
+                      <a:rPr lang="zh-CN" altLang="en-US" sz="622" i="1" dirty="0" smtClean="0">
+                        <a:latin typeface="Cambria Math" panose="02040503050406030204" pitchFamily="18" charset="0"/>
+                      </a:rPr>
+                      <m:t>𝑓</m:t>
+                    </m:r>
+                    <m:d>
+                      <m:dPr>
+                        <m:ctrlPr>
+                          <a:rPr lang="en-US" altLang="zh-CN" sz="622" i="1" dirty="0" smtClean="0">
+                            <a:latin typeface="Cambria Math" panose="02040503050406030204" pitchFamily="18" charset="0"/>
+                          </a:rPr>
+                        </m:ctrlPr>
+                      </m:dPr>
+                      <m:e>
+                        <m:sSup>
+                          <m:sSupPr>
+                            <m:ctrlPr>
+                              <a:rPr lang="en-US" altLang="zh-CN" sz="622" i="1" dirty="0" smtClean="0">
+                                <a:latin typeface="Cambria Math" panose="02040503050406030204" pitchFamily="18" charset="0"/>
+                              </a:rPr>
+                            </m:ctrlPr>
+                          </m:sSupPr>
+                          <m:e>
+                            <m:r>
+                              <a:rPr lang="zh-CN" altLang="en-US" sz="622" i="1" dirty="0" smtClean="0">
+                                <a:latin typeface="Cambria Math" panose="02040503050406030204" pitchFamily="18" charset="0"/>
+                              </a:rPr>
+                              <m:t>𝑑</m:t>
+                            </m:r>
+                          </m:e>
+                          <m:sup>
+                            <m:r>
+                              <a:rPr lang="en-US" altLang="zh-CN" sz="622" i="1" dirty="0" smtClean="0">
+                                <a:latin typeface="Cambria Math" panose="02040503050406030204" pitchFamily="18" charset="0"/>
+                              </a:rPr>
+                              <m:t>′</m:t>
+                            </m:r>
+                          </m:sup>
+                        </m:sSup>
+                      </m:e>
+                    </m:d>
+                  </m:oMath>
+                </a14:m>
+                <a:endParaRPr lang="en-US" sz="622" i="1" dirty="0">
+                  <a:latin typeface="Titillium Web" panose="00000500000000000000" pitchFamily="2" charset="0"/>
+                  <a:cs typeface="Arial" pitchFamily="34" charset="0"/>
+                </a:endParaRPr>
+              </a:p>
+              <a:p>
+                <a:pPr algn="just">
+                  <a:lnSpc>
+                    <a:spcPct val="110000"/>
+                  </a:lnSpc>
+                </a:pPr>
+                <a:endParaRPr lang="en-US" sz="622" i="1" dirty="0">
+                  <a:latin typeface="Titillium Web" panose="00000500000000000000" pitchFamily="2" charset="0"/>
+                  <a:cs typeface="Arial" pitchFamily="34" charset="0"/>
+                </a:endParaRPr>
+              </a:p>
+              <a:p>
+                <a:pPr algn="just">
+                  <a:lnSpc>
+                    <a:spcPct val="110000"/>
+                  </a:lnSpc>
+                </a:pPr>
+                <a:r>
+                  <a:rPr lang="en-US" sz="622" dirty="0">
+                    <a:latin typeface="Titillium Web" panose="00000500000000000000" pitchFamily="2" charset="0"/>
+                    <a:cs typeface="Arial" pitchFamily="34" charset="0"/>
+                  </a:rPr>
+                  <a:t>These three properties together reflect our expectation to clustering algorithms, although Kleinberg prove that no clustering algorithm can have three properties at the same time, knowing a given clustering algorithm satisfy one or two of these property can still give us much help when using the clustering algorithm.</a:t>
+                </a:r>
+              </a:p>
+              <a:p>
+                <a:pPr algn="just">
+                  <a:lnSpc>
+                    <a:spcPct val="110000"/>
+                  </a:lnSpc>
+                </a:pPr>
+                <a:endParaRPr lang="en-US" sz="622" dirty="0">
+                  <a:latin typeface="Titillium Web" panose="00000500000000000000" pitchFamily="2" charset="0"/>
+                  <a:cs typeface="Arial" pitchFamily="34" charset="0"/>
+                </a:endParaRPr>
+              </a:p>
+            </p:txBody>
+          </p:sp>
+        </mc:Choice>
+        <mc:Fallback>
+          <p:sp>
+            <p:nvSpPr>
+              <p:cNvPr id="48" name="TextBox 19">
+                <a:extLst>
+                  <a:ext uri="{FF2B5EF4-FFF2-40B4-BE49-F238E27FC236}">
+                    <a16:creationId xmlns:a16="http://schemas.microsoft.com/office/drawing/2014/main" id="{9D1004D0-789E-4763-8FD3-0B8D0D9C28A7}"/>
+                  </a:ext>
+                </a:extLst>
+              </p:cNvPr>
+              <p:cNvSpPr txBox="1">
+                <a:spLocks noRot="1" noChangeAspect="1" noMove="1" noResize="1" noEditPoints="1" noAdjustHandles="1" noChangeArrowheads="1" noChangeShapeType="1" noTextEdit="1"/>
+              </p:cNvSpPr>
+              <p:nvPr/>
+            </p:nvSpPr>
+            <p:spPr bwMode="auto">
+              <a:xfrm>
+                <a:off x="3392936" y="4431986"/>
+                <a:ext cx="2879502" cy="3601259"/>
+              </a:xfrm>
+              <a:prstGeom prst="rect">
+                <a:avLst/>
+              </a:prstGeom>
+              <a:blipFill>
+                <a:blip r:embed="rId4"/>
+                <a:stretch>
+                  <a:fillRect l="-1059" t="-338" r="-1059"/>
+                </a:stretch>
+              </a:blipFill>
+              <a:ln>
+                <a:noFill/>
+              </a:ln>
+              <a:extLst>
+                <a:ext uri="{909E8E84-426E-40DD-AFC4-6F175D3DCCD1}">
+                  <a14:hiddenFill xmlns:a14="http://schemas.microsoft.com/office/drawing/2010/main">
+                    <a:solidFill>
+                      <a:srgbClr val="FFFFFF"/>
+                    </a:solidFill>
+                  </a14:hiddenFill>
+                </a:ext>
+                <a:ext uri="{91240B29-F687-4F45-9708-019B960494DF}">
+                  <a14:hiddenLine xmlns:a14="http://schemas.microsoft.com/office/drawing/2010/main" w="9525">
+                    <a:solidFill>
+                      <a:srgbClr val="000000"/>
+                    </a:solidFill>
+                    <a:miter lim="800000"/>
+                    <a:headEnd/>
+                    <a:tailEnd/>
+                  </a14:hiddenLine>
+                </a:ext>
+              </a:extLst>
+            </p:spPr>
+            <p:txBody>
+              <a:bodyPr/>
+              <a:lstStyle/>
+              <a:p>
+                <a:r>
+                  <a:rPr lang="zh-CN" altLang="en-US">
+                    <a:noFill/>
+                  </a:rPr>
+                  <a:t> </a:t>
+                </a:r>
+              </a:p>
+            </p:txBody>
+          </p:sp>
+        </mc:Fallback>
+      </mc:AlternateContent>
+      <mc:AlternateContent xmlns:mc="http://schemas.openxmlformats.org/markup-compatibility/2006">
+        <mc:Choice xmlns:a14="http://schemas.microsoft.com/office/drawing/2010/main" Requires="a14">
+          <p:sp>
+            <p:nvSpPr>
+              <p:cNvPr id="50" name="TextBox 35">
+                <a:extLst>
+                  <a:ext uri="{FF2B5EF4-FFF2-40B4-BE49-F238E27FC236}">
+                    <a16:creationId xmlns:a16="http://schemas.microsoft.com/office/drawing/2014/main" id="{CB9F5D87-4EF8-42F4-97A5-AEC1D4DD1725}"/>
+                  </a:ext>
+                </a:extLst>
+              </p:cNvPr>
+              <p:cNvSpPr txBox="1"/>
+              <p:nvPr/>
+            </p:nvSpPr>
+            <p:spPr>
+              <a:xfrm>
+                <a:off x="3392936" y="4171854"/>
+                <a:ext cx="2879501" cy="235898"/>
+              </a:xfrm>
+              <a:prstGeom prst="rect">
+                <a:avLst/>
+              </a:prstGeom>
+              <a:ln>
+                <a:noFill/>
+              </a:ln>
+              <a:effectLst/>
+            </p:spPr>
+            <p:style>
+              <a:lnRef idx="2">
+                <a:schemeClr val="dk1"/>
+              </a:lnRef>
+              <a:fillRef idx="1">
+                <a:schemeClr val="lt1"/>
+              </a:fillRef>
+              <a:effectRef idx="0">
+                <a:schemeClr val="dk1"/>
+              </a:effectRef>
+              <a:fontRef idx="minor">
+                <a:schemeClr val="dk1"/>
+              </a:fontRef>
+            </p:style>
+            <p:txBody>
+              <a:bodyPr wrap="square" lIns="71120" rIns="71120" rtlCol="0">
+                <a:spAutoFit/>
+              </a:bodyPr>
+              <a:lstStyle/>
+              <a:p>
+                <a:pPr algn="ctr" defTabSz="1219285">
+                  <a:defRPr/>
+                </a:pPr>
+                <a:r>
+                  <a:rPr lang="en-US" altLang="zh-CN" sz="933" dirty="0">
+                    <a:solidFill>
+                      <a:schemeClr val="tx1"/>
+                    </a:solidFill>
+                  </a:rPr>
+                  <a:t>Framework: </a:t>
+                </a:r>
+                <a14:m>
+                  <m:oMath xmlns:m="http://schemas.openxmlformats.org/officeDocument/2006/math">
+                    <m:r>
+                      <a:rPr lang="en-US" altLang="zh-CN" sz="933" i="1" dirty="0">
+                        <a:solidFill>
+                          <a:schemeClr val="tx1"/>
+                        </a:solidFill>
+                        <a:latin typeface="Cambria Math" panose="02040503050406030204" pitchFamily="18" charset="0"/>
+                      </a:rPr>
+                      <m:t>𝛤</m:t>
+                    </m:r>
+                  </m:oMath>
+                </a14:m>
+                <a:r>
+                  <a:rPr lang="en-US" altLang="zh-CN" sz="933" dirty="0">
+                    <a:solidFill>
+                      <a:schemeClr val="tx1"/>
+                    </a:solidFill>
+                  </a:rPr>
+                  <a:t>-transformation and Consistency</a:t>
+                </a:r>
+              </a:p>
+            </p:txBody>
+          </p:sp>
+        </mc:Choice>
+        <mc:Fallback>
+          <p:sp>
+            <p:nvSpPr>
+              <p:cNvPr id="50" name="TextBox 35">
+                <a:extLst>
+                  <a:ext uri="{FF2B5EF4-FFF2-40B4-BE49-F238E27FC236}">
+                    <a16:creationId xmlns:a16="http://schemas.microsoft.com/office/drawing/2014/main" id="{CB9F5D87-4EF8-42F4-97A5-AEC1D4DD1725}"/>
+                  </a:ext>
+                </a:extLst>
+              </p:cNvPr>
+              <p:cNvSpPr txBox="1">
+                <a:spLocks noRot="1" noChangeAspect="1" noMove="1" noResize="1" noEditPoints="1" noAdjustHandles="1" noChangeArrowheads="1" noChangeShapeType="1" noTextEdit="1"/>
+              </p:cNvSpPr>
+              <p:nvPr/>
+            </p:nvSpPr>
+            <p:spPr>
+              <a:xfrm>
+                <a:off x="3392936" y="4171854"/>
+                <a:ext cx="2879501" cy="235898"/>
+              </a:xfrm>
+              <a:prstGeom prst="rect">
+                <a:avLst/>
+              </a:prstGeom>
+              <a:blipFill>
+                <a:blip r:embed="rId5"/>
+                <a:stretch>
+                  <a:fillRect b="-10256"/>
+                </a:stretch>
+              </a:blipFill>
+              <a:ln>
+                <a:noFill/>
+              </a:ln>
+              <a:effectLst/>
+            </p:spPr>
+            <p:txBody>
+              <a:bodyPr/>
+              <a:lstStyle/>
+              <a:p>
+                <a:r>
+                  <a:rPr lang="zh-CN" altLang="en-US">
+                    <a:noFill/>
+                  </a:rPr>
+                  <a:t> </a:t>
+                </a:r>
+              </a:p>
+            </p:txBody>
+          </p:sp>
+        </mc:Fallback>
+      </mc:AlternateContent>
+      <mc:AlternateContent xmlns:mc="http://schemas.openxmlformats.org/markup-compatibility/2006">
+        <mc:Choice xmlns:a14="http://schemas.microsoft.com/office/drawing/2010/main" Requires="a14">
+          <p:sp>
+            <p:nvSpPr>
+              <p:cNvPr id="13" name="矩形 12">
+                <a:extLst>
+                  <a:ext uri="{FF2B5EF4-FFF2-40B4-BE49-F238E27FC236}">
+                    <a16:creationId xmlns:a16="http://schemas.microsoft.com/office/drawing/2014/main" id="{9C2301E4-9D5A-464E-9AC1-A7FC092674A7}"/>
+                  </a:ext>
+                </a:extLst>
+              </p:cNvPr>
+              <p:cNvSpPr/>
+              <p:nvPr/>
+            </p:nvSpPr>
+            <p:spPr bwMode="auto">
+              <a:xfrm>
+                <a:off x="317300" y="2826503"/>
+                <a:ext cx="2793680" cy="2479987"/>
+              </a:xfrm>
+              <a:prstGeom prst="rect">
+                <a:avLst/>
+              </a:prstGeom>
+              <a:solidFill>
+                <a:schemeClr val="bg1"/>
+              </a:solidFill>
+              <a:ln w="9525" cap="flat" cmpd="sng" algn="ctr">
+                <a:solidFill>
+                  <a:schemeClr val="tx1"/>
+                </a:solidFill>
+                <a:prstDash val="solid"/>
+                <a:round/>
+                <a:headEnd type="none" w="med" len="med"/>
+                <a:tailEnd type="none" w="med" len="med"/>
+              </a:ln>
+              <a:effectLst/>
+              <a:extLst/>
+            </p:spPr>
+            <p:txBody>
+              <a:bodyPr vert="horz" wrap="square" lIns="91440" tIns="45720" rIns="91440" bIns="45720" numCol="1" rtlCol="0" anchor="t" anchorCtr="0" compatLnSpc="1">
+                <a:prstTxWarp prst="textNoShape">
+                  <a:avLst/>
+                </a:prstTxWarp>
+              </a:bodyPr>
+              <a:lstStyle/>
+              <a:p>
+                <a:pPr algn="just">
+                  <a:lnSpc>
+                    <a:spcPct val="150000"/>
+                  </a:lnSpc>
+                </a:pPr>
+                <a:r>
+                  <a:rPr lang="en-US" altLang="zh-CN" sz="622" dirty="0">
+                    <a:latin typeface="+mn-ea"/>
+                    <a:cs typeface="Arial" pitchFamily="34" charset="0"/>
+                  </a:rPr>
+                  <a:t>Various Clustering Algorithms are usually studied independently, however, in 2003, Kleinberg[1] published an influential paper to build system for studying clustering algorithm as a whole. In that paper, he proposed three properties for clustering: </a:t>
+                </a:r>
+                <a:r>
+                  <a:rPr lang="en-US" altLang="zh-CN" sz="622" b="1" dirty="0">
+                    <a:latin typeface="+mn-ea"/>
+                    <a:cs typeface="Arial" pitchFamily="34" charset="0"/>
+                  </a:rPr>
+                  <a:t>Scale-invariance</a:t>
+                </a:r>
+                <a:r>
+                  <a:rPr lang="en-US" altLang="zh-CN" sz="622" dirty="0">
+                    <a:latin typeface="+mn-ea"/>
+                    <a:cs typeface="Arial" pitchFamily="34" charset="0"/>
+                  </a:rPr>
+                  <a:t>, </a:t>
+                </a:r>
+                <a:r>
+                  <a:rPr lang="en-US" altLang="zh-CN" sz="622" b="1" dirty="0">
+                    <a:latin typeface="+mn-ea"/>
+                    <a:cs typeface="Arial" pitchFamily="34" charset="0"/>
+                  </a:rPr>
+                  <a:t>Richness</a:t>
+                </a:r>
+                <a:r>
+                  <a:rPr lang="en-US" altLang="zh-CN" sz="622" dirty="0">
+                    <a:latin typeface="+mn-ea"/>
+                    <a:cs typeface="Arial" pitchFamily="34" charset="0"/>
+                  </a:rPr>
+                  <a:t> and </a:t>
+                </a:r>
+                <a:r>
+                  <a:rPr lang="en-US" altLang="zh-CN" sz="622" b="1" dirty="0">
+                    <a:latin typeface="+mn-ea"/>
+                    <a:cs typeface="Arial" pitchFamily="34" charset="0"/>
+                  </a:rPr>
+                  <a:t>Consistency</a:t>
+                </a:r>
+                <a:r>
+                  <a:rPr lang="en-US" altLang="zh-CN" sz="622" dirty="0">
+                    <a:latin typeface="+mn-ea"/>
+                    <a:cs typeface="Arial" pitchFamily="34" charset="0"/>
+                  </a:rPr>
+                  <a:t>, and prove that no clustering algorithm can satisfy three of them at the same time. In this project, we continue to study this general system for clustering, we start by reviewing the work of Kleinberg’s work, then focus our study on the consistency property. This paper mainly has four contributions:</a:t>
+                </a:r>
+              </a:p>
+              <a:p>
+                <a:pPr marL="171450" indent="-171450" algn="just">
+                  <a:lnSpc>
+                    <a:spcPct val="150000"/>
+                  </a:lnSpc>
+                  <a:buFont typeface="Arial" panose="020B0604020202020204" pitchFamily="34" charset="0"/>
+                  <a:buChar char="•"/>
+                </a:pPr>
+                <a:r>
+                  <a:rPr lang="en-US" altLang="zh-CN" sz="622" dirty="0">
+                    <a:latin typeface="+mn-ea"/>
+                    <a:cs typeface="Arial" pitchFamily="34" charset="0"/>
+                  </a:rPr>
+                  <a:t>Provide the proofs for three of the theorems in Kleinberg’s Paper</a:t>
+                </a:r>
+              </a:p>
+              <a:p>
+                <a:pPr marL="171450" indent="-171450" algn="just">
+                  <a:lnSpc>
+                    <a:spcPct val="150000"/>
+                  </a:lnSpc>
+                  <a:buFont typeface="Arial" panose="020B0604020202020204" pitchFamily="34" charset="0"/>
+                  <a:buChar char="•"/>
+                </a:pPr>
+                <a:r>
+                  <a:rPr lang="en-US" altLang="zh-CN" sz="622" dirty="0">
+                    <a:latin typeface="+mn-ea"/>
+                    <a:cs typeface="Arial" pitchFamily="34" charset="0"/>
+                  </a:rPr>
+                  <a:t>Describe the potential problem with consistency property</a:t>
+                </a:r>
+              </a:p>
+              <a:p>
+                <a:pPr marL="171450" indent="-171450" algn="just">
+                  <a:lnSpc>
+                    <a:spcPct val="150000"/>
+                  </a:lnSpc>
+                  <a:buFont typeface="Arial" panose="020B0604020202020204" pitchFamily="34" charset="0"/>
+                  <a:buChar char="•"/>
+                </a:pPr>
+                <a:r>
+                  <a:rPr lang="en-US" altLang="zh-CN" sz="622" dirty="0">
+                    <a:latin typeface="+mn-ea"/>
+                    <a:cs typeface="Arial" pitchFamily="34" charset="0"/>
+                  </a:rPr>
+                  <a:t>Show that Clustering Algorithm without Consistency property has “Partial Consistency” under </a:t>
+                </a:r>
+                <a14:m>
+                  <m:oMath xmlns:m="http://schemas.openxmlformats.org/officeDocument/2006/math">
+                    <m:r>
+                      <a:rPr lang="en-US" altLang="zh-CN" sz="622" dirty="0">
+                        <a:latin typeface="+mn-ea"/>
+                      </a:rPr>
+                      <m:t>𝛤</m:t>
+                    </m:r>
+                  </m:oMath>
+                </a14:m>
+                <a:r>
+                  <a:rPr lang="en-US" altLang="zh-CN" sz="622" dirty="0">
+                    <a:latin typeface="+mn-ea"/>
+                    <a:cs typeface="Arial" pitchFamily="34" charset="0"/>
+                  </a:rPr>
+                  <a:t>–transformation through simulation.</a:t>
+                </a:r>
+              </a:p>
+              <a:p>
+                <a:pPr marL="171450" indent="-171450" algn="just">
+                  <a:lnSpc>
+                    <a:spcPct val="150000"/>
+                  </a:lnSpc>
+                  <a:buFont typeface="Arial" panose="020B0604020202020204" pitchFamily="34" charset="0"/>
+                  <a:buChar char="•"/>
+                </a:pPr>
+                <a:r>
+                  <a:rPr lang="en-US" altLang="zh-CN" sz="622" dirty="0">
+                    <a:latin typeface="+mn-ea"/>
+                    <a:cs typeface="Arial" pitchFamily="34" charset="0"/>
+                  </a:rPr>
+                  <a:t>Use Support Vector Machine and other  Learning Algorithm to show the use case of Partial Consistency</a:t>
+                </a:r>
+              </a:p>
+            </p:txBody>
+          </p:sp>
+        </mc:Choice>
+        <mc:Fallback>
+          <p:sp>
+            <p:nvSpPr>
+              <p:cNvPr id="13" name="矩形 12">
+                <a:extLst>
+                  <a:ext uri="{FF2B5EF4-FFF2-40B4-BE49-F238E27FC236}">
+                    <a16:creationId xmlns:a16="http://schemas.microsoft.com/office/drawing/2014/main" id="{9C2301E4-9D5A-464E-9AC1-A7FC092674A7}"/>
+                  </a:ext>
+                </a:extLst>
+              </p:cNvPr>
+              <p:cNvSpPr>
+                <a:spLocks noRot="1" noChangeAspect="1" noMove="1" noResize="1" noEditPoints="1" noAdjustHandles="1" noChangeArrowheads="1" noChangeShapeType="1" noTextEdit="1"/>
+              </p:cNvSpPr>
+              <p:nvPr/>
+            </p:nvSpPr>
+            <p:spPr bwMode="auto">
+              <a:xfrm>
+                <a:off x="317300" y="2826503"/>
+                <a:ext cx="2793680" cy="2479987"/>
+              </a:xfrm>
+              <a:prstGeom prst="rect">
+                <a:avLst/>
+              </a:prstGeom>
+              <a:blipFill>
+                <a:blip r:embed="rId6"/>
+                <a:stretch>
+                  <a:fillRect/>
+                </a:stretch>
+              </a:blipFill>
+              <a:ln w="9525" cap="flat" cmpd="sng" algn="ctr">
+                <a:solidFill>
+                  <a:schemeClr val="tx1"/>
+                </a:solidFill>
+                <a:prstDash val="solid"/>
+                <a:round/>
+                <a:headEnd type="none" w="med" len="med"/>
+                <a:tailEnd type="none" w="med" len="med"/>
+              </a:ln>
+              <a:effectLst/>
+              <a:extLst/>
+            </p:spPr>
+            <p:txBody>
+              <a:bodyPr/>
+              <a:lstStyle/>
+              <a:p>
+                <a:r>
+                  <a:rPr lang="zh-CN" altLang="en-US">
+                    <a:noFill/>
+                  </a:rPr>
+                  <a:t> </a:t>
+                </a:r>
+              </a:p>
+            </p:txBody>
+          </p:sp>
+        </mc:Fallback>
+      </mc:AlternateContent>
+      <p:sp>
+        <p:nvSpPr>
+          <p:cNvPr id="7" name="矩形 6">
+            <a:extLst>
+              <a:ext uri="{FF2B5EF4-FFF2-40B4-BE49-F238E27FC236}">
+                <a16:creationId xmlns:a16="http://schemas.microsoft.com/office/drawing/2014/main" id="{E8DCC816-52D9-4FDB-BF6B-73AEF2FA817E}"/>
+              </a:ext>
+            </a:extLst>
+          </p:cNvPr>
+          <p:cNvSpPr/>
+          <p:nvPr/>
+        </p:nvSpPr>
+        <p:spPr bwMode="auto">
+          <a:xfrm>
+            <a:off x="256718" y="5833787"/>
+            <a:ext cx="2879502" cy="45719"/>
+          </a:xfrm>
+          <a:prstGeom prst="rect">
+            <a:avLst/>
+          </a:prstGeom>
+          <a:solidFill>
+            <a:schemeClr val="tx1"/>
+          </a:solidFill>
+          <a:ln w="9525" cap="flat" cmpd="sng" algn="ctr">
+            <a:solidFill>
+              <a:schemeClr val="tx1"/>
+            </a:solidFill>
+            <a:prstDash val="solid"/>
+            <a:round/>
+            <a:headEnd type="none" w="med" len="med"/>
+            <a:tailEnd type="none" w="med" len="med"/>
+          </a:ln>
+          <a:effectLst/>
+          <a:extLst/>
+        </p:spPr>
+        <p:txBody>
+          <a:bodyPr vert="horz" wrap="square" lIns="91440" tIns="45720" rIns="91440" bIns="45720" numCol="1" rtlCol="0" anchor="t" anchorCtr="0" compatLnSpc="1">
+            <a:prstTxWarp prst="textNoShape">
+              <a:avLst/>
+            </a:prstTxWarp>
+          </a:bodyPr>
+          <a:lstStyle/>
+          <a:p>
+            <a:pPr marL="0" marR="0" indent="0" algn="l" defTabSz="4703763" rtl="0" eaLnBrk="1" fontAlgn="base" latinLnBrk="0" hangingPunct="1">
+              <a:lnSpc>
+                <a:spcPct val="100000"/>
+              </a:lnSpc>
+              <a:spcBef>
+                <a:spcPct val="0"/>
+              </a:spcBef>
+              <a:spcAft>
+                <a:spcPct val="0"/>
+              </a:spcAft>
+              <a:buClrTx/>
+              <a:buSzTx/>
+              <a:buFontTx/>
+              <a:buNone/>
+              <a:tabLst/>
+            </a:pPr>
+            <a:endParaRPr kumimoji="0" lang="zh-CN" altLang="en-US" sz="4500" b="0" i="0" u="none" strike="noStrike" cap="none" normalizeH="0" baseline="0">
+              <a:ln>
+                <a:noFill/>
+              </a:ln>
+              <a:solidFill>
+                <a:schemeClr val="tx1"/>
+              </a:solidFill>
+              <a:effectLst/>
+              <a:latin typeface="Arial" pitchFamily="34" charset="0"/>
+            </a:endParaRPr>
+          </a:p>
+        </p:txBody>
+      </p:sp>
+      <p:sp>
+        <p:nvSpPr>
+          <p:cNvPr id="40" name="矩形 39">
+            <a:extLst>
+              <a:ext uri="{FF2B5EF4-FFF2-40B4-BE49-F238E27FC236}">
+                <a16:creationId xmlns:a16="http://schemas.microsoft.com/office/drawing/2014/main" id="{FADCA164-F34D-429A-9DFF-7442CEE14B5A}"/>
+              </a:ext>
+            </a:extLst>
+          </p:cNvPr>
+          <p:cNvSpPr/>
+          <p:nvPr/>
+        </p:nvSpPr>
+        <p:spPr bwMode="auto">
+          <a:xfrm>
+            <a:off x="3392938" y="2792390"/>
+            <a:ext cx="2879502" cy="45719"/>
+          </a:xfrm>
+          <a:prstGeom prst="rect">
+            <a:avLst/>
+          </a:prstGeom>
+          <a:solidFill>
+            <a:schemeClr val="tx1"/>
+          </a:solidFill>
+          <a:ln w="9525" cap="flat" cmpd="sng" algn="ctr">
+            <a:solidFill>
+              <a:schemeClr val="tx1"/>
+            </a:solidFill>
+            <a:prstDash val="solid"/>
+            <a:round/>
+            <a:headEnd type="none" w="med" len="med"/>
+            <a:tailEnd type="none" w="med" len="med"/>
+          </a:ln>
+          <a:effectLst/>
+          <a:extLst/>
+        </p:spPr>
+        <p:txBody>
+          <a:bodyPr vert="horz" wrap="square" lIns="91440" tIns="45720" rIns="91440" bIns="45720" numCol="1" rtlCol="0" anchor="t" anchorCtr="0" compatLnSpc="1">
+            <a:prstTxWarp prst="textNoShape">
+              <a:avLst/>
+            </a:prstTxWarp>
+          </a:bodyPr>
+          <a:lstStyle/>
+          <a:p>
+            <a:pPr marL="0" marR="0" indent="0" algn="l" defTabSz="4703763" rtl="0" eaLnBrk="1" fontAlgn="base" latinLnBrk="0" hangingPunct="1">
+              <a:lnSpc>
+                <a:spcPct val="100000"/>
+              </a:lnSpc>
+              <a:spcBef>
+                <a:spcPct val="0"/>
+              </a:spcBef>
+              <a:spcAft>
+                <a:spcPct val="0"/>
+              </a:spcAft>
+              <a:buClrTx/>
+              <a:buSzTx/>
+              <a:buFontTx/>
+              <a:buNone/>
+              <a:tabLst/>
+            </a:pPr>
+            <a:endParaRPr kumimoji="0" lang="zh-CN" altLang="en-US" sz="4500" b="0" i="0" u="none" strike="noStrike" cap="none" normalizeH="0" baseline="0">
+              <a:ln>
+                <a:noFill/>
+              </a:ln>
+              <a:solidFill>
+                <a:schemeClr val="tx1"/>
+              </a:solidFill>
+              <a:effectLst/>
+              <a:latin typeface="Arial" pitchFamily="34" charset="0"/>
+            </a:endParaRPr>
+          </a:p>
+        </p:txBody>
+      </p:sp>
+      <p:sp>
+        <p:nvSpPr>
+          <p:cNvPr id="44" name="矩形 43">
+            <a:extLst>
+              <a:ext uri="{FF2B5EF4-FFF2-40B4-BE49-F238E27FC236}">
+                <a16:creationId xmlns:a16="http://schemas.microsoft.com/office/drawing/2014/main" id="{2573DAB8-956C-406A-9D07-78474151D1BE}"/>
+              </a:ext>
+            </a:extLst>
+          </p:cNvPr>
+          <p:cNvSpPr/>
+          <p:nvPr/>
+        </p:nvSpPr>
+        <p:spPr bwMode="auto">
+          <a:xfrm>
+            <a:off x="3392936" y="4361069"/>
+            <a:ext cx="2879502" cy="45719"/>
+          </a:xfrm>
+          <a:prstGeom prst="rect">
+            <a:avLst/>
+          </a:prstGeom>
+          <a:solidFill>
+            <a:schemeClr val="tx1"/>
+          </a:solidFill>
+          <a:ln w="9525" cap="flat" cmpd="sng" algn="ctr">
+            <a:solidFill>
+              <a:schemeClr val="tx1"/>
+            </a:solidFill>
+            <a:prstDash val="solid"/>
+            <a:round/>
+            <a:headEnd type="none" w="med" len="med"/>
+            <a:tailEnd type="none" w="med" len="med"/>
+          </a:ln>
+          <a:effectLst/>
+          <a:extLst/>
+        </p:spPr>
+        <p:txBody>
+          <a:bodyPr vert="horz" wrap="square" lIns="91440" tIns="45720" rIns="91440" bIns="45720" numCol="1" rtlCol="0" anchor="t" anchorCtr="0" compatLnSpc="1">
+            <a:prstTxWarp prst="textNoShape">
+              <a:avLst/>
+            </a:prstTxWarp>
+          </a:bodyPr>
+          <a:lstStyle/>
+          <a:p>
+            <a:pPr marL="0" marR="0" indent="0" algn="l" defTabSz="4703763" rtl="0" eaLnBrk="1" fontAlgn="base" latinLnBrk="0" hangingPunct="1">
+              <a:lnSpc>
+                <a:spcPct val="100000"/>
+              </a:lnSpc>
+              <a:spcBef>
+                <a:spcPct val="0"/>
+              </a:spcBef>
+              <a:spcAft>
+                <a:spcPct val="0"/>
+              </a:spcAft>
+              <a:buClrTx/>
+              <a:buSzTx/>
+              <a:buFontTx/>
+              <a:buNone/>
+              <a:tabLst/>
+            </a:pPr>
+            <a:endParaRPr kumimoji="0" lang="zh-CN" altLang="en-US" sz="4500" b="0" i="0" u="none" strike="noStrike" cap="none" normalizeH="0" baseline="0">
+              <a:ln>
+                <a:noFill/>
+              </a:ln>
+              <a:solidFill>
+                <a:schemeClr val="tx1"/>
+              </a:solidFill>
+              <a:effectLst/>
+              <a:latin typeface="Arial" pitchFamily="34" charset="0"/>
+            </a:endParaRPr>
+          </a:p>
+        </p:txBody>
+      </p:sp>
+      <p:sp>
+        <p:nvSpPr>
+          <p:cNvPr id="45" name="矩形 44">
+            <a:extLst>
+              <a:ext uri="{FF2B5EF4-FFF2-40B4-BE49-F238E27FC236}">
+                <a16:creationId xmlns:a16="http://schemas.microsoft.com/office/drawing/2014/main" id="{92FABE9A-DEB6-431F-8FB4-00D0E6BF7FFC}"/>
+              </a:ext>
+            </a:extLst>
+          </p:cNvPr>
+          <p:cNvSpPr/>
+          <p:nvPr/>
+        </p:nvSpPr>
+        <p:spPr bwMode="auto">
+          <a:xfrm>
+            <a:off x="3405019" y="8288165"/>
+            <a:ext cx="2879502" cy="45719"/>
+          </a:xfrm>
+          <a:prstGeom prst="rect">
+            <a:avLst/>
+          </a:prstGeom>
+          <a:solidFill>
+            <a:schemeClr val="tx1"/>
+          </a:solidFill>
+          <a:ln w="9525" cap="flat" cmpd="sng" algn="ctr">
+            <a:solidFill>
+              <a:schemeClr val="tx1"/>
+            </a:solidFill>
+            <a:prstDash val="solid"/>
+            <a:round/>
+            <a:headEnd type="none" w="med" len="med"/>
+            <a:tailEnd type="none" w="med" len="med"/>
+          </a:ln>
+          <a:effectLst/>
+          <a:extLst/>
+        </p:spPr>
+        <p:txBody>
+          <a:bodyPr vert="horz" wrap="square" lIns="91440" tIns="45720" rIns="91440" bIns="45720" numCol="1" rtlCol="0" anchor="t" anchorCtr="0" compatLnSpc="1">
+            <a:prstTxWarp prst="textNoShape">
+              <a:avLst/>
+            </a:prstTxWarp>
+          </a:bodyPr>
+          <a:lstStyle/>
+          <a:p>
+            <a:pPr marL="0" marR="0" indent="0" algn="l" defTabSz="4703763" rtl="0" eaLnBrk="1" fontAlgn="base" latinLnBrk="0" hangingPunct="1">
+              <a:lnSpc>
+                <a:spcPct val="100000"/>
+              </a:lnSpc>
+              <a:spcBef>
+                <a:spcPct val="0"/>
+              </a:spcBef>
+              <a:spcAft>
+                <a:spcPct val="0"/>
+              </a:spcAft>
+              <a:buClrTx/>
+              <a:buSzTx/>
+              <a:buFontTx/>
+              <a:buNone/>
+              <a:tabLst/>
+            </a:pPr>
+            <a:endParaRPr kumimoji="0" lang="zh-CN" altLang="en-US" sz="4500" b="0" i="0" u="none" strike="noStrike" cap="none" normalizeH="0" baseline="0">
+              <a:ln>
+                <a:noFill/>
+              </a:ln>
+              <a:solidFill>
+                <a:schemeClr val="tx1"/>
+              </a:solidFill>
+              <a:effectLst/>
+              <a:latin typeface="Arial" pitchFamily="34" charset="0"/>
+            </a:endParaRPr>
+          </a:p>
+        </p:txBody>
+      </p:sp>
+      <p:sp>
+        <p:nvSpPr>
+          <p:cNvPr id="46" name="矩形 45">
+            <a:extLst>
+              <a:ext uri="{FF2B5EF4-FFF2-40B4-BE49-F238E27FC236}">
+                <a16:creationId xmlns:a16="http://schemas.microsoft.com/office/drawing/2014/main" id="{F46CC936-4F2B-42C0-912C-FD5E17EBB595}"/>
+              </a:ext>
+            </a:extLst>
+          </p:cNvPr>
+          <p:cNvSpPr/>
+          <p:nvPr/>
+        </p:nvSpPr>
+        <p:spPr bwMode="auto">
+          <a:xfrm>
+            <a:off x="6529159" y="5381320"/>
+            <a:ext cx="2879502" cy="45719"/>
+          </a:xfrm>
+          <a:prstGeom prst="rect">
+            <a:avLst/>
+          </a:prstGeom>
+          <a:solidFill>
+            <a:schemeClr val="tx1"/>
+          </a:solidFill>
+          <a:ln w="9525" cap="flat" cmpd="sng" algn="ctr">
+            <a:solidFill>
+              <a:schemeClr val="tx1"/>
+            </a:solidFill>
+            <a:prstDash val="solid"/>
+            <a:round/>
+            <a:headEnd type="none" w="med" len="med"/>
+            <a:tailEnd type="none" w="med" len="med"/>
+          </a:ln>
+          <a:effectLst/>
+          <a:extLst/>
+        </p:spPr>
+        <p:txBody>
+          <a:bodyPr vert="horz" wrap="square" lIns="91440" tIns="45720" rIns="91440" bIns="45720" numCol="1" rtlCol="0" anchor="t" anchorCtr="0" compatLnSpc="1">
+            <a:prstTxWarp prst="textNoShape">
+              <a:avLst/>
+            </a:prstTxWarp>
+          </a:bodyPr>
+          <a:lstStyle/>
+          <a:p>
+            <a:pPr marL="0" marR="0" indent="0" algn="l" defTabSz="4703763" rtl="0" eaLnBrk="1" fontAlgn="base" latinLnBrk="0" hangingPunct="1">
+              <a:lnSpc>
+                <a:spcPct val="100000"/>
+              </a:lnSpc>
+              <a:spcBef>
+                <a:spcPct val="0"/>
+              </a:spcBef>
+              <a:spcAft>
+                <a:spcPct val="0"/>
+              </a:spcAft>
+              <a:buClrTx/>
+              <a:buSzTx/>
+              <a:buFontTx/>
+              <a:buNone/>
+              <a:tabLst/>
+            </a:pPr>
+            <a:endParaRPr kumimoji="0" lang="zh-CN" altLang="en-US" sz="4500" b="0" i="0" u="none" strike="noStrike" cap="none" normalizeH="0" baseline="0">
+              <a:ln>
+                <a:noFill/>
+              </a:ln>
+              <a:solidFill>
+                <a:schemeClr val="tx1"/>
+              </a:solidFill>
+              <a:effectLst/>
+              <a:latin typeface="Arial" pitchFamily="34" charset="0"/>
+            </a:endParaRPr>
+          </a:p>
+        </p:txBody>
+      </p:sp>
+      <p:sp>
+        <p:nvSpPr>
+          <p:cNvPr id="47" name="矩形 46">
+            <a:extLst>
+              <a:ext uri="{FF2B5EF4-FFF2-40B4-BE49-F238E27FC236}">
+                <a16:creationId xmlns:a16="http://schemas.microsoft.com/office/drawing/2014/main" id="{D4405DE5-F99C-4AE1-9526-177B55D517E8}"/>
+              </a:ext>
+            </a:extLst>
+          </p:cNvPr>
+          <p:cNvSpPr/>
+          <p:nvPr/>
+        </p:nvSpPr>
+        <p:spPr bwMode="auto">
+          <a:xfrm>
+            <a:off x="9748645" y="2818715"/>
+            <a:ext cx="2879502" cy="45719"/>
+          </a:xfrm>
+          <a:prstGeom prst="rect">
+            <a:avLst/>
+          </a:prstGeom>
+          <a:solidFill>
+            <a:schemeClr val="tx1"/>
+          </a:solidFill>
+          <a:ln w="9525" cap="flat" cmpd="sng" algn="ctr">
+            <a:solidFill>
+              <a:schemeClr val="tx1"/>
+            </a:solidFill>
+            <a:prstDash val="solid"/>
+            <a:round/>
+            <a:headEnd type="none" w="med" len="med"/>
+            <a:tailEnd type="none" w="med" len="med"/>
+          </a:ln>
+          <a:effectLst/>
+          <a:extLst/>
+        </p:spPr>
+        <p:txBody>
+          <a:bodyPr vert="horz" wrap="square" lIns="91440" tIns="45720" rIns="91440" bIns="45720" numCol="1" rtlCol="0" anchor="t" anchorCtr="0" compatLnSpc="1">
+            <a:prstTxWarp prst="textNoShape">
+              <a:avLst/>
+            </a:prstTxWarp>
+          </a:bodyPr>
+          <a:lstStyle/>
+          <a:p>
+            <a:pPr marL="0" marR="0" indent="0" algn="l" defTabSz="4703763" rtl="0" eaLnBrk="1" fontAlgn="base" latinLnBrk="0" hangingPunct="1">
+              <a:lnSpc>
+                <a:spcPct val="100000"/>
+              </a:lnSpc>
+              <a:spcBef>
+                <a:spcPct val="0"/>
+              </a:spcBef>
+              <a:spcAft>
+                <a:spcPct val="0"/>
+              </a:spcAft>
+              <a:buClrTx/>
+              <a:buSzTx/>
+              <a:buFontTx/>
+              <a:buNone/>
+              <a:tabLst/>
+            </a:pPr>
+            <a:endParaRPr kumimoji="0" lang="zh-CN" altLang="en-US" sz="4500" b="0" i="0" u="none" strike="noStrike" cap="none" normalizeH="0" baseline="0">
+              <a:ln>
+                <a:noFill/>
+              </a:ln>
+              <a:solidFill>
+                <a:schemeClr val="tx1"/>
+              </a:solidFill>
+              <a:effectLst/>
+              <a:latin typeface="Arial" pitchFamily="34" charset="0"/>
+            </a:endParaRPr>
+          </a:p>
+        </p:txBody>
+      </p:sp>
+      <p:pic>
+        <p:nvPicPr>
+          <p:cNvPr id="20" name="图片 19">
+            <a:extLst>
+              <a:ext uri="{FF2B5EF4-FFF2-40B4-BE49-F238E27FC236}">
+                <a16:creationId xmlns:a16="http://schemas.microsoft.com/office/drawing/2014/main" id="{422E4F0A-C29B-4861-B3D0-12A4EC0C0F96}"/>
+              </a:ext>
+            </a:extLst>
+          </p:cNvPr>
+          <p:cNvPicPr>
+            <a:picLocks noChangeAspect="1"/>
+          </p:cNvPicPr>
+          <p:nvPr/>
+        </p:nvPicPr>
+        <p:blipFill>
+          <a:blip r:embed="rId7" cstate="print">
+            <a:extLst>
+              <a:ext uri="{28A0092B-C50C-407E-A947-70E740481C1C}">
+                <a14:useLocalDpi xmlns:a14="http://schemas.microsoft.com/office/drawing/2010/main" val="0"/>
+              </a:ext>
+            </a:extLst>
+          </a:blip>
+          <a:stretch>
+            <a:fillRect/>
+          </a:stretch>
+        </p:blipFill>
+        <p:spPr>
+          <a:xfrm>
+            <a:off x="342227" y="6410566"/>
+            <a:ext cx="2743825" cy="1371913"/>
+          </a:xfrm>
+          <a:prstGeom prst="rect">
+            <a:avLst/>
+          </a:prstGeom>
+        </p:spPr>
+      </p:pic>
+      <p:pic>
+        <p:nvPicPr>
+          <p:cNvPr id="25" name="图片 24">
+            <a:extLst>
+              <a:ext uri="{FF2B5EF4-FFF2-40B4-BE49-F238E27FC236}">
+                <a16:creationId xmlns:a16="http://schemas.microsoft.com/office/drawing/2014/main" id="{656BAC83-D6E6-41D9-9819-0C66CB845391}"/>
+              </a:ext>
+            </a:extLst>
+          </p:cNvPr>
+          <p:cNvPicPr>
+            <a:picLocks noChangeAspect="1"/>
+          </p:cNvPicPr>
+          <p:nvPr/>
+        </p:nvPicPr>
+        <p:blipFill>
+          <a:blip r:embed="rId8" cstate="print">
+            <a:extLst>
+              <a:ext uri="{28A0092B-C50C-407E-A947-70E740481C1C}">
+                <a14:useLocalDpi xmlns:a14="http://schemas.microsoft.com/office/drawing/2010/main" val="0"/>
+              </a:ext>
+            </a:extLst>
+          </a:blip>
+          <a:stretch>
+            <a:fillRect/>
+          </a:stretch>
+        </p:blipFill>
+        <p:spPr>
+          <a:xfrm>
+            <a:off x="3760299" y="5716970"/>
+            <a:ext cx="2144773" cy="899492"/>
+          </a:xfrm>
+          <a:prstGeom prst="rect">
+            <a:avLst/>
+          </a:prstGeom>
+        </p:spPr>
+      </p:pic>
+      <p:sp>
+        <p:nvSpPr>
+          <p:cNvPr id="33" name="TextBox 19">
+            <a:extLst>
+              <a:ext uri="{FF2B5EF4-FFF2-40B4-BE49-F238E27FC236}">
+                <a16:creationId xmlns:a16="http://schemas.microsoft.com/office/drawing/2014/main" id="{FF2F571A-8468-4841-97BD-AF3113CCD9A9}"/>
               </a:ext>
             </a:extLst>
           </p:cNvPr>
@@ -5068,8 +10271,8 @@
         </p:nvSpPr>
         <p:spPr bwMode="auto">
           <a:xfrm>
-            <a:off x="660132" y="13356196"/>
-            <a:ext cx="7404433" cy="326229"/>
+            <a:off x="3392936" y="8331850"/>
+            <a:ext cx="2879502" cy="126847"/>
           </a:xfrm>
           <a:prstGeom prst="rect">
             <a:avLst/>
@@ -5099,7 +10302,7 @@
           </a:extLst>
         </p:spPr>
         <p:txBody>
-          <a:bodyPr wrap="square" lIns="60945" tIns="30473" rIns="60945" bIns="30473">
+          <a:bodyPr wrap="square" lIns="23701" tIns="11851" rIns="23701" bIns="11851">
             <a:spAutoFit/>
           </a:bodyPr>
           <a:lstStyle>
@@ -5219,1280 +10422,21 @@
               </a:lnSpc>
             </a:pPr>
             <a:r>
-              <a:rPr lang="en-US" sz="1600">
+              <a:rPr lang="en-US" sz="622" dirty="0">
                 <a:latin typeface="Titillium Web" panose="00000500000000000000" pitchFamily="2" charset="0"/>
                 <a:cs typeface="Arial" pitchFamily="34" charset="0"/>
               </a:rPr>
-              <a:t>Add your information, graphs and images to this section.</a:t>
+              <a:t>Rand Index measure the difference between two partition on the same data set. </a:t>
             </a:r>
           </a:p>
         </p:txBody>
       </p:sp>
-      <p:sp>
-        <p:nvSpPr>
-          <p:cNvPr id="31" name="TextBox 19">
-            <a:extLst>
-              <a:ext uri="{FF2B5EF4-FFF2-40B4-BE49-F238E27FC236}">
-                <a16:creationId xmlns:a16="http://schemas.microsoft.com/office/drawing/2014/main" id="{C2BCD34B-62AE-4E64-9D21-E50C4B9B1350}"/>
-              </a:ext>
-            </a:extLst>
-          </p:cNvPr>
-          <p:cNvSpPr txBox="1">
-            <a:spLocks noChangeArrowheads="1"/>
-          </p:cNvSpPr>
-          <p:nvPr/>
-        </p:nvSpPr>
-        <p:spPr bwMode="auto">
-          <a:xfrm>
-            <a:off x="24853833" y="16713513"/>
-            <a:ext cx="7404434" cy="326229"/>
-          </a:xfrm>
-          <a:prstGeom prst="rect">
-            <a:avLst/>
-          </a:prstGeom>
-          <a:noFill/>
-          <a:ln>
-            <a:noFill/>
-          </a:ln>
-          <a:extLst>
-            <a:ext uri="{909E8E84-426E-40DD-AFC4-6F175D3DCCD1}">
-              <a14:hiddenFill xmlns:a14="http://schemas.microsoft.com/office/drawing/2010/main">
-                <a:solidFill>
-                  <a:srgbClr val="FFFFFF"/>
-                </a:solidFill>
-              </a14:hiddenFill>
-            </a:ext>
-            <a:ext uri="{91240B29-F687-4F45-9708-019B960494DF}">
-              <a14:hiddenLine xmlns:a14="http://schemas.microsoft.com/office/drawing/2010/main" w="9525">
-                <a:solidFill>
-                  <a:srgbClr val="000000"/>
-                </a:solidFill>
-                <a:miter lim="800000"/>
-                <a:headEnd/>
-                <a:tailEnd/>
-              </a14:hiddenLine>
-            </a:ext>
-          </a:extLst>
-        </p:spPr>
-        <p:txBody>
-          <a:bodyPr wrap="square" lIns="60945" tIns="30473" rIns="60945" bIns="30473">
-            <a:spAutoFit/>
-          </a:bodyPr>
-          <a:lstStyle>
-            <a:defPPr>
-              <a:defRPr kern="1200" smtId="4294967295"/>
-            </a:defPPr>
-            <a:lvl1pPr eaLnBrk="0" hangingPunct="0">
-              <a:defRPr sz="2000">
-                <a:solidFill>
-                  <a:schemeClr val="tx1"/>
-                </a:solidFill>
-                <a:latin typeface="Arial"/>
-                <a:ea typeface="ＭＳ Ｐゴシック" pitchFamily="-106" charset="-128"/>
-              </a:defRPr>
-            </a:lvl1pPr>
-            <a:lvl2pPr eaLnBrk="0" hangingPunct="0">
-              <a:defRPr sz="2000">
-                <a:solidFill>
-                  <a:schemeClr val="tx1"/>
-                </a:solidFill>
-                <a:latin typeface="Arial"/>
-                <a:ea typeface="ＭＳ Ｐゴシック" pitchFamily="-106" charset="-128"/>
-              </a:defRPr>
-            </a:lvl2pPr>
-            <a:lvl3pPr marL="1143000" indent="-228600" eaLnBrk="0" hangingPunct="0">
-              <a:defRPr sz="2000">
-                <a:solidFill>
-                  <a:schemeClr val="tx1"/>
-                </a:solidFill>
-                <a:latin typeface="Arial"/>
-                <a:ea typeface="ＭＳ Ｐゴシック" pitchFamily="-106" charset="-128"/>
-              </a:defRPr>
-            </a:lvl3pPr>
-            <a:lvl4pPr marL="1600200" indent="-228600" eaLnBrk="0" hangingPunct="0">
-              <a:defRPr sz="2000">
-                <a:solidFill>
-                  <a:schemeClr val="tx1"/>
-                </a:solidFill>
-                <a:latin typeface="Arial"/>
-                <a:ea typeface="ＭＳ Ｐゴシック" pitchFamily="-106" charset="-128"/>
-              </a:defRPr>
-            </a:lvl4pPr>
-            <a:lvl5pPr marL="2057400" indent="-228600" eaLnBrk="0" hangingPunct="0">
-              <a:defRPr sz="2000">
-                <a:solidFill>
-                  <a:schemeClr val="tx1"/>
-                </a:solidFill>
-                <a:latin typeface="Arial"/>
-                <a:ea typeface="ＭＳ Ｐゴシック" pitchFamily="-106" charset="-128"/>
-              </a:defRPr>
-            </a:lvl5pPr>
-            <a:lvl6pPr marL="2514600" indent="-228600" eaLnBrk="0" fontAlgn="base" hangingPunct="0">
-              <a:spcBef>
-                <a:spcPct val="0"/>
-              </a:spcBef>
-              <a:spcAft>
-                <a:spcPct val="0"/>
-              </a:spcAft>
-              <a:defRPr sz="2000">
-                <a:solidFill>
-                  <a:schemeClr val="tx1"/>
-                </a:solidFill>
-                <a:latin typeface="Arial"/>
-                <a:ea typeface="ＭＳ Ｐゴシック" pitchFamily="-106" charset="-128"/>
-              </a:defRPr>
-            </a:lvl6pPr>
-            <a:lvl7pPr marL="2971800" indent="-228600" eaLnBrk="0" fontAlgn="base" hangingPunct="0">
-              <a:spcBef>
-                <a:spcPct val="0"/>
-              </a:spcBef>
-              <a:spcAft>
-                <a:spcPct val="0"/>
-              </a:spcAft>
-              <a:defRPr sz="2000">
-                <a:solidFill>
-                  <a:schemeClr val="tx1"/>
-                </a:solidFill>
-                <a:latin typeface="Arial"/>
-                <a:ea typeface="ＭＳ Ｐゴシック" pitchFamily="-106" charset="-128"/>
-              </a:defRPr>
-            </a:lvl7pPr>
-            <a:lvl8pPr marL="3429000" indent="-228600" eaLnBrk="0" fontAlgn="base" hangingPunct="0">
-              <a:spcBef>
-                <a:spcPct val="0"/>
-              </a:spcBef>
-              <a:spcAft>
-                <a:spcPct val="0"/>
-              </a:spcAft>
-              <a:defRPr sz="2000">
-                <a:solidFill>
-                  <a:schemeClr val="tx1"/>
-                </a:solidFill>
-                <a:latin typeface="Arial"/>
-                <a:ea typeface="ＭＳ Ｐゴシック" pitchFamily="-106" charset="-128"/>
-              </a:defRPr>
-            </a:lvl8pPr>
-            <a:lvl9pPr marL="3886200" indent="-228600" eaLnBrk="0" fontAlgn="base" hangingPunct="0">
-              <a:spcBef>
-                <a:spcPct val="0"/>
-              </a:spcBef>
-              <a:spcAft>
-                <a:spcPct val="0"/>
-              </a:spcAft>
-              <a:defRPr sz="2000">
-                <a:solidFill>
-                  <a:schemeClr val="tx1"/>
-                </a:solidFill>
-                <a:latin typeface="Arial"/>
-                <a:ea typeface="ＭＳ Ｐゴシック" pitchFamily="-106" charset="-128"/>
-              </a:defRPr>
-            </a:lvl9pPr>
-          </a:lstStyle>
-          <a:p>
-            <a:pPr algn="just">
-              <a:lnSpc>
-                <a:spcPct val="110000"/>
-              </a:lnSpc>
-            </a:pPr>
-            <a:r>
-              <a:rPr lang="en-US" sz="1600">
-                <a:latin typeface="Titillium Web" panose="00000500000000000000" pitchFamily="2" charset="0"/>
-                <a:cs typeface="Arial" pitchFamily="34" charset="0"/>
-              </a:rPr>
-              <a:t>Add your information, graphs and images to this section.</a:t>
-            </a:r>
-          </a:p>
-        </p:txBody>
-      </p:sp>
-      <p:sp>
-        <p:nvSpPr>
-          <p:cNvPr id="29" name="TextBox 19">
-            <a:extLst>
-              <a:ext uri="{FF2B5EF4-FFF2-40B4-BE49-F238E27FC236}">
-                <a16:creationId xmlns:a16="http://schemas.microsoft.com/office/drawing/2014/main" id="{61C38A20-F85F-4744-B6CC-BB3A40663090}"/>
-              </a:ext>
-            </a:extLst>
-          </p:cNvPr>
-          <p:cNvSpPr txBox="1">
-            <a:spLocks noChangeArrowheads="1"/>
-          </p:cNvSpPr>
-          <p:nvPr/>
-        </p:nvSpPr>
-        <p:spPr bwMode="auto">
-          <a:xfrm>
-            <a:off x="16789267" y="13269237"/>
-            <a:ext cx="7404434" cy="326229"/>
-          </a:xfrm>
-          <a:prstGeom prst="rect">
-            <a:avLst/>
-          </a:prstGeom>
-          <a:noFill/>
-          <a:ln>
-            <a:noFill/>
-          </a:ln>
-          <a:extLst>
-            <a:ext uri="{909E8E84-426E-40DD-AFC4-6F175D3DCCD1}">
-              <a14:hiddenFill xmlns:a14="http://schemas.microsoft.com/office/drawing/2010/main">
-                <a:solidFill>
-                  <a:srgbClr val="FFFFFF"/>
-                </a:solidFill>
-              </a14:hiddenFill>
-            </a:ext>
-            <a:ext uri="{91240B29-F687-4F45-9708-019B960494DF}">
-              <a14:hiddenLine xmlns:a14="http://schemas.microsoft.com/office/drawing/2010/main" w="9525">
-                <a:solidFill>
-                  <a:srgbClr val="000000"/>
-                </a:solidFill>
-                <a:miter lim="800000"/>
-                <a:headEnd/>
-                <a:tailEnd/>
-              </a14:hiddenLine>
-            </a:ext>
-          </a:extLst>
-        </p:spPr>
-        <p:txBody>
-          <a:bodyPr wrap="square" lIns="60945" tIns="30473" rIns="60945" bIns="30473">
-            <a:spAutoFit/>
-          </a:bodyPr>
-          <a:lstStyle>
-            <a:defPPr>
-              <a:defRPr kern="1200" smtId="4294967295"/>
-            </a:defPPr>
-            <a:lvl1pPr eaLnBrk="0" hangingPunct="0">
-              <a:defRPr sz="2000">
-                <a:solidFill>
-                  <a:schemeClr val="tx1"/>
-                </a:solidFill>
-                <a:latin typeface="Arial"/>
-                <a:ea typeface="ＭＳ Ｐゴシック" pitchFamily="-106" charset="-128"/>
-              </a:defRPr>
-            </a:lvl1pPr>
-            <a:lvl2pPr eaLnBrk="0" hangingPunct="0">
-              <a:defRPr sz="2000">
-                <a:solidFill>
-                  <a:schemeClr val="tx1"/>
-                </a:solidFill>
-                <a:latin typeface="Arial"/>
-                <a:ea typeface="ＭＳ Ｐゴシック" pitchFamily="-106" charset="-128"/>
-              </a:defRPr>
-            </a:lvl2pPr>
-            <a:lvl3pPr marL="1143000" indent="-228600" eaLnBrk="0" hangingPunct="0">
-              <a:defRPr sz="2000">
-                <a:solidFill>
-                  <a:schemeClr val="tx1"/>
-                </a:solidFill>
-                <a:latin typeface="Arial"/>
-                <a:ea typeface="ＭＳ Ｐゴシック" pitchFamily="-106" charset="-128"/>
-              </a:defRPr>
-            </a:lvl3pPr>
-            <a:lvl4pPr marL="1600200" indent="-228600" eaLnBrk="0" hangingPunct="0">
-              <a:defRPr sz="2000">
-                <a:solidFill>
-                  <a:schemeClr val="tx1"/>
-                </a:solidFill>
-                <a:latin typeface="Arial"/>
-                <a:ea typeface="ＭＳ Ｐゴシック" pitchFamily="-106" charset="-128"/>
-              </a:defRPr>
-            </a:lvl4pPr>
-            <a:lvl5pPr marL="2057400" indent="-228600" eaLnBrk="0" hangingPunct="0">
-              <a:defRPr sz="2000">
-                <a:solidFill>
-                  <a:schemeClr val="tx1"/>
-                </a:solidFill>
-                <a:latin typeface="Arial"/>
-                <a:ea typeface="ＭＳ Ｐゴシック" pitchFamily="-106" charset="-128"/>
-              </a:defRPr>
-            </a:lvl5pPr>
-            <a:lvl6pPr marL="2514600" indent="-228600" eaLnBrk="0" fontAlgn="base" hangingPunct="0">
-              <a:spcBef>
-                <a:spcPct val="0"/>
-              </a:spcBef>
-              <a:spcAft>
-                <a:spcPct val="0"/>
-              </a:spcAft>
-              <a:defRPr sz="2000">
-                <a:solidFill>
-                  <a:schemeClr val="tx1"/>
-                </a:solidFill>
-                <a:latin typeface="Arial"/>
-                <a:ea typeface="ＭＳ Ｐゴシック" pitchFamily="-106" charset="-128"/>
-              </a:defRPr>
-            </a:lvl6pPr>
-            <a:lvl7pPr marL="2971800" indent="-228600" eaLnBrk="0" fontAlgn="base" hangingPunct="0">
-              <a:spcBef>
-                <a:spcPct val="0"/>
-              </a:spcBef>
-              <a:spcAft>
-                <a:spcPct val="0"/>
-              </a:spcAft>
-              <a:defRPr sz="2000">
-                <a:solidFill>
-                  <a:schemeClr val="tx1"/>
-                </a:solidFill>
-                <a:latin typeface="Arial"/>
-                <a:ea typeface="ＭＳ Ｐゴシック" pitchFamily="-106" charset="-128"/>
-              </a:defRPr>
-            </a:lvl7pPr>
-            <a:lvl8pPr marL="3429000" indent="-228600" eaLnBrk="0" fontAlgn="base" hangingPunct="0">
-              <a:spcBef>
-                <a:spcPct val="0"/>
-              </a:spcBef>
-              <a:spcAft>
-                <a:spcPct val="0"/>
-              </a:spcAft>
-              <a:defRPr sz="2000">
-                <a:solidFill>
-                  <a:schemeClr val="tx1"/>
-                </a:solidFill>
-                <a:latin typeface="Arial"/>
-                <a:ea typeface="ＭＳ Ｐゴシック" pitchFamily="-106" charset="-128"/>
-              </a:defRPr>
-            </a:lvl8pPr>
-            <a:lvl9pPr marL="3886200" indent="-228600" eaLnBrk="0" fontAlgn="base" hangingPunct="0">
-              <a:spcBef>
-                <a:spcPct val="0"/>
-              </a:spcBef>
-              <a:spcAft>
-                <a:spcPct val="0"/>
-              </a:spcAft>
-              <a:defRPr sz="2000">
-                <a:solidFill>
-                  <a:schemeClr val="tx1"/>
-                </a:solidFill>
-                <a:latin typeface="Arial"/>
-                <a:ea typeface="ＭＳ Ｐゴシック" pitchFamily="-106" charset="-128"/>
-              </a:defRPr>
-            </a:lvl9pPr>
-          </a:lstStyle>
-          <a:p>
-            <a:pPr algn="just">
-              <a:lnSpc>
-                <a:spcPct val="110000"/>
-              </a:lnSpc>
-            </a:pPr>
-            <a:r>
-              <a:rPr lang="en-US" sz="1600">
-                <a:latin typeface="Titillium Web" panose="00000500000000000000" pitchFamily="2" charset="0"/>
-                <a:cs typeface="Arial" pitchFamily="34" charset="0"/>
-              </a:rPr>
-              <a:t>Add your information, graphs and images to this section.</a:t>
-            </a:r>
-          </a:p>
-        </p:txBody>
-      </p:sp>
-      <p:grpSp>
-        <p:nvGrpSpPr>
-          <p:cNvPr id="3" name="Group 2">
-            <a:extLst>
-              <a:ext uri="{FF2B5EF4-FFF2-40B4-BE49-F238E27FC236}">
-                <a16:creationId xmlns:a16="http://schemas.microsoft.com/office/drawing/2014/main" id="{8C354B11-DCEC-40C7-A41E-85119B81BDE3}"/>
-              </a:ext>
-            </a:extLst>
-          </p:cNvPr>
-          <p:cNvGrpSpPr/>
-          <p:nvPr/>
-        </p:nvGrpSpPr>
-        <p:grpSpPr>
-          <a:xfrm>
-            <a:off x="16783276" y="12724855"/>
-            <a:ext cx="2371456" cy="461665"/>
-            <a:chOff x="21945600" y="19087283"/>
-            <a:chExt cx="3557185" cy="692498"/>
-          </a:xfrm>
-        </p:grpSpPr>
-        <p:sp>
-          <p:nvSpPr>
-            <p:cNvPr id="39" name="TextBox 38">
-              <a:extLst>
-                <a:ext uri="{FF2B5EF4-FFF2-40B4-BE49-F238E27FC236}">
-                  <a16:creationId xmlns:a16="http://schemas.microsoft.com/office/drawing/2014/main" id="{CD78A31B-3E41-4A83-94E1-8D455D061FD9}"/>
-                </a:ext>
-              </a:extLst>
-            </p:cNvPr>
-            <p:cNvSpPr txBox="1"/>
-            <p:nvPr/>
-          </p:nvSpPr>
-          <p:spPr>
-            <a:xfrm>
-              <a:off x="22402800" y="19087283"/>
-              <a:ext cx="3099985" cy="692498"/>
-            </a:xfrm>
-            <a:prstGeom prst="rect">
-              <a:avLst/>
-            </a:prstGeom>
-            <a:ln>
-              <a:noFill/>
-            </a:ln>
-            <a:effectLst/>
-          </p:spPr>
-          <p:style>
-            <a:lnRef idx="2">
-              <a:schemeClr val="dk1"/>
-            </a:lnRef>
-            <a:fillRef idx="1">
-              <a:schemeClr val="lt1"/>
-            </a:fillRef>
-            <a:effectRef idx="0">
-              <a:schemeClr val="dk1"/>
-            </a:effectRef>
-            <a:fontRef idx="minor">
-              <a:schemeClr val="dk1"/>
-            </a:fontRef>
-          </p:style>
-          <p:txBody>
-            <a:bodyPr wrap="none" lIns="182880" rIns="182880" rtlCol="0">
-              <a:spAutoFit/>
-            </a:bodyPr>
-            <a:lstStyle/>
-            <a:p>
-              <a:pPr defTabSz="3135215">
-                <a:defRPr/>
-              </a:pPr>
-              <a:r>
-                <a:rPr lang="en-US" sz="2400">
-                  <a:solidFill>
-                    <a:srgbClr val="A33B3B"/>
-                  </a:solidFill>
-                  <a:latin typeface="Amaranth" panose="02000503050000020004" pitchFamily="2" charset="0"/>
-                </a:rPr>
-                <a:t>CONCLUSION</a:t>
-              </a:r>
-            </a:p>
-          </p:txBody>
-        </p:sp>
-        <p:sp>
-          <p:nvSpPr>
-            <p:cNvPr id="2" name="Rectangle 1">
-              <a:extLst>
-                <a:ext uri="{FF2B5EF4-FFF2-40B4-BE49-F238E27FC236}">
-                  <a16:creationId xmlns:a16="http://schemas.microsoft.com/office/drawing/2014/main" id="{09B14B9E-7604-4C9B-B7A6-C71BF8AE4D20}"/>
-                </a:ext>
-              </a:extLst>
-            </p:cNvPr>
-            <p:cNvSpPr/>
-            <p:nvPr/>
-          </p:nvSpPr>
-          <p:spPr bwMode="auto">
-            <a:xfrm>
-              <a:off x="21945600" y="19087283"/>
-              <a:ext cx="457200" cy="646331"/>
-            </a:xfrm>
-            <a:prstGeom prst="rect">
-              <a:avLst/>
-            </a:prstGeom>
-            <a:solidFill>
-              <a:srgbClr val="A33B3B"/>
-            </a:solidFill>
-            <a:ln w="9525" cap="flat" cmpd="sng" algn="ctr">
-              <a:noFill/>
-              <a:prstDash val="solid"/>
-              <a:round/>
-              <a:headEnd type="none" w="med" len="med"/>
-              <a:tailEnd type="none" w="med" len="med"/>
-            </a:ln>
-            <a:effectLst/>
-            <a:extLst/>
-          </p:spPr>
-          <p:txBody>
-            <a:bodyPr rot="0" spcFirstLastPara="0" vertOverflow="overflow" horzOverflow="overflow" vert="horz" wrap="square" lIns="60960" tIns="30480" rIns="60960" bIns="30480" numCol="1" spcCol="0" rtlCol="0" fromWordArt="0" anchor="t" anchorCtr="0" forceAA="0" compatLnSpc="1">
-              <a:prstTxWarp prst="textNoShape">
-                <a:avLst/>
-              </a:prstTxWarp>
-              <a:noAutofit/>
-            </a:bodyPr>
-            <a:lstStyle/>
-            <a:p>
-              <a:pPr defTabSz="3135999"/>
-              <a:endParaRPr lang="en-US" sz="3000">
-                <a:latin typeface="Arial" pitchFamily="34" charset="0"/>
-              </a:endParaRPr>
-            </a:p>
-          </p:txBody>
-        </p:sp>
-      </p:grpSp>
-      <p:grpSp>
-        <p:nvGrpSpPr>
-          <p:cNvPr id="9" name="Group 8">
-            <a:extLst>
-              <a:ext uri="{FF2B5EF4-FFF2-40B4-BE49-F238E27FC236}">
-                <a16:creationId xmlns:a16="http://schemas.microsoft.com/office/drawing/2014/main" id="{0561C63D-3456-44FF-9A8C-C609A9A97121}"/>
-              </a:ext>
-            </a:extLst>
-          </p:cNvPr>
-          <p:cNvGrpSpPr/>
-          <p:nvPr/>
-        </p:nvGrpSpPr>
-        <p:grpSpPr>
-          <a:xfrm>
-            <a:off x="24853833" y="16082173"/>
-            <a:ext cx="3617758" cy="461665"/>
-            <a:chOff x="32576216" y="24123258"/>
-            <a:chExt cx="5426638" cy="692498"/>
-          </a:xfrm>
-        </p:grpSpPr>
-        <p:sp>
-          <p:nvSpPr>
-            <p:cNvPr id="41" name="TextBox 40">
-              <a:extLst>
-                <a:ext uri="{FF2B5EF4-FFF2-40B4-BE49-F238E27FC236}">
-                  <a16:creationId xmlns:a16="http://schemas.microsoft.com/office/drawing/2014/main" id="{5682A469-0F6C-4CD1-861C-F6138AA1CFF5}"/>
-                </a:ext>
-              </a:extLst>
-            </p:cNvPr>
-            <p:cNvSpPr txBox="1"/>
-            <p:nvPr/>
-          </p:nvSpPr>
-          <p:spPr>
-            <a:xfrm>
-              <a:off x="33033416" y="24123258"/>
-              <a:ext cx="4969438" cy="692498"/>
-            </a:xfrm>
-            <a:prstGeom prst="rect">
-              <a:avLst/>
-            </a:prstGeom>
-            <a:ln>
-              <a:noFill/>
-            </a:ln>
-            <a:effectLst/>
-          </p:spPr>
-          <p:style>
-            <a:lnRef idx="2">
-              <a:schemeClr val="dk1"/>
-            </a:lnRef>
-            <a:fillRef idx="1">
-              <a:schemeClr val="lt1"/>
-            </a:fillRef>
-            <a:effectRef idx="0">
-              <a:schemeClr val="dk1"/>
-            </a:effectRef>
-            <a:fontRef idx="minor">
-              <a:schemeClr val="dk1"/>
-            </a:fontRef>
-          </p:style>
-          <p:txBody>
-            <a:bodyPr wrap="none" lIns="182880" rIns="182880" rtlCol="0">
-              <a:spAutoFit/>
-            </a:bodyPr>
-            <a:lstStyle/>
-            <a:p>
-              <a:pPr defTabSz="3135215">
-                <a:defRPr/>
-              </a:pPr>
-              <a:r>
-                <a:rPr lang="en-US" sz="2400">
-                  <a:solidFill>
-                    <a:schemeClr val="bg1">
-                      <a:lumMod val="50000"/>
-                    </a:schemeClr>
-                  </a:solidFill>
-                  <a:latin typeface="Amaranth" panose="02000503050000020004" pitchFamily="2" charset="0"/>
-                </a:rPr>
-                <a:t>ACKNOWLEDGEMENTS</a:t>
-              </a:r>
-            </a:p>
-          </p:txBody>
-        </p:sp>
-        <p:sp>
-          <p:nvSpPr>
-            <p:cNvPr id="22" name="Rectangle 21">
-              <a:extLst>
-                <a:ext uri="{FF2B5EF4-FFF2-40B4-BE49-F238E27FC236}">
-                  <a16:creationId xmlns:a16="http://schemas.microsoft.com/office/drawing/2014/main" id="{153DC2BF-8F6E-4CFF-A885-3D8323D2B705}"/>
-                </a:ext>
-              </a:extLst>
-            </p:cNvPr>
-            <p:cNvSpPr/>
-            <p:nvPr/>
-          </p:nvSpPr>
-          <p:spPr bwMode="auto">
-            <a:xfrm>
-              <a:off x="32576216" y="24125186"/>
-              <a:ext cx="457200" cy="646331"/>
-            </a:xfrm>
-            <a:prstGeom prst="rect">
-              <a:avLst/>
-            </a:prstGeom>
-            <a:solidFill>
-              <a:srgbClr val="7F7F7F"/>
-            </a:solidFill>
-            <a:ln w="9525" cap="flat" cmpd="sng" algn="ctr">
-              <a:noFill/>
-              <a:prstDash val="solid"/>
-              <a:round/>
-              <a:headEnd type="none" w="med" len="med"/>
-              <a:tailEnd type="none" w="med" len="med"/>
-            </a:ln>
-            <a:effectLst/>
-            <a:extLst/>
-          </p:spPr>
-          <p:txBody>
-            <a:bodyPr rot="0" spcFirstLastPara="0" vertOverflow="overflow" horzOverflow="overflow" vert="horz" wrap="square" lIns="60960" tIns="30480" rIns="60960" bIns="30480" numCol="1" spcCol="0" rtlCol="0" fromWordArt="0" anchor="t" anchorCtr="0" forceAA="0" compatLnSpc="1">
-              <a:prstTxWarp prst="textNoShape">
-                <a:avLst/>
-              </a:prstTxWarp>
-              <a:noAutofit/>
-            </a:bodyPr>
-            <a:lstStyle/>
-            <a:p>
-              <a:pPr defTabSz="3135999"/>
-              <a:endParaRPr lang="en-US" sz="3000">
-                <a:latin typeface="Arial" pitchFamily="34" charset="0"/>
-              </a:endParaRPr>
-            </a:p>
-          </p:txBody>
-        </p:sp>
-      </p:grpSp>
-      <p:grpSp>
-        <p:nvGrpSpPr>
-          <p:cNvPr id="4" name="Group 3">
-            <a:extLst>
-              <a:ext uri="{FF2B5EF4-FFF2-40B4-BE49-F238E27FC236}">
-                <a16:creationId xmlns:a16="http://schemas.microsoft.com/office/drawing/2014/main" id="{69DA6868-859E-4342-976E-822157DE2D15}"/>
-              </a:ext>
-            </a:extLst>
-          </p:cNvPr>
-          <p:cNvGrpSpPr/>
-          <p:nvPr/>
-        </p:nvGrpSpPr>
-        <p:grpSpPr>
-          <a:xfrm>
-            <a:off x="660133" y="5290828"/>
-            <a:ext cx="2015446" cy="461666"/>
-            <a:chOff x="619432" y="7936247"/>
-            <a:chExt cx="3023168" cy="692500"/>
-          </a:xfrm>
-        </p:grpSpPr>
-        <p:sp>
-          <p:nvSpPr>
-            <p:cNvPr id="35" name="TextBox 34">
-              <a:extLst>
-                <a:ext uri="{FF2B5EF4-FFF2-40B4-BE49-F238E27FC236}">
-                  <a16:creationId xmlns:a16="http://schemas.microsoft.com/office/drawing/2014/main" id="{17220CD8-CD1F-4561-B6F6-872F8B351FDE}"/>
-                </a:ext>
-              </a:extLst>
-            </p:cNvPr>
-            <p:cNvSpPr txBox="1"/>
-            <p:nvPr/>
-          </p:nvSpPr>
-          <p:spPr>
-            <a:xfrm>
-              <a:off x="1066799" y="7936249"/>
-              <a:ext cx="2575801" cy="692498"/>
-            </a:xfrm>
-            <a:prstGeom prst="rect">
-              <a:avLst/>
-            </a:prstGeom>
-            <a:ln>
-              <a:noFill/>
-            </a:ln>
-            <a:effectLst/>
-          </p:spPr>
-          <p:style>
-            <a:lnRef idx="2">
-              <a:schemeClr val="dk1"/>
-            </a:lnRef>
-            <a:fillRef idx="1">
-              <a:schemeClr val="lt1"/>
-            </a:fillRef>
-            <a:effectRef idx="0">
-              <a:schemeClr val="dk1"/>
-            </a:effectRef>
-            <a:fontRef idx="minor">
-              <a:schemeClr val="dk1"/>
-            </a:fontRef>
-          </p:style>
-          <p:txBody>
-            <a:bodyPr wrap="none" lIns="182880" rIns="182880" rtlCol="0">
-              <a:spAutoFit/>
-            </a:bodyPr>
-            <a:lstStyle/>
-            <a:p>
-              <a:pPr defTabSz="3135215">
-                <a:defRPr/>
-              </a:pPr>
-              <a:r>
-                <a:rPr lang="en-US" sz="2400">
-                  <a:solidFill>
-                    <a:srgbClr val="6E4D99"/>
-                  </a:solidFill>
-                  <a:latin typeface="Amaranth" panose="02000503050000020004" pitchFamily="2" charset="0"/>
-                </a:rPr>
-                <a:t>ABSTRACT</a:t>
-              </a:r>
-            </a:p>
-          </p:txBody>
-        </p:sp>
-        <p:sp>
-          <p:nvSpPr>
-            <p:cNvPr id="24" name="Rectangle 23">
-              <a:extLst>
-                <a:ext uri="{FF2B5EF4-FFF2-40B4-BE49-F238E27FC236}">
-                  <a16:creationId xmlns:a16="http://schemas.microsoft.com/office/drawing/2014/main" id="{269B7A80-A037-4811-AA81-3FB99CEB6B45}"/>
-                </a:ext>
-              </a:extLst>
-            </p:cNvPr>
-            <p:cNvSpPr/>
-            <p:nvPr/>
-          </p:nvSpPr>
-          <p:spPr bwMode="auto">
-            <a:xfrm>
-              <a:off x="619432" y="7936247"/>
-              <a:ext cx="457200" cy="646331"/>
-            </a:xfrm>
-            <a:prstGeom prst="rect">
-              <a:avLst/>
-            </a:prstGeom>
-            <a:solidFill>
-              <a:srgbClr val="6E4D99"/>
-            </a:solidFill>
-            <a:ln w="9525" cap="flat" cmpd="sng" algn="ctr">
-              <a:noFill/>
-              <a:prstDash val="solid"/>
-              <a:round/>
-              <a:headEnd type="none" w="med" len="med"/>
-              <a:tailEnd type="none" w="med" len="med"/>
-            </a:ln>
-            <a:effectLst/>
-            <a:extLst/>
-          </p:spPr>
-          <p:txBody>
-            <a:bodyPr rot="0" spcFirstLastPara="0" vertOverflow="overflow" horzOverflow="overflow" vert="horz" wrap="square" lIns="60960" tIns="30480" rIns="60960" bIns="30480" numCol="1" spcCol="0" rtlCol="0" fromWordArt="0" anchor="t" anchorCtr="0" forceAA="0" compatLnSpc="1">
-              <a:prstTxWarp prst="textNoShape">
-                <a:avLst/>
-              </a:prstTxWarp>
-              <a:noAutofit/>
-            </a:bodyPr>
-            <a:lstStyle/>
-            <a:p>
-              <a:pPr defTabSz="3135999"/>
-              <a:endParaRPr lang="en-US" sz="3000">
-                <a:latin typeface="Arial" pitchFamily="34" charset="0"/>
-              </a:endParaRPr>
-            </a:p>
-          </p:txBody>
-        </p:sp>
-      </p:grpSp>
-      <p:grpSp>
-        <p:nvGrpSpPr>
-          <p:cNvPr id="5" name="Group 4">
-            <a:extLst>
-              <a:ext uri="{FF2B5EF4-FFF2-40B4-BE49-F238E27FC236}">
-                <a16:creationId xmlns:a16="http://schemas.microsoft.com/office/drawing/2014/main" id="{628E0EA1-F584-4FE4-81F7-2DFD4FB88DA2}"/>
-              </a:ext>
-            </a:extLst>
-          </p:cNvPr>
-          <p:cNvGrpSpPr/>
-          <p:nvPr/>
-        </p:nvGrpSpPr>
-        <p:grpSpPr>
-          <a:xfrm>
-            <a:off x="8724700" y="5290828"/>
-            <a:ext cx="2726425" cy="461665"/>
-            <a:chOff x="11309555" y="7936248"/>
-            <a:chExt cx="4089638" cy="692498"/>
-          </a:xfrm>
-        </p:grpSpPr>
-        <p:sp>
-          <p:nvSpPr>
-            <p:cNvPr id="36" name="TextBox 35">
-              <a:extLst>
-                <a:ext uri="{FF2B5EF4-FFF2-40B4-BE49-F238E27FC236}">
-                  <a16:creationId xmlns:a16="http://schemas.microsoft.com/office/drawing/2014/main" id="{F9744332-409D-4E13-8004-F1FC2BA8831D}"/>
-                </a:ext>
-              </a:extLst>
-            </p:cNvPr>
-            <p:cNvSpPr txBox="1"/>
-            <p:nvPr/>
-          </p:nvSpPr>
-          <p:spPr>
-            <a:xfrm>
-              <a:off x="11766755" y="7936248"/>
-              <a:ext cx="3632438" cy="692498"/>
-            </a:xfrm>
-            <a:prstGeom prst="rect">
-              <a:avLst/>
-            </a:prstGeom>
-            <a:ln>
-              <a:noFill/>
-            </a:ln>
-            <a:effectLst/>
-          </p:spPr>
-          <p:style>
-            <a:lnRef idx="2">
-              <a:schemeClr val="dk1"/>
-            </a:lnRef>
-            <a:fillRef idx="1">
-              <a:schemeClr val="lt1"/>
-            </a:fillRef>
-            <a:effectRef idx="0">
-              <a:schemeClr val="dk1"/>
-            </a:effectRef>
-            <a:fontRef idx="minor">
-              <a:schemeClr val="dk1"/>
-            </a:fontRef>
-          </p:style>
-          <p:txBody>
-            <a:bodyPr wrap="none" lIns="182880" rIns="182880" rtlCol="0">
-              <a:spAutoFit/>
-            </a:bodyPr>
-            <a:lstStyle/>
-            <a:p>
-              <a:pPr defTabSz="3135215">
-                <a:defRPr/>
-              </a:pPr>
-              <a:r>
-                <a:rPr lang="en-US" sz="2400">
-                  <a:solidFill>
-                    <a:srgbClr val="679955"/>
-                  </a:solidFill>
-                  <a:latin typeface="Amaranth" panose="02000503050000020004" pitchFamily="2" charset="0"/>
-                </a:rPr>
-                <a:t>METHODOLOGY</a:t>
-              </a:r>
-            </a:p>
-          </p:txBody>
-        </p:sp>
-        <p:sp>
-          <p:nvSpPr>
-            <p:cNvPr id="26" name="Rectangle 25">
-              <a:extLst>
-                <a:ext uri="{FF2B5EF4-FFF2-40B4-BE49-F238E27FC236}">
-                  <a16:creationId xmlns:a16="http://schemas.microsoft.com/office/drawing/2014/main" id="{C2540629-E07F-4524-B7B0-8AD50B9CA383}"/>
-                </a:ext>
-              </a:extLst>
-            </p:cNvPr>
-            <p:cNvSpPr/>
-            <p:nvPr/>
-          </p:nvSpPr>
-          <p:spPr bwMode="auto">
-            <a:xfrm>
-              <a:off x="11309555" y="7936564"/>
-              <a:ext cx="457200" cy="646331"/>
-            </a:xfrm>
-            <a:prstGeom prst="rect">
-              <a:avLst/>
-            </a:prstGeom>
-            <a:solidFill>
-              <a:srgbClr val="679955"/>
-            </a:solidFill>
-            <a:ln w="9525" cap="flat" cmpd="sng" algn="ctr">
-              <a:noFill/>
-              <a:prstDash val="solid"/>
-              <a:round/>
-              <a:headEnd type="none" w="med" len="med"/>
-              <a:tailEnd type="none" w="med" len="med"/>
-            </a:ln>
-            <a:effectLst/>
-            <a:extLst/>
-          </p:spPr>
-          <p:txBody>
-            <a:bodyPr rot="0" spcFirstLastPara="0" vertOverflow="overflow" horzOverflow="overflow" vert="horz" wrap="square" lIns="60960" tIns="30480" rIns="60960" bIns="30480" numCol="1" spcCol="0" rtlCol="0" fromWordArt="0" anchor="t" anchorCtr="0" forceAA="0" compatLnSpc="1">
-              <a:prstTxWarp prst="textNoShape">
-                <a:avLst/>
-              </a:prstTxWarp>
-              <a:noAutofit/>
-            </a:bodyPr>
-            <a:lstStyle/>
-            <a:p>
-              <a:pPr defTabSz="3135999"/>
-              <a:endParaRPr lang="en-US" sz="3000">
-                <a:latin typeface="Arial" pitchFamily="34" charset="0"/>
-              </a:endParaRPr>
-            </a:p>
-          </p:txBody>
-        </p:sp>
-      </p:grpSp>
-      <p:grpSp>
-        <p:nvGrpSpPr>
-          <p:cNvPr id="6" name="Group 5">
-            <a:extLst>
-              <a:ext uri="{FF2B5EF4-FFF2-40B4-BE49-F238E27FC236}">
-                <a16:creationId xmlns:a16="http://schemas.microsoft.com/office/drawing/2014/main" id="{DFD3D1B1-E282-45AC-A5D2-BF5D46CFDC2A}"/>
-              </a:ext>
-            </a:extLst>
-          </p:cNvPr>
-          <p:cNvGrpSpPr/>
-          <p:nvPr/>
-        </p:nvGrpSpPr>
-        <p:grpSpPr>
-          <a:xfrm>
-            <a:off x="16761048" y="5290832"/>
-            <a:ext cx="1759358" cy="461665"/>
-            <a:chOff x="21950516" y="7936248"/>
-            <a:chExt cx="2639038" cy="692498"/>
-          </a:xfrm>
-        </p:grpSpPr>
-        <p:sp>
-          <p:nvSpPr>
-            <p:cNvPr id="38" name="TextBox 37">
-              <a:extLst>
-                <a:ext uri="{FF2B5EF4-FFF2-40B4-BE49-F238E27FC236}">
-                  <a16:creationId xmlns:a16="http://schemas.microsoft.com/office/drawing/2014/main" id="{9A18A5CA-EAF8-4A0C-91E3-652892D85424}"/>
-                </a:ext>
-              </a:extLst>
-            </p:cNvPr>
-            <p:cNvSpPr txBox="1"/>
-            <p:nvPr/>
-          </p:nvSpPr>
-          <p:spPr>
-            <a:xfrm>
-              <a:off x="22402802" y="7936248"/>
-              <a:ext cx="2186753" cy="692498"/>
-            </a:xfrm>
-            <a:prstGeom prst="rect">
-              <a:avLst/>
-            </a:prstGeom>
-            <a:ln>
-              <a:noFill/>
-            </a:ln>
-            <a:effectLst/>
-          </p:spPr>
-          <p:style>
-            <a:lnRef idx="2">
-              <a:schemeClr val="dk1"/>
-            </a:lnRef>
-            <a:fillRef idx="1">
-              <a:schemeClr val="lt1"/>
-            </a:fillRef>
-            <a:effectRef idx="0">
-              <a:schemeClr val="dk1"/>
-            </a:effectRef>
-            <a:fontRef idx="minor">
-              <a:schemeClr val="dk1"/>
-            </a:fontRef>
-          </p:style>
-          <p:txBody>
-            <a:bodyPr wrap="none" lIns="182880" rIns="182880" rtlCol="0">
-              <a:spAutoFit/>
-            </a:bodyPr>
-            <a:lstStyle/>
-            <a:p>
-              <a:pPr defTabSz="3135215">
-                <a:defRPr/>
-              </a:pPr>
-              <a:r>
-                <a:rPr lang="en-US" sz="2400" dirty="0">
-                  <a:solidFill>
-                    <a:srgbClr val="679955"/>
-                  </a:solidFill>
-                  <a:latin typeface="Amaranth" panose="02000503050000020004" pitchFamily="2" charset="0"/>
-                </a:rPr>
-                <a:t>RESULTS</a:t>
-              </a:r>
-            </a:p>
-          </p:txBody>
-        </p:sp>
-        <p:sp>
-          <p:nvSpPr>
-            <p:cNvPr id="28" name="Rectangle 27">
-              <a:extLst>
-                <a:ext uri="{FF2B5EF4-FFF2-40B4-BE49-F238E27FC236}">
-                  <a16:creationId xmlns:a16="http://schemas.microsoft.com/office/drawing/2014/main" id="{3DBBCF0F-8115-4C70-A694-F428A5C95969}"/>
-                </a:ext>
-              </a:extLst>
-            </p:cNvPr>
-            <p:cNvSpPr/>
-            <p:nvPr/>
-          </p:nvSpPr>
-          <p:spPr bwMode="auto">
-            <a:xfrm>
-              <a:off x="21950516" y="7966059"/>
-              <a:ext cx="457200" cy="646331"/>
-            </a:xfrm>
-            <a:prstGeom prst="rect">
-              <a:avLst/>
-            </a:prstGeom>
-            <a:solidFill>
-              <a:srgbClr val="679955"/>
-            </a:solidFill>
-            <a:ln w="9525" cap="flat" cmpd="sng" algn="ctr">
-              <a:noFill/>
-              <a:prstDash val="solid"/>
-              <a:round/>
-              <a:headEnd type="none" w="med" len="med"/>
-              <a:tailEnd type="none" w="med" len="med"/>
-            </a:ln>
-            <a:effectLst/>
-            <a:extLst/>
-          </p:spPr>
-          <p:txBody>
-            <a:bodyPr rot="0" spcFirstLastPara="0" vertOverflow="overflow" horzOverflow="overflow" vert="horz" wrap="square" lIns="60960" tIns="30480" rIns="60960" bIns="30480" numCol="1" spcCol="0" rtlCol="0" fromWordArt="0" anchor="t" anchorCtr="0" forceAA="0" compatLnSpc="1">
-              <a:prstTxWarp prst="textNoShape">
-                <a:avLst/>
-              </a:prstTxWarp>
-              <a:noAutofit/>
-            </a:bodyPr>
-            <a:lstStyle/>
-            <a:p>
-              <a:pPr defTabSz="3135999"/>
-              <a:endParaRPr lang="en-US" sz="3000">
-                <a:latin typeface="Arial" pitchFamily="34" charset="0"/>
-              </a:endParaRPr>
-            </a:p>
-          </p:txBody>
-        </p:sp>
-      </p:grpSp>
-      <p:grpSp>
-        <p:nvGrpSpPr>
-          <p:cNvPr id="7" name="Group 6">
-            <a:extLst>
-              <a:ext uri="{FF2B5EF4-FFF2-40B4-BE49-F238E27FC236}">
-                <a16:creationId xmlns:a16="http://schemas.microsoft.com/office/drawing/2014/main" id="{1BB9306F-3280-4FFD-A286-DCBADFD49E3F}"/>
-              </a:ext>
-            </a:extLst>
-          </p:cNvPr>
-          <p:cNvGrpSpPr/>
-          <p:nvPr/>
-        </p:nvGrpSpPr>
-        <p:grpSpPr>
-          <a:xfrm>
-            <a:off x="24853833" y="5290828"/>
-            <a:ext cx="3378911" cy="461666"/>
-            <a:chOff x="32576216" y="7936247"/>
-            <a:chExt cx="5068367" cy="692500"/>
-          </a:xfrm>
-        </p:grpSpPr>
-        <p:sp>
-          <p:nvSpPr>
-            <p:cNvPr id="40" name="TextBox 39">
-              <a:extLst>
-                <a:ext uri="{FF2B5EF4-FFF2-40B4-BE49-F238E27FC236}">
-                  <a16:creationId xmlns:a16="http://schemas.microsoft.com/office/drawing/2014/main" id="{9486D635-9884-427F-9A27-F0D207FACB9C}"/>
-                </a:ext>
-              </a:extLst>
-            </p:cNvPr>
-            <p:cNvSpPr txBox="1"/>
-            <p:nvPr/>
-          </p:nvSpPr>
-          <p:spPr>
-            <a:xfrm>
-              <a:off x="33033416" y="7936249"/>
-              <a:ext cx="4611167" cy="692498"/>
-            </a:xfrm>
-            <a:prstGeom prst="rect">
-              <a:avLst/>
-            </a:prstGeom>
-            <a:ln>
-              <a:noFill/>
-            </a:ln>
-            <a:effectLst/>
-          </p:spPr>
-          <p:style>
-            <a:lnRef idx="2">
-              <a:schemeClr val="dk1"/>
-            </a:lnRef>
-            <a:fillRef idx="1">
-              <a:schemeClr val="lt1"/>
-            </a:fillRef>
-            <a:effectRef idx="0">
-              <a:schemeClr val="dk1"/>
-            </a:effectRef>
-            <a:fontRef idx="minor">
-              <a:schemeClr val="dk1"/>
-            </a:fontRef>
-          </p:style>
-          <p:txBody>
-            <a:bodyPr wrap="none" lIns="182880" rIns="182880" rtlCol="0">
-              <a:spAutoFit/>
-            </a:bodyPr>
-            <a:lstStyle/>
-            <a:p>
-              <a:pPr defTabSz="3135215">
-                <a:defRPr/>
-              </a:pPr>
-              <a:r>
-                <a:rPr lang="en-US" sz="2400">
-                  <a:solidFill>
-                    <a:srgbClr val="6E4D99"/>
-                  </a:solidFill>
-                  <a:latin typeface="Amaranth" panose="02000503050000020004" pitchFamily="2" charset="0"/>
-                </a:rPr>
-                <a:t>RECOMMENDATIONS</a:t>
-              </a:r>
-            </a:p>
-          </p:txBody>
-        </p:sp>
-        <p:sp>
-          <p:nvSpPr>
-            <p:cNvPr id="30" name="Rectangle 29">
-              <a:extLst>
-                <a:ext uri="{FF2B5EF4-FFF2-40B4-BE49-F238E27FC236}">
-                  <a16:creationId xmlns:a16="http://schemas.microsoft.com/office/drawing/2014/main" id="{99702F2A-8E0E-4D1A-A866-FC61F70C5522}"/>
-                </a:ext>
-              </a:extLst>
-            </p:cNvPr>
-            <p:cNvSpPr/>
-            <p:nvPr/>
-          </p:nvSpPr>
-          <p:spPr bwMode="auto">
-            <a:xfrm>
-              <a:off x="32576216" y="7936247"/>
-              <a:ext cx="457200" cy="646331"/>
-            </a:xfrm>
-            <a:prstGeom prst="rect">
-              <a:avLst/>
-            </a:prstGeom>
-            <a:solidFill>
-              <a:srgbClr val="6E4D99"/>
-            </a:solidFill>
-            <a:ln w="9525" cap="flat" cmpd="sng" algn="ctr">
-              <a:noFill/>
-              <a:prstDash val="solid"/>
-              <a:round/>
-              <a:headEnd type="none" w="med" len="med"/>
-              <a:tailEnd type="none" w="med" len="med"/>
-            </a:ln>
-            <a:effectLst/>
-            <a:extLst/>
-          </p:spPr>
-          <p:txBody>
-            <a:bodyPr rot="0" spcFirstLastPara="0" vertOverflow="overflow" horzOverflow="overflow" vert="horz" wrap="square" lIns="60960" tIns="30480" rIns="60960" bIns="30480" numCol="1" spcCol="0" rtlCol="0" fromWordArt="0" anchor="t" anchorCtr="0" forceAA="0" compatLnSpc="1">
-              <a:prstTxWarp prst="textNoShape">
-                <a:avLst/>
-              </a:prstTxWarp>
-              <a:noAutofit/>
-            </a:bodyPr>
-            <a:lstStyle/>
-            <a:p>
-              <a:pPr defTabSz="3135999"/>
-              <a:endParaRPr lang="en-US" sz="3000">
-                <a:latin typeface="Arial" pitchFamily="34" charset="0"/>
-              </a:endParaRPr>
-            </a:p>
-          </p:txBody>
-        </p:sp>
-      </p:grpSp>
-      <p:grpSp>
-        <p:nvGrpSpPr>
-          <p:cNvPr id="8" name="Group 7">
-            <a:extLst>
-              <a:ext uri="{FF2B5EF4-FFF2-40B4-BE49-F238E27FC236}">
-                <a16:creationId xmlns:a16="http://schemas.microsoft.com/office/drawing/2014/main" id="{8A48DC6E-5C6A-4A57-8A78-B09BE503F40B}"/>
-              </a:ext>
-            </a:extLst>
-          </p:cNvPr>
-          <p:cNvGrpSpPr/>
-          <p:nvPr/>
-        </p:nvGrpSpPr>
-        <p:grpSpPr>
-          <a:xfrm>
-            <a:off x="660133" y="12724855"/>
-            <a:ext cx="2685901" cy="461665"/>
-            <a:chOff x="619432" y="19087285"/>
-            <a:chExt cx="4028852" cy="692497"/>
-          </a:xfrm>
-        </p:grpSpPr>
-        <p:sp>
-          <p:nvSpPr>
-            <p:cNvPr id="37" name="TextBox 36">
-              <a:extLst>
-                <a:ext uri="{FF2B5EF4-FFF2-40B4-BE49-F238E27FC236}">
-                  <a16:creationId xmlns:a16="http://schemas.microsoft.com/office/drawing/2014/main" id="{2AE133AC-1DFE-4D6E-B1A3-31B930A6602E}"/>
-                </a:ext>
-              </a:extLst>
-            </p:cNvPr>
-            <p:cNvSpPr txBox="1"/>
-            <p:nvPr/>
-          </p:nvSpPr>
-          <p:spPr>
-            <a:xfrm>
-              <a:off x="1076632" y="19087285"/>
-              <a:ext cx="3571652" cy="692497"/>
-            </a:xfrm>
-            <a:prstGeom prst="rect">
-              <a:avLst/>
-            </a:prstGeom>
-            <a:ln>
-              <a:noFill/>
-            </a:ln>
-            <a:effectLst/>
-          </p:spPr>
-          <p:style>
-            <a:lnRef idx="2">
-              <a:schemeClr val="dk1"/>
-            </a:lnRef>
-            <a:fillRef idx="1">
-              <a:schemeClr val="lt1"/>
-            </a:fillRef>
-            <a:effectRef idx="0">
-              <a:schemeClr val="dk1"/>
-            </a:effectRef>
-            <a:fontRef idx="minor">
-              <a:schemeClr val="dk1"/>
-            </a:fontRef>
-          </p:style>
-          <p:txBody>
-            <a:bodyPr wrap="none" lIns="182880" rIns="182880" rtlCol="0">
-              <a:spAutoFit/>
-            </a:bodyPr>
-            <a:lstStyle/>
-            <a:p>
-              <a:pPr defTabSz="3135215">
-                <a:defRPr/>
-              </a:pPr>
-              <a:r>
-                <a:rPr lang="en-US" sz="2400">
-                  <a:solidFill>
-                    <a:srgbClr val="A33B3B"/>
-                  </a:solidFill>
-                  <a:latin typeface="Amaranth" panose="02000503050000020004" pitchFamily="2" charset="0"/>
-                </a:rPr>
-                <a:t>INTRODUCTION</a:t>
-              </a:r>
-            </a:p>
-          </p:txBody>
-        </p:sp>
-        <p:sp>
-          <p:nvSpPr>
-            <p:cNvPr id="32" name="Rectangle 31">
-              <a:extLst>
-                <a:ext uri="{FF2B5EF4-FFF2-40B4-BE49-F238E27FC236}">
-                  <a16:creationId xmlns:a16="http://schemas.microsoft.com/office/drawing/2014/main" id="{F1C45890-5A72-41A6-9C21-8464F46D0E48}"/>
-                </a:ext>
-              </a:extLst>
-            </p:cNvPr>
-            <p:cNvSpPr/>
-            <p:nvPr/>
-          </p:nvSpPr>
-          <p:spPr bwMode="auto">
-            <a:xfrm>
-              <a:off x="619432" y="19087912"/>
-              <a:ext cx="457200" cy="646331"/>
-            </a:xfrm>
-            <a:prstGeom prst="rect">
-              <a:avLst/>
-            </a:prstGeom>
-            <a:solidFill>
-              <a:srgbClr val="A33B3B"/>
-            </a:solidFill>
-            <a:ln w="9525" cap="flat" cmpd="sng" algn="ctr">
-              <a:noFill/>
-              <a:prstDash val="solid"/>
-              <a:round/>
-              <a:headEnd type="none" w="med" len="med"/>
-              <a:tailEnd type="none" w="med" len="med"/>
-            </a:ln>
-            <a:effectLst/>
-            <a:extLst/>
-          </p:spPr>
-          <p:txBody>
-            <a:bodyPr rot="0" spcFirstLastPara="0" vertOverflow="overflow" horzOverflow="overflow" vert="horz" wrap="square" lIns="60960" tIns="30480" rIns="60960" bIns="30480" numCol="1" spcCol="0" rtlCol="0" fromWordArt="0" anchor="t" anchorCtr="0" forceAA="0" compatLnSpc="1">
-              <a:prstTxWarp prst="textNoShape">
-                <a:avLst/>
-              </a:prstTxWarp>
-              <a:noAutofit/>
-            </a:bodyPr>
-            <a:lstStyle/>
-            <a:p>
-              <a:pPr defTabSz="3135999"/>
-              <a:endParaRPr lang="en-US" sz="3000">
-                <a:latin typeface="Arial" pitchFamily="34" charset="0"/>
-              </a:endParaRPr>
-            </a:p>
-          </p:txBody>
-        </p:sp>
-      </p:grpSp>
     </p:spTree>
+    <p:extLst>
+      <p:ext uri="{BB962C8B-B14F-4D97-AF65-F5344CB8AC3E}">
+        <p14:creationId xmlns:p14="http://schemas.microsoft.com/office/powerpoint/2010/main" val="3345547908"/>
+      </p:ext>
+    </p:extLst>
   </p:cSld>
   <p:clrMapOvr>
     <a:masterClrMapping/>
